--- a/global/Présentation.pptx
+++ b/global/Présentation.pptx
@@ -4,30 +4,25 @@
   <p:sldMasterIdLst>
     <p:sldMasterId id="2147484090" r:id="rId1"/>
   </p:sldMasterIdLst>
+  <p:notesMasterIdLst>
+    <p:notesMasterId r:id="rId17"/>
+  </p:notesMasterIdLst>
   <p:sldIdLst>
     <p:sldId id="261" r:id="rId2"/>
     <p:sldId id="262" r:id="rId3"/>
     <p:sldId id="257" r:id="rId4"/>
     <p:sldId id="258" r:id="rId5"/>
     <p:sldId id="259" r:id="rId6"/>
-    <p:sldId id="260" r:id="rId7"/>
-    <p:sldId id="263" r:id="rId8"/>
-    <p:sldId id="264" r:id="rId9"/>
-    <p:sldId id="265" r:id="rId10"/>
-    <p:sldId id="266" r:id="rId11"/>
-    <p:sldId id="267" r:id="rId12"/>
-    <p:sldId id="269" r:id="rId13"/>
-    <p:sldId id="272" r:id="rId14"/>
-    <p:sldId id="273" r:id="rId15"/>
-    <p:sldId id="274" r:id="rId16"/>
-    <p:sldId id="279" r:id="rId17"/>
-    <p:sldId id="280" r:id="rId18"/>
-    <p:sldId id="281" r:id="rId19"/>
-    <p:sldId id="270" r:id="rId20"/>
-    <p:sldId id="275" r:id="rId21"/>
-    <p:sldId id="277" r:id="rId22"/>
-    <p:sldId id="278" r:id="rId23"/>
-    <p:sldId id="271" r:id="rId24"/>
+    <p:sldId id="263" r:id="rId7"/>
+    <p:sldId id="265" r:id="rId8"/>
+    <p:sldId id="269" r:id="rId9"/>
+    <p:sldId id="272" r:id="rId10"/>
+    <p:sldId id="273" r:id="rId11"/>
+    <p:sldId id="274" r:id="rId12"/>
+    <p:sldId id="279" r:id="rId13"/>
+    <p:sldId id="280" r:id="rId14"/>
+    <p:sldId id="260" r:id="rId15"/>
+    <p:sldId id="271" r:id="rId16"/>
   </p:sldIdLst>
   <p:sldSz cx="12192000" cy="6858000"/>
   <p:notesSz cx="6858000" cy="9144000"/>
@@ -134,6 +129,776 @@
 </p:presentation>
 </file>
 
+<file path=ppt/notesMasters/notesMaster1.xml><?xml version="1.0" encoding="utf-8"?>
+<p:notesMaster xmlns:a="http://schemas.openxmlformats.org/drawingml/2006/main" xmlns:r="http://schemas.openxmlformats.org/officeDocument/2006/relationships" xmlns:p="http://schemas.openxmlformats.org/presentationml/2006/main">
+  <p:cSld>
+    <p:bg>
+      <p:bgRef idx="1001">
+        <a:schemeClr val="bg1"/>
+      </p:bgRef>
+    </p:bg>
+    <p:spTree>
+      <p:nvGrpSpPr>
+        <p:cNvPr id="1" name=""/>
+        <p:cNvGrpSpPr/>
+        <p:nvPr/>
+      </p:nvGrpSpPr>
+      <p:grpSpPr>
+        <a:xfrm>
+          <a:off x="0" y="0"/>
+          <a:ext cx="0" cy="0"/>
+          <a:chOff x="0" y="0"/>
+          <a:chExt cx="0" cy="0"/>
+        </a:xfrm>
+      </p:grpSpPr>
+      <p:sp>
+        <p:nvSpPr>
+          <p:cNvPr id="2" name="Espace réservé de l'en-tête 1"/>
+          <p:cNvSpPr>
+            <a:spLocks noGrp="1"/>
+          </p:cNvSpPr>
+          <p:nvPr>
+            <p:ph type="hdr" sz="quarter"/>
+          </p:nvPr>
+        </p:nvSpPr>
+        <p:spPr>
+          <a:xfrm>
+            <a:off x="0" y="0"/>
+            <a:ext cx="2971800" cy="458788"/>
+          </a:xfrm>
+          <a:prstGeom prst="rect">
+            <a:avLst/>
+          </a:prstGeom>
+        </p:spPr>
+        <p:txBody>
+          <a:bodyPr vert="horz" lIns="91440" tIns="45720" rIns="91440" bIns="45720" rtlCol="0"/>
+          <a:lstStyle>
+            <a:lvl1pPr algn="l">
+              <a:defRPr sz="1200"/>
+            </a:lvl1pPr>
+          </a:lstStyle>
+          <a:p>
+            <a:endParaRPr lang="fr-FR"/>
+          </a:p>
+        </p:txBody>
+      </p:sp>
+      <p:sp>
+        <p:nvSpPr>
+          <p:cNvPr id="3" name="Espace réservé de la date 2"/>
+          <p:cNvSpPr>
+            <a:spLocks noGrp="1"/>
+          </p:cNvSpPr>
+          <p:nvPr>
+            <p:ph type="dt" idx="1"/>
+          </p:nvPr>
+        </p:nvSpPr>
+        <p:spPr>
+          <a:xfrm>
+            <a:off x="3884613" y="0"/>
+            <a:ext cx="2971800" cy="458788"/>
+          </a:xfrm>
+          <a:prstGeom prst="rect">
+            <a:avLst/>
+          </a:prstGeom>
+        </p:spPr>
+        <p:txBody>
+          <a:bodyPr vert="horz" lIns="91440" tIns="45720" rIns="91440" bIns="45720" rtlCol="0"/>
+          <a:lstStyle>
+            <a:lvl1pPr algn="r">
+              <a:defRPr sz="1200"/>
+            </a:lvl1pPr>
+          </a:lstStyle>
+          <a:p>
+            <a:fld id="{D3A2DF76-BC20-46E4-8BEB-A1F529C5270F}" type="datetimeFigureOut">
+              <a:rPr lang="fr-FR" smtClean="0"/>
+              <a:t>14/06/2013</a:t>
+            </a:fld>
+            <a:endParaRPr lang="fr-FR"/>
+          </a:p>
+        </p:txBody>
+      </p:sp>
+      <p:sp>
+        <p:nvSpPr>
+          <p:cNvPr id="4" name="Espace réservé de l'image des diapositives 3"/>
+          <p:cNvSpPr>
+            <a:spLocks noGrp="1" noRot="1" noChangeAspect="1"/>
+          </p:cNvSpPr>
+          <p:nvPr>
+            <p:ph type="sldImg" idx="2"/>
+          </p:nvPr>
+        </p:nvSpPr>
+        <p:spPr>
+          <a:xfrm>
+            <a:off x="685800" y="1143000"/>
+            <a:ext cx="5486400" cy="3086100"/>
+          </a:xfrm>
+          <a:prstGeom prst="rect">
+            <a:avLst/>
+          </a:prstGeom>
+          <a:noFill/>
+          <a:ln w="12700">
+            <a:solidFill>
+              <a:prstClr val="black"/>
+            </a:solidFill>
+          </a:ln>
+        </p:spPr>
+        <p:txBody>
+          <a:bodyPr vert="horz" lIns="91440" tIns="45720" rIns="91440" bIns="45720" rtlCol="0" anchor="ctr"/>
+          <a:lstStyle/>
+          <a:p>
+            <a:endParaRPr lang="fr-FR"/>
+          </a:p>
+        </p:txBody>
+      </p:sp>
+      <p:sp>
+        <p:nvSpPr>
+          <p:cNvPr id="5" name="Espace réservé des commentaires 4"/>
+          <p:cNvSpPr>
+            <a:spLocks noGrp="1"/>
+          </p:cNvSpPr>
+          <p:nvPr>
+            <p:ph type="body" sz="quarter" idx="3"/>
+          </p:nvPr>
+        </p:nvSpPr>
+        <p:spPr>
+          <a:xfrm>
+            <a:off x="685800" y="4400550"/>
+            <a:ext cx="5486400" cy="3600450"/>
+          </a:xfrm>
+          <a:prstGeom prst="rect">
+            <a:avLst/>
+          </a:prstGeom>
+        </p:spPr>
+        <p:txBody>
+          <a:bodyPr vert="horz" lIns="91440" tIns="45720" rIns="91440" bIns="45720" rtlCol="0"/>
+          <a:lstStyle/>
+          <a:p>
+            <a:pPr lvl="0"/>
+            <a:r>
+              <a:rPr lang="fr-FR" smtClean="0"/>
+              <a:t>Modifiez les styles du texte du masque</a:t>
+            </a:r>
+          </a:p>
+          <a:p>
+            <a:pPr lvl="1"/>
+            <a:r>
+              <a:rPr lang="fr-FR" smtClean="0"/>
+              <a:t>Deuxième niveau</a:t>
+            </a:r>
+          </a:p>
+          <a:p>
+            <a:pPr lvl="2"/>
+            <a:r>
+              <a:rPr lang="fr-FR" smtClean="0"/>
+              <a:t>Troisième niveau</a:t>
+            </a:r>
+          </a:p>
+          <a:p>
+            <a:pPr lvl="3"/>
+            <a:r>
+              <a:rPr lang="fr-FR" smtClean="0"/>
+              <a:t>Quatrième niveau</a:t>
+            </a:r>
+          </a:p>
+          <a:p>
+            <a:pPr lvl="4"/>
+            <a:r>
+              <a:rPr lang="fr-FR" smtClean="0"/>
+              <a:t>Cinquième niveau</a:t>
+            </a:r>
+            <a:endParaRPr lang="fr-FR"/>
+          </a:p>
+        </p:txBody>
+      </p:sp>
+      <p:sp>
+        <p:nvSpPr>
+          <p:cNvPr id="6" name="Espace réservé du pied de page 5"/>
+          <p:cNvSpPr>
+            <a:spLocks noGrp="1"/>
+          </p:cNvSpPr>
+          <p:nvPr>
+            <p:ph type="ftr" sz="quarter" idx="4"/>
+          </p:nvPr>
+        </p:nvSpPr>
+        <p:spPr>
+          <a:xfrm>
+            <a:off x="0" y="8685213"/>
+            <a:ext cx="2971800" cy="458787"/>
+          </a:xfrm>
+          <a:prstGeom prst="rect">
+            <a:avLst/>
+          </a:prstGeom>
+        </p:spPr>
+        <p:txBody>
+          <a:bodyPr vert="horz" lIns="91440" tIns="45720" rIns="91440" bIns="45720" rtlCol="0" anchor="b"/>
+          <a:lstStyle>
+            <a:lvl1pPr algn="l">
+              <a:defRPr sz="1200"/>
+            </a:lvl1pPr>
+          </a:lstStyle>
+          <a:p>
+            <a:endParaRPr lang="fr-FR"/>
+          </a:p>
+        </p:txBody>
+      </p:sp>
+      <p:sp>
+        <p:nvSpPr>
+          <p:cNvPr id="7" name="Espace réservé du numéro de diapositive 6"/>
+          <p:cNvSpPr>
+            <a:spLocks noGrp="1"/>
+          </p:cNvSpPr>
+          <p:nvPr>
+            <p:ph type="sldNum" sz="quarter" idx="5"/>
+          </p:nvPr>
+        </p:nvSpPr>
+        <p:spPr>
+          <a:xfrm>
+            <a:off x="3884613" y="8685213"/>
+            <a:ext cx="2971800" cy="458787"/>
+          </a:xfrm>
+          <a:prstGeom prst="rect">
+            <a:avLst/>
+          </a:prstGeom>
+        </p:spPr>
+        <p:txBody>
+          <a:bodyPr vert="horz" lIns="91440" tIns="45720" rIns="91440" bIns="45720" rtlCol="0" anchor="b"/>
+          <a:lstStyle>
+            <a:lvl1pPr algn="r">
+              <a:defRPr sz="1200"/>
+            </a:lvl1pPr>
+          </a:lstStyle>
+          <a:p>
+            <a:fld id="{1C3EBECF-9DF5-40DE-8667-B5C5A844BEEF}" type="slidenum">
+              <a:rPr lang="fr-FR" smtClean="0"/>
+              <a:t>‹N°›</a:t>
+            </a:fld>
+            <a:endParaRPr lang="fr-FR"/>
+          </a:p>
+        </p:txBody>
+      </p:sp>
+    </p:spTree>
+    <p:extLst>
+      <p:ext uri="{BB962C8B-B14F-4D97-AF65-F5344CB8AC3E}">
+        <p14:creationId xmlns:p14="http://schemas.microsoft.com/office/powerpoint/2010/main" val="2396892390"/>
+      </p:ext>
+    </p:extLst>
+  </p:cSld>
+  <p:clrMap bg1="lt1" tx1="dk1" bg2="lt2" tx2="dk2" accent1="accent1" accent2="accent2" accent3="accent3" accent4="accent4" accent5="accent5" accent6="accent6" hlink="hlink" folHlink="folHlink"/>
+  <p:notesStyle>
+    <a:lvl1pPr marL="0" algn="l" defTabSz="914400" rtl="0" eaLnBrk="1" latinLnBrk="0" hangingPunct="1">
+      <a:defRPr sz="1200" kern="1200">
+        <a:solidFill>
+          <a:schemeClr val="tx1"/>
+        </a:solidFill>
+        <a:latin typeface="+mn-lt"/>
+        <a:ea typeface="+mn-ea"/>
+        <a:cs typeface="+mn-cs"/>
+      </a:defRPr>
+    </a:lvl1pPr>
+    <a:lvl2pPr marL="457200" algn="l" defTabSz="914400" rtl="0" eaLnBrk="1" latinLnBrk="0" hangingPunct="1">
+      <a:defRPr sz="1200" kern="1200">
+        <a:solidFill>
+          <a:schemeClr val="tx1"/>
+        </a:solidFill>
+        <a:latin typeface="+mn-lt"/>
+        <a:ea typeface="+mn-ea"/>
+        <a:cs typeface="+mn-cs"/>
+      </a:defRPr>
+    </a:lvl2pPr>
+    <a:lvl3pPr marL="914400" algn="l" defTabSz="914400" rtl="0" eaLnBrk="1" latinLnBrk="0" hangingPunct="1">
+      <a:defRPr sz="1200" kern="1200">
+        <a:solidFill>
+          <a:schemeClr val="tx1"/>
+        </a:solidFill>
+        <a:latin typeface="+mn-lt"/>
+        <a:ea typeface="+mn-ea"/>
+        <a:cs typeface="+mn-cs"/>
+      </a:defRPr>
+    </a:lvl3pPr>
+    <a:lvl4pPr marL="1371600" algn="l" defTabSz="914400" rtl="0" eaLnBrk="1" latinLnBrk="0" hangingPunct="1">
+      <a:defRPr sz="1200" kern="1200">
+        <a:solidFill>
+          <a:schemeClr val="tx1"/>
+        </a:solidFill>
+        <a:latin typeface="+mn-lt"/>
+        <a:ea typeface="+mn-ea"/>
+        <a:cs typeface="+mn-cs"/>
+      </a:defRPr>
+    </a:lvl4pPr>
+    <a:lvl5pPr marL="1828800" algn="l" defTabSz="914400" rtl="0" eaLnBrk="1" latinLnBrk="0" hangingPunct="1">
+      <a:defRPr sz="1200" kern="1200">
+        <a:solidFill>
+          <a:schemeClr val="tx1"/>
+        </a:solidFill>
+        <a:latin typeface="+mn-lt"/>
+        <a:ea typeface="+mn-ea"/>
+        <a:cs typeface="+mn-cs"/>
+      </a:defRPr>
+    </a:lvl5pPr>
+    <a:lvl6pPr marL="2286000" algn="l" defTabSz="914400" rtl="0" eaLnBrk="1" latinLnBrk="0" hangingPunct="1">
+      <a:defRPr sz="1200" kern="1200">
+        <a:solidFill>
+          <a:schemeClr val="tx1"/>
+        </a:solidFill>
+        <a:latin typeface="+mn-lt"/>
+        <a:ea typeface="+mn-ea"/>
+        <a:cs typeface="+mn-cs"/>
+      </a:defRPr>
+    </a:lvl6pPr>
+    <a:lvl7pPr marL="2743200" algn="l" defTabSz="914400" rtl="0" eaLnBrk="1" latinLnBrk="0" hangingPunct="1">
+      <a:defRPr sz="1200" kern="1200">
+        <a:solidFill>
+          <a:schemeClr val="tx1"/>
+        </a:solidFill>
+        <a:latin typeface="+mn-lt"/>
+        <a:ea typeface="+mn-ea"/>
+        <a:cs typeface="+mn-cs"/>
+      </a:defRPr>
+    </a:lvl7pPr>
+    <a:lvl8pPr marL="3200400" algn="l" defTabSz="914400" rtl="0" eaLnBrk="1" latinLnBrk="0" hangingPunct="1">
+      <a:defRPr sz="1200" kern="1200">
+        <a:solidFill>
+          <a:schemeClr val="tx1"/>
+        </a:solidFill>
+        <a:latin typeface="+mn-lt"/>
+        <a:ea typeface="+mn-ea"/>
+        <a:cs typeface="+mn-cs"/>
+      </a:defRPr>
+    </a:lvl8pPr>
+    <a:lvl9pPr marL="3657600" algn="l" defTabSz="914400" rtl="0" eaLnBrk="1" latinLnBrk="0" hangingPunct="1">
+      <a:defRPr sz="1200" kern="1200">
+        <a:solidFill>
+          <a:schemeClr val="tx1"/>
+        </a:solidFill>
+        <a:latin typeface="+mn-lt"/>
+        <a:ea typeface="+mn-ea"/>
+        <a:cs typeface="+mn-cs"/>
+      </a:defRPr>
+    </a:lvl9pPr>
+  </p:notesStyle>
+</p:notesMaster>
+</file>
+
+<file path=ppt/notesSlides/notesSlide1.xml><?xml version="1.0" encoding="utf-8"?>
+<p:notes xmlns:a="http://schemas.openxmlformats.org/drawingml/2006/main" xmlns:r="http://schemas.openxmlformats.org/officeDocument/2006/relationships" xmlns:p="http://schemas.openxmlformats.org/presentationml/2006/main">
+  <p:cSld>
+    <p:spTree>
+      <p:nvGrpSpPr>
+        <p:cNvPr id="1" name=""/>
+        <p:cNvGrpSpPr/>
+        <p:nvPr/>
+      </p:nvGrpSpPr>
+      <p:grpSpPr>
+        <a:xfrm>
+          <a:off x="0" y="0"/>
+          <a:ext cx="0" cy="0"/>
+          <a:chOff x="0" y="0"/>
+          <a:chExt cx="0" cy="0"/>
+        </a:xfrm>
+      </p:grpSpPr>
+      <p:sp>
+        <p:nvSpPr>
+          <p:cNvPr id="2" name="Espace réservé de l'image des diapositives 1"/>
+          <p:cNvSpPr>
+            <a:spLocks noGrp="1" noRot="1" noChangeAspect="1"/>
+          </p:cNvSpPr>
+          <p:nvPr>
+            <p:ph type="sldImg"/>
+          </p:nvPr>
+        </p:nvSpPr>
+        <p:spPr/>
+      </p:sp>
+      <p:sp>
+        <p:nvSpPr>
+          <p:cNvPr id="3" name="Espace réservé des commentaires 2"/>
+          <p:cNvSpPr>
+            <a:spLocks noGrp="1"/>
+          </p:cNvSpPr>
+          <p:nvPr>
+            <p:ph type="body" idx="1"/>
+          </p:nvPr>
+        </p:nvSpPr>
+        <p:spPr/>
+        <p:txBody>
+          <a:bodyPr/>
+          <a:lstStyle/>
+          <a:p>
+            <a:endParaRPr lang="fr-FR"/>
+          </a:p>
+        </p:txBody>
+      </p:sp>
+      <p:sp>
+        <p:nvSpPr>
+          <p:cNvPr id="4" name="Espace réservé du numéro de diapositive 3"/>
+          <p:cNvSpPr>
+            <a:spLocks noGrp="1"/>
+          </p:cNvSpPr>
+          <p:nvPr>
+            <p:ph type="sldNum" sz="quarter" idx="10"/>
+          </p:nvPr>
+        </p:nvSpPr>
+        <p:spPr/>
+        <p:txBody>
+          <a:bodyPr/>
+          <a:lstStyle/>
+          <a:p>
+            <a:fld id="{1C3EBECF-9DF5-40DE-8667-B5C5A844BEEF}" type="slidenum">
+              <a:rPr lang="fr-FR" smtClean="0"/>
+              <a:t>1</a:t>
+            </a:fld>
+            <a:endParaRPr lang="fr-FR"/>
+          </a:p>
+        </p:txBody>
+      </p:sp>
+    </p:spTree>
+    <p:extLst>
+      <p:ext uri="{BB962C8B-B14F-4D97-AF65-F5344CB8AC3E}">
+        <p14:creationId xmlns:p14="http://schemas.microsoft.com/office/powerpoint/2010/main" val="4014591723"/>
+      </p:ext>
+    </p:extLst>
+  </p:cSld>
+  <p:clrMapOvr>
+    <a:masterClrMapping/>
+  </p:clrMapOvr>
+</p:notes>
+</file>
+
+<file path=ppt/notesSlides/notesSlide2.xml><?xml version="1.0" encoding="utf-8"?>
+<p:notes xmlns:a="http://schemas.openxmlformats.org/drawingml/2006/main" xmlns:r="http://schemas.openxmlformats.org/officeDocument/2006/relationships" xmlns:p="http://schemas.openxmlformats.org/presentationml/2006/main">
+  <p:cSld>
+    <p:spTree>
+      <p:nvGrpSpPr>
+        <p:cNvPr id="1" name=""/>
+        <p:cNvGrpSpPr/>
+        <p:nvPr/>
+      </p:nvGrpSpPr>
+      <p:grpSpPr>
+        <a:xfrm>
+          <a:off x="0" y="0"/>
+          <a:ext cx="0" cy="0"/>
+          <a:chOff x="0" y="0"/>
+          <a:chExt cx="0" cy="0"/>
+        </a:xfrm>
+      </p:grpSpPr>
+      <p:sp>
+        <p:nvSpPr>
+          <p:cNvPr id="2" name="Espace réservé de l'image des diapositives 1"/>
+          <p:cNvSpPr>
+            <a:spLocks noGrp="1" noRot="1" noChangeAspect="1"/>
+          </p:cNvSpPr>
+          <p:nvPr>
+            <p:ph type="sldImg"/>
+          </p:nvPr>
+        </p:nvSpPr>
+        <p:spPr/>
+      </p:sp>
+      <p:sp>
+        <p:nvSpPr>
+          <p:cNvPr id="3" name="Espace réservé des commentaires 2"/>
+          <p:cNvSpPr>
+            <a:spLocks noGrp="1"/>
+          </p:cNvSpPr>
+          <p:nvPr>
+            <p:ph type="body" idx="1"/>
+          </p:nvPr>
+        </p:nvSpPr>
+        <p:spPr/>
+        <p:txBody>
+          <a:bodyPr/>
+          <a:lstStyle/>
+          <a:p>
+            <a:endParaRPr lang="fr-FR"/>
+          </a:p>
+        </p:txBody>
+      </p:sp>
+      <p:sp>
+        <p:nvSpPr>
+          <p:cNvPr id="4" name="Espace réservé du numéro de diapositive 3"/>
+          <p:cNvSpPr>
+            <a:spLocks noGrp="1"/>
+          </p:cNvSpPr>
+          <p:nvPr>
+            <p:ph type="sldNum" sz="quarter" idx="10"/>
+          </p:nvPr>
+        </p:nvSpPr>
+        <p:spPr/>
+        <p:txBody>
+          <a:bodyPr/>
+          <a:lstStyle/>
+          <a:p>
+            <a:fld id="{1C3EBECF-9DF5-40DE-8667-B5C5A844BEEF}" type="slidenum">
+              <a:rPr lang="fr-FR" smtClean="0"/>
+              <a:t>2</a:t>
+            </a:fld>
+            <a:endParaRPr lang="fr-FR"/>
+          </a:p>
+        </p:txBody>
+      </p:sp>
+    </p:spTree>
+    <p:extLst>
+      <p:ext uri="{BB962C8B-B14F-4D97-AF65-F5344CB8AC3E}">
+        <p14:creationId xmlns:p14="http://schemas.microsoft.com/office/powerpoint/2010/main" val="727700653"/>
+      </p:ext>
+    </p:extLst>
+  </p:cSld>
+  <p:clrMapOvr>
+    <a:masterClrMapping/>
+  </p:clrMapOvr>
+</p:notes>
+</file>
+
+<file path=ppt/notesSlides/notesSlide3.xml><?xml version="1.0" encoding="utf-8"?>
+<p:notes xmlns:a="http://schemas.openxmlformats.org/drawingml/2006/main" xmlns:r="http://schemas.openxmlformats.org/officeDocument/2006/relationships" xmlns:p="http://schemas.openxmlformats.org/presentationml/2006/main">
+  <p:cSld>
+    <p:spTree>
+      <p:nvGrpSpPr>
+        <p:cNvPr id="1" name=""/>
+        <p:cNvGrpSpPr/>
+        <p:nvPr/>
+      </p:nvGrpSpPr>
+      <p:grpSpPr>
+        <a:xfrm>
+          <a:off x="0" y="0"/>
+          <a:ext cx="0" cy="0"/>
+          <a:chOff x="0" y="0"/>
+          <a:chExt cx="0" cy="0"/>
+        </a:xfrm>
+      </p:grpSpPr>
+      <p:sp>
+        <p:nvSpPr>
+          <p:cNvPr id="2" name="Espace réservé de l'image des diapositives 1"/>
+          <p:cNvSpPr>
+            <a:spLocks noGrp="1" noRot="1" noChangeAspect="1"/>
+          </p:cNvSpPr>
+          <p:nvPr>
+            <p:ph type="sldImg"/>
+          </p:nvPr>
+        </p:nvSpPr>
+        <p:spPr/>
+      </p:sp>
+      <p:sp>
+        <p:nvSpPr>
+          <p:cNvPr id="3" name="Espace réservé des commentaires 2"/>
+          <p:cNvSpPr>
+            <a:spLocks noGrp="1"/>
+          </p:cNvSpPr>
+          <p:nvPr>
+            <p:ph type="body" idx="1"/>
+          </p:nvPr>
+        </p:nvSpPr>
+        <p:spPr/>
+        <p:txBody>
+          <a:bodyPr/>
+          <a:lstStyle/>
+          <a:p>
+            <a:endParaRPr lang="fr-FR"/>
+          </a:p>
+        </p:txBody>
+      </p:sp>
+      <p:sp>
+        <p:nvSpPr>
+          <p:cNvPr id="4" name="Espace réservé du numéro de diapositive 3"/>
+          <p:cNvSpPr>
+            <a:spLocks noGrp="1"/>
+          </p:cNvSpPr>
+          <p:nvPr>
+            <p:ph type="sldNum" sz="quarter" idx="10"/>
+          </p:nvPr>
+        </p:nvSpPr>
+        <p:spPr/>
+        <p:txBody>
+          <a:bodyPr/>
+          <a:lstStyle/>
+          <a:p>
+            <a:fld id="{1C3EBECF-9DF5-40DE-8667-B5C5A844BEEF}" type="slidenum">
+              <a:rPr lang="fr-FR" smtClean="0"/>
+              <a:t>3</a:t>
+            </a:fld>
+            <a:endParaRPr lang="fr-FR"/>
+          </a:p>
+        </p:txBody>
+      </p:sp>
+    </p:spTree>
+    <p:extLst>
+      <p:ext uri="{BB962C8B-B14F-4D97-AF65-F5344CB8AC3E}">
+        <p14:creationId xmlns:p14="http://schemas.microsoft.com/office/powerpoint/2010/main" val="994175924"/>
+      </p:ext>
+    </p:extLst>
+  </p:cSld>
+  <p:clrMapOvr>
+    <a:masterClrMapping/>
+  </p:clrMapOvr>
+</p:notes>
+</file>
+
+<file path=ppt/notesSlides/notesSlide4.xml><?xml version="1.0" encoding="utf-8"?>
+<p:notes xmlns:a="http://schemas.openxmlformats.org/drawingml/2006/main" xmlns:r="http://schemas.openxmlformats.org/officeDocument/2006/relationships" xmlns:p="http://schemas.openxmlformats.org/presentationml/2006/main">
+  <p:cSld>
+    <p:spTree>
+      <p:nvGrpSpPr>
+        <p:cNvPr id="1" name=""/>
+        <p:cNvGrpSpPr/>
+        <p:nvPr/>
+      </p:nvGrpSpPr>
+      <p:grpSpPr>
+        <a:xfrm>
+          <a:off x="0" y="0"/>
+          <a:ext cx="0" cy="0"/>
+          <a:chOff x="0" y="0"/>
+          <a:chExt cx="0" cy="0"/>
+        </a:xfrm>
+      </p:grpSpPr>
+      <p:sp>
+        <p:nvSpPr>
+          <p:cNvPr id="2" name="Espace réservé de l'image des diapositives 1"/>
+          <p:cNvSpPr>
+            <a:spLocks noGrp="1" noRot="1" noChangeAspect="1"/>
+          </p:cNvSpPr>
+          <p:nvPr>
+            <p:ph type="sldImg"/>
+          </p:nvPr>
+        </p:nvSpPr>
+        <p:spPr/>
+      </p:sp>
+      <p:sp>
+        <p:nvSpPr>
+          <p:cNvPr id="3" name="Espace réservé des commentaires 2"/>
+          <p:cNvSpPr>
+            <a:spLocks noGrp="1"/>
+          </p:cNvSpPr>
+          <p:nvPr>
+            <p:ph type="body" idx="1"/>
+          </p:nvPr>
+        </p:nvSpPr>
+        <p:spPr/>
+        <p:txBody>
+          <a:bodyPr/>
+          <a:lstStyle/>
+          <a:p>
+            <a:endParaRPr lang="fr-FR"/>
+          </a:p>
+        </p:txBody>
+      </p:sp>
+      <p:sp>
+        <p:nvSpPr>
+          <p:cNvPr id="4" name="Espace réservé du numéro de diapositive 3"/>
+          <p:cNvSpPr>
+            <a:spLocks noGrp="1"/>
+          </p:cNvSpPr>
+          <p:nvPr>
+            <p:ph type="sldNum" sz="quarter" idx="10"/>
+          </p:nvPr>
+        </p:nvSpPr>
+        <p:spPr/>
+        <p:txBody>
+          <a:bodyPr/>
+          <a:lstStyle/>
+          <a:p>
+            <a:fld id="{1C3EBECF-9DF5-40DE-8667-B5C5A844BEEF}" type="slidenum">
+              <a:rPr lang="fr-FR" smtClean="0"/>
+              <a:t>4</a:t>
+            </a:fld>
+            <a:endParaRPr lang="fr-FR"/>
+          </a:p>
+        </p:txBody>
+      </p:sp>
+    </p:spTree>
+    <p:extLst>
+      <p:ext uri="{BB962C8B-B14F-4D97-AF65-F5344CB8AC3E}">
+        <p14:creationId xmlns:p14="http://schemas.microsoft.com/office/powerpoint/2010/main" val="2262561057"/>
+      </p:ext>
+    </p:extLst>
+  </p:cSld>
+  <p:clrMapOvr>
+    <a:masterClrMapping/>
+  </p:clrMapOvr>
+</p:notes>
+</file>
+
+<file path=ppt/notesSlides/notesSlide5.xml><?xml version="1.0" encoding="utf-8"?>
+<p:notes xmlns:a="http://schemas.openxmlformats.org/drawingml/2006/main" xmlns:r="http://schemas.openxmlformats.org/officeDocument/2006/relationships" xmlns:p="http://schemas.openxmlformats.org/presentationml/2006/main">
+  <p:cSld>
+    <p:spTree>
+      <p:nvGrpSpPr>
+        <p:cNvPr id="1" name=""/>
+        <p:cNvGrpSpPr/>
+        <p:nvPr/>
+      </p:nvGrpSpPr>
+      <p:grpSpPr>
+        <a:xfrm>
+          <a:off x="0" y="0"/>
+          <a:ext cx="0" cy="0"/>
+          <a:chOff x="0" y="0"/>
+          <a:chExt cx="0" cy="0"/>
+        </a:xfrm>
+      </p:grpSpPr>
+      <p:sp>
+        <p:nvSpPr>
+          <p:cNvPr id="2" name="Espace réservé de l'image des diapositives 1"/>
+          <p:cNvSpPr>
+            <a:spLocks noGrp="1" noRot="1" noChangeAspect="1"/>
+          </p:cNvSpPr>
+          <p:nvPr>
+            <p:ph type="sldImg"/>
+          </p:nvPr>
+        </p:nvSpPr>
+        <p:spPr/>
+      </p:sp>
+      <p:sp>
+        <p:nvSpPr>
+          <p:cNvPr id="3" name="Espace réservé des commentaires 2"/>
+          <p:cNvSpPr>
+            <a:spLocks noGrp="1"/>
+          </p:cNvSpPr>
+          <p:nvPr>
+            <p:ph type="body" idx="1"/>
+          </p:nvPr>
+        </p:nvSpPr>
+        <p:spPr/>
+        <p:txBody>
+          <a:bodyPr/>
+          <a:lstStyle/>
+          <a:p>
+            <a:endParaRPr lang="fr-FR"/>
+          </a:p>
+        </p:txBody>
+      </p:sp>
+      <p:sp>
+        <p:nvSpPr>
+          <p:cNvPr id="4" name="Espace réservé du numéro de diapositive 3"/>
+          <p:cNvSpPr>
+            <a:spLocks noGrp="1"/>
+          </p:cNvSpPr>
+          <p:nvPr>
+            <p:ph type="sldNum" sz="quarter" idx="10"/>
+          </p:nvPr>
+        </p:nvSpPr>
+        <p:spPr/>
+        <p:txBody>
+          <a:bodyPr/>
+          <a:lstStyle/>
+          <a:p>
+            <a:fld id="{1C3EBECF-9DF5-40DE-8667-B5C5A844BEEF}" type="slidenum">
+              <a:rPr lang="fr-FR" smtClean="0"/>
+              <a:t>5</a:t>
+            </a:fld>
+            <a:endParaRPr lang="fr-FR"/>
+          </a:p>
+        </p:txBody>
+      </p:sp>
+    </p:spTree>
+    <p:extLst>
+      <p:ext uri="{BB962C8B-B14F-4D97-AF65-F5344CB8AC3E}">
+        <p14:creationId xmlns:p14="http://schemas.microsoft.com/office/powerpoint/2010/main" val="2842114535"/>
+      </p:ext>
+    </p:extLst>
+  </p:cSld>
+  <p:clrMapOvr>
+    <a:masterClrMapping/>
+  </p:clrMapOvr>
+</p:notes>
+</file>
+
 <file path=ppt/slideLayouts/slideLayout1.xml><?xml version="1.0" encoding="utf-8"?>
 <p:sldLayout xmlns:a="http://schemas.openxmlformats.org/drawingml/2006/main" xmlns:r="http://schemas.openxmlformats.org/officeDocument/2006/relationships" xmlns:p="http://schemas.openxmlformats.org/presentationml/2006/main" type="title" preserve="1">
   <p:cSld name="Diapositive de titre">
@@ -377,7 +1142,7 @@
             </a:lvl1pPr>
           </a:lstStyle>
           <a:p>
-            <a:fld id="{A5C04071-C2F6-4D47-AEDC-1B5FBCE9E017}" type="datetimeFigureOut">
+            <a:fld id="{A83C24DB-59DA-48D7-A22D-791079285E42}" type="datetime1">
               <a:rPr lang="fr-FR" smtClean="0"/>
               <a:t>14/06/2013</a:t>
             </a:fld>
@@ -639,7 +1404,7 @@
           <a:bodyPr/>
           <a:lstStyle/>
           <a:p>
-            <a:fld id="{A5C04071-C2F6-4D47-AEDC-1B5FBCE9E017}" type="datetimeFigureOut">
+            <a:fld id="{170FC520-04DD-4399-99B1-5E615084DD1B}" type="datetime1">
               <a:rPr lang="fr-FR" smtClean="0"/>
               <a:t>14/06/2013</a:t>
             </a:fld>
@@ -874,7 +1639,7 @@
             </a:lvl1pPr>
           </a:lstStyle>
           <a:p>
-            <a:fld id="{A5C04071-C2F6-4D47-AEDC-1B5FBCE9E017}" type="datetimeFigureOut">
+            <a:fld id="{985B2933-A313-4AE1-97C0-233978CDC76A}" type="datetime1">
               <a:rPr lang="fr-FR" smtClean="0"/>
               <a:t>14/06/2013</a:t>
             </a:fld>
@@ -1114,7 +1879,7 @@
           <a:bodyPr/>
           <a:lstStyle/>
           <a:p>
-            <a:fld id="{A5C04071-C2F6-4D47-AEDC-1B5FBCE9E017}" type="datetimeFigureOut">
+            <a:fld id="{577D987E-A6A9-4C96-86F6-70E1E3ACA7F2}" type="datetime1">
               <a:rPr lang="fr-FR" smtClean="0"/>
               <a:t>14/06/2013</a:t>
             </a:fld>
@@ -1421,7 +2186,7 @@
             </a:lvl1pPr>
           </a:lstStyle>
           <a:p>
-            <a:fld id="{A5C04071-C2F6-4D47-AEDC-1B5FBCE9E017}" type="datetimeFigureOut">
+            <a:fld id="{02FBFC57-1245-45C7-A36D-AE6AD20D145F}" type="datetime1">
               <a:rPr lang="fr-FR" smtClean="0"/>
               <a:t>14/06/2013</a:t>
             </a:fld>
@@ -1723,7 +2488,7 @@
           <a:bodyPr/>
           <a:lstStyle/>
           <a:p>
-            <a:fld id="{A5C04071-C2F6-4D47-AEDC-1B5FBCE9E017}" type="datetimeFigureOut">
+            <a:fld id="{1931B7A1-AFB4-4C8D-83C6-BF62FEAF0078}" type="datetime1">
               <a:rPr lang="fr-FR" smtClean="0"/>
               <a:t>14/06/2013</a:t>
             </a:fld>
@@ -2145,7 +2910,7 @@
           <a:bodyPr/>
           <a:lstStyle/>
           <a:p>
-            <a:fld id="{A5C04071-C2F6-4D47-AEDC-1B5FBCE9E017}" type="datetimeFigureOut">
+            <a:fld id="{22E07D2B-C61C-407F-9145-19E55069CF6A}" type="datetime1">
               <a:rPr lang="fr-FR" smtClean="0"/>
               <a:t>14/06/2013</a:t>
             </a:fld>
@@ -2240,7 +3005,7 @@
           <a:bodyPr/>
           <a:lstStyle/>
           <a:p>
-            <a:fld id="{A5C04071-C2F6-4D47-AEDC-1B5FBCE9E017}" type="datetimeFigureOut">
+            <a:fld id="{B6B5D608-77DA-4123-AF08-753268EB0C04}" type="datetime1">
               <a:rPr lang="fr-FR" smtClean="0"/>
               <a:t>14/06/2013</a:t>
             </a:fld>
@@ -2402,7 +3167,7 @@
           <a:bodyPr/>
           <a:lstStyle/>
           <a:p>
-            <a:fld id="{A5C04071-C2F6-4D47-AEDC-1B5FBCE9E017}" type="datetimeFigureOut">
+            <a:fld id="{68D4C21B-ACDE-4D6F-91A3-34C6A495902E}" type="datetime1">
               <a:rPr lang="fr-FR" smtClean="0"/>
               <a:t>14/06/2013</a:t>
             </a:fld>
@@ -2780,7 +3545,7 @@
             </a:lvl1pPr>
           </a:lstStyle>
           <a:p>
-            <a:fld id="{A5C04071-C2F6-4D47-AEDC-1B5FBCE9E017}" type="datetimeFigureOut">
+            <a:fld id="{3F89D449-823F-44CE-9393-E65E8A4B514E}" type="datetime1">
               <a:rPr lang="fr-FR" smtClean="0"/>
               <a:t>14/06/2013</a:t>
             </a:fld>
@@ -3069,7 +3834,7 @@
           <a:bodyPr/>
           <a:lstStyle/>
           <a:p>
-            <a:fld id="{A5C04071-C2F6-4D47-AEDC-1B5FBCE9E017}" type="datetimeFigureOut">
+            <a:fld id="{44BC99A7-8C2F-4124-A7FF-573C649110AE}" type="datetime1">
               <a:rPr lang="fr-FR" smtClean="0"/>
               <a:t>14/06/2013</a:t>
             </a:fld>
@@ -3280,7 +4045,7 @@
             </a:lvl1pPr>
           </a:lstStyle>
           <a:p>
-            <a:fld id="{A5C04071-C2F6-4D47-AEDC-1B5FBCE9E017}" type="datetimeFigureOut">
+            <a:fld id="{5F79E585-2CB1-4BCF-86BF-1113C95FB7E8}" type="datetime1">
               <a:rPr lang="fr-FR" smtClean="0"/>
               <a:t>14/06/2013</a:t>
             </a:fld>
@@ -3494,6 +4259,7 @@
     <p:sldLayoutId id="2147484100" r:id="rId10"/>
     <p:sldLayoutId id="2147484101" r:id="rId11"/>
   </p:sldLayoutIdLst>
+  <p:hf sldNum="0" hdr="0" ftr="0" dt="0"/>
   <p:txStyles>
     <p:titleStyle>
       <a:lvl1pPr algn="l" defTabSz="457200" rtl="0" eaLnBrk="1" latinLnBrk="0" hangingPunct="1">
@@ -3967,26 +4733,26 @@
               <a:rPr lang="fr-FR" dirty="0" smtClean="0">
                 <a:solidFill>
                   <a:schemeClr val="accent3">
-                    <a:lumMod val="75000"/>
+                    <a:lumMod val="50000"/>
                   </a:schemeClr>
                 </a:solidFill>
               </a:rPr>
               <a:t>Spécialité: développement sur </a:t>
             </a:r>
             <a:r>
-              <a:rPr lang="fr-FR" dirty="0" err="1" smtClean="0">
+              <a:rPr lang="fr-FR" dirty="0" smtClean="0">
                 <a:solidFill>
                   <a:schemeClr val="accent3">
-                    <a:lumMod val="75000"/>
+                    <a:lumMod val="50000"/>
                   </a:schemeClr>
                 </a:solidFill>
               </a:rPr>
-              <a:t>intarnet</a:t>
+              <a:t>internet</a:t>
             </a:r>
             <a:endParaRPr lang="fr-FR" dirty="0">
               <a:solidFill>
                 <a:schemeClr val="accent3">
-                  <a:lumMod val="75000"/>
+                  <a:lumMod val="50000"/>
                 </a:schemeClr>
               </a:solidFill>
             </a:endParaRPr>
@@ -4002,7 +4768,7 @@
           <p:nvPr/>
         </p:nvPicPr>
         <p:blipFill>
-          <a:blip r:embed="rId2">
+          <a:blip r:embed="rId3">
             <a:extLst>
               <a:ext uri="{28A0092B-C50C-407E-A947-70E740481C1C}">
                 <a14:useLocalDpi xmlns:a14="http://schemas.microsoft.com/office/drawing/2010/main" val="0"/>
@@ -4300,84 +5066,179 @@
           <a:lstStyle/>
           <a:p>
             <a:r>
-              <a:rPr lang="fr-FR" dirty="0"/>
-              <a:t>Cas </a:t>
-            </a:r>
-            <a:r>
               <a:rPr lang="fr-FR" dirty="0" smtClean="0"/>
-              <a:t>d’utilisation(Client)</a:t>
+              <a:t>Modèle Physique Des données</a:t>
             </a:r>
             <a:endParaRPr lang="fr-FR" dirty="0"/>
           </a:p>
         </p:txBody>
       </p:sp>
-      <p:sp>
-        <p:nvSpPr>
-          <p:cNvPr id="3" name="Espace réservé du contenu 2"/>
-          <p:cNvSpPr>
-            <a:spLocks noGrp="1"/>
-          </p:cNvSpPr>
+      <p:pic>
+        <p:nvPicPr>
+          <p:cNvPr id="4" name="Image 3" descr="C:\Users\Sakly\Documents\GitHub\lebonchoix\global\conception\mpd.PNG"/>
+          <p:cNvPicPr/>
+          <p:nvPr/>
+        </p:nvPicPr>
+        <p:blipFill>
+          <a:blip r:embed="rId2">
+            <a:extLst>
+              <a:ext uri="{28A0092B-C50C-407E-A947-70E740481C1C}">
+                <a14:useLocalDpi xmlns:a14="http://schemas.microsoft.com/office/drawing/2010/main" val="0"/>
+              </a:ext>
+            </a:extLst>
+          </a:blip>
+          <a:srcRect/>
+          <a:stretch>
+            <a:fillRect/>
+          </a:stretch>
+        </p:blipFill>
+        <p:spPr bwMode="auto">
+          <a:xfrm>
+            <a:off x="2844426" y="1957589"/>
+            <a:ext cx="6503147" cy="4595776"/>
+          </a:xfrm>
+          <a:prstGeom prst="rect">
+            <a:avLst/>
+          </a:prstGeom>
+          <a:noFill/>
+          <a:ln>
+            <a:noFill/>
+          </a:ln>
+        </p:spPr>
+      </p:pic>
+      <p:sp>
+        <p:nvSpPr>
+          <p:cNvPr id="5" name="Rectangle 4"/>
+          <p:cNvSpPr/>
+          <p:nvPr/>
+        </p:nvSpPr>
+        <p:spPr>
+          <a:xfrm>
+            <a:off x="5092812" y="6456444"/>
+            <a:ext cx="2606098" cy="338554"/>
+          </a:xfrm>
+          <a:prstGeom prst="rect">
+            <a:avLst/>
+          </a:prstGeom>
+        </p:spPr>
+        <p:txBody>
+          <a:bodyPr wrap="none">
+            <a:spAutoFit/>
+          </a:bodyPr>
+          <a:lstStyle/>
+          <a:p>
+            <a:r>
+              <a:rPr lang="fr-FR" sz="1600" dirty="0">
+                <a:solidFill>
+                  <a:srgbClr val="000000"/>
+                </a:solidFill>
+                <a:latin typeface="Garamond" panose="02020404030301010803" pitchFamily="18" charset="0"/>
+                <a:ea typeface="Times New Roman" panose="02020603050405020304" pitchFamily="18" charset="0"/>
+                <a:cs typeface="Arial" panose="020B0604020202020204" pitchFamily="34" charset="0"/>
+              </a:rPr>
+              <a:t>Modèle </a:t>
+            </a:r>
+            <a:r>
+              <a:rPr lang="fr-FR" sz="1600" dirty="0" smtClean="0">
+                <a:solidFill>
+                  <a:srgbClr val="000000"/>
+                </a:solidFill>
+                <a:latin typeface="Garamond" panose="02020404030301010803" pitchFamily="18" charset="0"/>
+                <a:ea typeface="Times New Roman" panose="02020603050405020304" pitchFamily="18" charset="0"/>
+                <a:cs typeface="Arial" panose="020B0604020202020204" pitchFamily="34" charset="0"/>
+              </a:rPr>
+              <a:t>physique </a:t>
+            </a:r>
+            <a:r>
+              <a:rPr lang="fr-FR" sz="1600" dirty="0">
+                <a:solidFill>
+                  <a:srgbClr val="000000"/>
+                </a:solidFill>
+                <a:latin typeface="Garamond" panose="02020404030301010803" pitchFamily="18" charset="0"/>
+                <a:ea typeface="Times New Roman" panose="02020603050405020304" pitchFamily="18" charset="0"/>
+                <a:cs typeface="Arial" panose="020B0604020202020204" pitchFamily="34" charset="0"/>
+              </a:rPr>
+              <a:t>des données </a:t>
+            </a:r>
+            <a:endParaRPr lang="fr-FR" sz="1600" dirty="0"/>
+          </a:p>
+        </p:txBody>
+      </p:sp>
+      <p:pic>
+        <p:nvPicPr>
+          <p:cNvPr id="6" name="Espace réservé du contenu 7"/>
+          <p:cNvPicPr>
+            <a:picLocks noGrp="1" noChangeAspect="1"/>
+          </p:cNvPicPr>
           <p:nvPr>
             <p:ph idx="1"/>
           </p:nvPr>
-        </p:nvSpPr>
-        <p:spPr/>
-        <p:txBody>
-          <a:bodyPr>
-            <a:normAutofit/>
-          </a:bodyPr>
-          <a:lstStyle/>
-          <a:p>
-            <a:pPr lvl="0"/>
-            <a:r>
-              <a:rPr lang="fr-FR" sz="2000" dirty="0"/>
-              <a:t>Le site web doit offrir au client  des interfaces permettant la possibilité d’acheter un bijou. Il peut :</a:t>
-            </a:r>
-          </a:p>
-          <a:p>
-            <a:pPr lvl="0"/>
-            <a:r>
-              <a:rPr lang="fr-FR" sz="2000" dirty="0"/>
-              <a:t>Bénéficier de toutes les fonctionnalités offertes au simple internaute</a:t>
-            </a:r>
-          </a:p>
-          <a:p>
-            <a:pPr lvl="0"/>
-            <a:r>
-              <a:rPr lang="fr-FR" sz="2000" dirty="0"/>
-              <a:t>S’identifier comme un utilisateur particulier se procurant des services autre que ceux offerts aux simples utilisateurs.</a:t>
-            </a:r>
-          </a:p>
-          <a:p>
-            <a:pPr lvl="0"/>
-            <a:r>
-              <a:rPr lang="fr-FR" sz="2000" dirty="0"/>
-              <a:t>Acheter un bijou (boucle d’oreille, bracelet, bague,…)</a:t>
-            </a:r>
-          </a:p>
-          <a:p>
-            <a:pPr lvl="0"/>
-            <a:r>
-              <a:rPr lang="fr-FR" sz="2000" dirty="0"/>
-              <a:t>Consulter son historique.</a:t>
-            </a:r>
-          </a:p>
-          <a:p>
-            <a:pPr lvl="0"/>
-            <a:r>
-              <a:rPr lang="fr-FR" sz="2000" dirty="0"/>
-              <a:t>Consulter l’état de ces commandes / factures</a:t>
-            </a:r>
-          </a:p>
-          <a:p>
-            <a:endParaRPr lang="fr-FR" sz="2000" dirty="0"/>
+        </p:nvPicPr>
+        <p:blipFill>
+          <a:blip r:embed="rId3">
+            <a:extLst>
+              <a:ext uri="{28A0092B-C50C-407E-A947-70E740481C1C}">
+                <a14:useLocalDpi xmlns:a14="http://schemas.microsoft.com/office/drawing/2010/main" val="0"/>
+              </a:ext>
+            </a:extLst>
+          </a:blip>
+          <a:stretch>
+            <a:fillRect/>
+          </a:stretch>
+        </p:blipFill>
+        <p:spPr>
+          <a:xfrm rot="19315184">
+            <a:off x="9612936" y="4691990"/>
+            <a:ext cx="2857500" cy="2143125"/>
+          </a:xfrm>
+        </p:spPr>
+      </p:pic>
+      <p:sp>
+        <p:nvSpPr>
+          <p:cNvPr id="7" name="Espace réservé du numéro de diapositive 4"/>
+          <p:cNvSpPr>
+            <a:spLocks noGrp="1"/>
+          </p:cNvSpPr>
+          <p:nvPr>
+            <p:ph type="sldNum" sz="quarter" idx="12"/>
+          </p:nvPr>
+        </p:nvSpPr>
+        <p:spPr>
+          <a:xfrm>
+            <a:off x="10815877" y="6492875"/>
+            <a:ext cx="1052508" cy="365125"/>
+          </a:xfrm>
+        </p:spPr>
+        <p:txBody>
+          <a:bodyPr/>
+          <a:lstStyle/>
+          <a:p>
+            <a:r>
+              <a:rPr lang="fr-FR" sz="1100" b="1" dirty="0" smtClean="0">
+                <a:solidFill>
+                  <a:schemeClr val="tx1">
+                    <a:lumMod val="95000"/>
+                    <a:lumOff val="5000"/>
+                  </a:schemeClr>
+                </a:solidFill>
+              </a:rPr>
+              <a:t>10</a:t>
+            </a:r>
+            <a:endParaRPr lang="fr-FR" sz="1100" b="1" dirty="0">
+              <a:solidFill>
+                <a:schemeClr val="tx1">
+                  <a:lumMod val="95000"/>
+                  <a:lumOff val="5000"/>
+                </a:schemeClr>
+              </a:solidFill>
+            </a:endParaRPr>
           </a:p>
         </p:txBody>
       </p:sp>
     </p:spTree>
     <p:extLst>
       <p:ext uri="{BB962C8B-B14F-4D97-AF65-F5344CB8AC3E}">
-        <p14:creationId xmlns:p14="http://schemas.microsoft.com/office/powerpoint/2010/main" val="3801542606"/>
+        <p14:creationId xmlns:p14="http://schemas.microsoft.com/office/powerpoint/2010/main" val="3385592920"/>
       </p:ext>
     </p:extLst>
   </p:cSld>
@@ -4427,63 +5288,129 @@
           <a:lstStyle/>
           <a:p>
             <a:r>
-              <a:rPr lang="fr-FR" dirty="0"/>
-              <a:t>Cas </a:t>
-            </a:r>
-            <a:r>
               <a:rPr lang="fr-FR" dirty="0" smtClean="0"/>
-              <a:t>d’utilisation(Internaute)</a:t>
+              <a:t>MCT (Authentification)</a:t>
             </a:r>
             <a:endParaRPr lang="fr-FR" dirty="0"/>
           </a:p>
         </p:txBody>
       </p:sp>
-      <p:sp>
-        <p:nvSpPr>
-          <p:cNvPr id="3" name="Espace réservé du contenu 2"/>
-          <p:cNvSpPr>
-            <a:spLocks noGrp="1"/>
-          </p:cNvSpPr>
+      <p:pic>
+        <p:nvPicPr>
+          <p:cNvPr id="2051" name="Picture 3"/>
+          <p:cNvPicPr>
+            <a:picLocks noChangeAspect="1" noChangeArrowheads="1"/>
+          </p:cNvPicPr>
+          <p:nvPr/>
+        </p:nvPicPr>
+        <p:blipFill>
+          <a:blip r:embed="rId2">
+            <a:extLst>
+              <a:ext uri="{28A0092B-C50C-407E-A947-70E740481C1C}">
+                <a14:useLocalDpi xmlns:a14="http://schemas.microsoft.com/office/drawing/2010/main" val="0"/>
+              </a:ext>
+            </a:extLst>
+          </a:blip>
+          <a:srcRect/>
+          <a:stretch>
+            <a:fillRect/>
+          </a:stretch>
+        </p:blipFill>
+        <p:spPr bwMode="auto">
+          <a:xfrm>
+            <a:off x="5116087" y="0"/>
+            <a:ext cx="4592638" cy="6858001"/>
+          </a:xfrm>
+          <a:prstGeom prst="rect">
+            <a:avLst/>
+          </a:prstGeom>
+          <a:noFill/>
+          <a:extLst>
+            <a:ext uri="{909E8E84-426E-40DD-AFC4-6F175D3DCCD1}">
+              <a14:hiddenFill xmlns:a14="http://schemas.microsoft.com/office/drawing/2010/main">
+                <a:solidFill>
+                  <a:srgbClr val="FFFFFF"/>
+                </a:solidFill>
+              </a14:hiddenFill>
+            </a:ext>
+          </a:extLst>
+        </p:spPr>
+      </p:pic>
+      <p:pic>
+        <p:nvPicPr>
+          <p:cNvPr id="5" name="Espace réservé du contenu 7"/>
+          <p:cNvPicPr>
+            <a:picLocks noGrp="1" noChangeAspect="1"/>
+          </p:cNvPicPr>
           <p:nvPr>
             <p:ph idx="1"/>
           </p:nvPr>
-        </p:nvSpPr>
-        <p:spPr/>
-        <p:txBody>
-          <a:bodyPr>
-            <a:normAutofit/>
-          </a:bodyPr>
-          <a:lstStyle/>
-          <a:p>
-            <a:pPr lvl="0"/>
-            <a:r>
-              <a:rPr lang="fr-FR" sz="2400" dirty="0"/>
-              <a:t>Le site web doit offrir à l’internaute des interfaces permettant essentiellement  la possibilité de s’informer à propos des bijoux et consulter leur description détaillée (prix, produit…).Il peut :</a:t>
-            </a:r>
-          </a:p>
-          <a:p>
-            <a:pPr lvl="0"/>
-            <a:r>
-              <a:rPr lang="fr-FR" sz="2400" dirty="0"/>
-              <a:t>Consulter les articles.</a:t>
-            </a:r>
-          </a:p>
-          <a:p>
-            <a:pPr lvl="0"/>
-            <a:r>
-              <a:rPr lang="fr-FR" sz="2400" dirty="0"/>
-              <a:t>Rechercher  (par familles d’articles, sous familles articles, par prix)</a:t>
-            </a:r>
-          </a:p>
-          <a:p>
-            <a:endParaRPr lang="fr-FR" sz="2400" dirty="0"/>
+        </p:nvPicPr>
+        <p:blipFill>
+          <a:blip r:embed="rId3">
+            <a:extLst>
+              <a:ext uri="{28A0092B-C50C-407E-A947-70E740481C1C}">
+                <a14:useLocalDpi xmlns:a14="http://schemas.microsoft.com/office/drawing/2010/main" val="0"/>
+              </a:ext>
+            </a:extLst>
+          </a:blip>
+          <a:stretch>
+            <a:fillRect/>
+          </a:stretch>
+        </p:blipFill>
+        <p:spPr>
+          <a:xfrm rot="19315184">
+            <a:off x="9612936" y="4691990"/>
+            <a:ext cx="2857500" cy="2143125"/>
+          </a:xfrm>
+        </p:spPr>
+      </p:pic>
+      <p:sp>
+        <p:nvSpPr>
+          <p:cNvPr id="6" name="Espace réservé du numéro de diapositive 4"/>
+          <p:cNvSpPr>
+            <a:spLocks noGrp="1"/>
+          </p:cNvSpPr>
+          <p:nvPr>
+            <p:ph type="sldNum" sz="quarter" idx="12"/>
+          </p:nvPr>
+        </p:nvSpPr>
+        <p:spPr>
+          <a:xfrm>
+            <a:off x="10815877" y="6492875"/>
+            <a:ext cx="1052508" cy="365125"/>
+          </a:xfrm>
+        </p:spPr>
+        <p:txBody>
+          <a:bodyPr/>
+          <a:lstStyle/>
+          <a:p>
+            <a:r>
+              <a:rPr lang="fr-FR" sz="1100" b="1" dirty="0" smtClean="0">
+                <a:solidFill>
+                  <a:schemeClr val="tx1">
+                    <a:lumMod val="95000"/>
+                    <a:lumOff val="5000"/>
+                  </a:schemeClr>
+                </a:solidFill>
+              </a:rPr>
+              <a:t>11</a:t>
+            </a:r>
+            <a:endParaRPr lang="fr-FR" sz="1100" b="1" dirty="0">
+              <a:solidFill>
+                <a:schemeClr val="tx1">
+                  <a:lumMod val="95000"/>
+                  <a:lumOff val="5000"/>
+                </a:schemeClr>
+              </a:solidFill>
+            </a:endParaRPr>
           </a:p>
         </p:txBody>
       </p:sp>
     </p:spTree>
     <p:extLst>
       <p:ext uri="{BB962C8B-B14F-4D97-AF65-F5344CB8AC3E}">
-        <p14:creationId xmlns:p14="http://schemas.microsoft.com/office/powerpoint/2010/main" val="109657157"/>
+        <p14:creationId xmlns:p14="http://schemas.microsoft.com/office/powerpoint/2010/main" val="1108787325"/>
       </p:ext>
     </p:extLst>
   </p:cSld>
@@ -4517,210 +5444,124 @@
           <a:chExt cx="0" cy="0"/>
         </a:xfrm>
       </p:grpSpPr>
-      <p:sp>
-        <p:nvSpPr>
-          <p:cNvPr id="2" name="Titre 1"/>
-          <p:cNvSpPr>
-            <a:spLocks noGrp="1"/>
-          </p:cNvSpPr>
-          <p:nvPr>
-            <p:ph type="title"/>
-          </p:nvPr>
-        </p:nvSpPr>
-        <p:spPr/>
-        <p:txBody>
-          <a:bodyPr/>
-          <a:lstStyle/>
-          <a:p>
-            <a:r>
-              <a:rPr lang="fr-FR" dirty="0" smtClean="0"/>
-              <a:t>Diagramme du cas d’utilisation initial</a:t>
-            </a:r>
-            <a:endParaRPr lang="fr-FR" dirty="0"/>
-          </a:p>
-        </p:txBody>
-      </p:sp>
-      <p:sp>
-        <p:nvSpPr>
-          <p:cNvPr id="4" name="Rectangle 2"/>
-          <p:cNvSpPr>
-            <a:spLocks noChangeArrowheads="1"/>
-          </p:cNvSpPr>
+      <p:pic>
+        <p:nvPicPr>
+          <p:cNvPr id="5" name="Espace réservé du contenu 7"/>
+          <p:cNvPicPr>
+            <a:picLocks noChangeAspect="1"/>
+          </p:cNvPicPr>
           <p:nvPr/>
-        </p:nvSpPr>
-        <p:spPr bwMode="auto">
-          <a:xfrm>
-            <a:off x="1571223" y="999201"/>
-            <a:ext cx="12192000" cy="0"/>
+        </p:nvPicPr>
+        <p:blipFill>
+          <a:blip r:embed="rId2">
+            <a:extLst>
+              <a:ext uri="{28A0092B-C50C-407E-A947-70E740481C1C}">
+                <a14:useLocalDpi xmlns:a14="http://schemas.microsoft.com/office/drawing/2010/main" val="0"/>
+              </a:ext>
+            </a:extLst>
+          </a:blip>
+          <a:stretch>
+            <a:fillRect/>
+          </a:stretch>
+        </p:blipFill>
+        <p:spPr>
+          <a:xfrm rot="19315184">
+            <a:off x="9612936" y="4691990"/>
+            <a:ext cx="2857500" cy="2143125"/>
           </a:xfrm>
           <a:prstGeom prst="rect">
             <a:avLst/>
           </a:prstGeom>
-          <a:noFill/>
-          <a:ln>
-            <a:noFill/>
-          </a:ln>
-          <a:effectLst/>
-          <a:extLst>
-            <a:ext uri="{909E8E84-426E-40DD-AFC4-6F175D3DCCD1}">
-              <a14:hiddenFill xmlns:a14="http://schemas.microsoft.com/office/drawing/2010/main">
-                <a:solidFill>
-                  <a:schemeClr val="accent1"/>
-                </a:solidFill>
-              </a14:hiddenFill>
-            </a:ext>
-            <a:ext uri="{91240B29-F687-4F45-9708-019B960494DF}">
-              <a14:hiddenLine xmlns:a14="http://schemas.microsoft.com/office/drawing/2010/main" w="9525">
-                <a:solidFill>
-                  <a:schemeClr val="tx1"/>
-                </a:solidFill>
-                <a:miter lim="800000"/>
-                <a:headEnd/>
-                <a:tailEnd/>
-              </a14:hiddenLine>
-            </a:ext>
-            <a:ext uri="{AF507438-7753-43E0-B8FC-AC1667EBCBE1}">
-              <a14:hiddenEffects xmlns:a14="http://schemas.microsoft.com/office/drawing/2010/main">
-                <a:effectLst>
-                  <a:outerShdw dist="35921" dir="2700000" algn="ctr" rotWithShape="0">
-                    <a:schemeClr val="bg2"/>
-                  </a:outerShdw>
-                </a:effectLst>
-              </a14:hiddenEffects>
-            </a:ext>
-          </a:extLst>
-        </p:spPr>
-        <p:txBody>
-          <a:bodyPr vert="horz" wrap="none" lIns="91440" tIns="45720" rIns="91440" bIns="45720" numCol="1" anchor="ctr" anchorCtr="0" compatLnSpc="1">
-            <a:prstTxWarp prst="textNoShape">
-              <a:avLst/>
-            </a:prstTxWarp>
-            <a:spAutoFit/>
-          </a:bodyPr>
+        </p:spPr>
+      </p:pic>
+      <p:sp>
+        <p:nvSpPr>
+          <p:cNvPr id="2" name="Titre 1"/>
+          <p:cNvSpPr>
+            <a:spLocks noGrp="1"/>
+          </p:cNvSpPr>
+          <p:nvPr>
+            <p:ph type="title"/>
+          </p:nvPr>
+        </p:nvSpPr>
+        <p:spPr/>
+        <p:txBody>
+          <a:bodyPr/>
+          <a:lstStyle/>
+          <a:p>
+            <a:r>
+              <a:rPr lang="fr-FR" dirty="0" smtClean="0"/>
+              <a:t>MCT (Ajout article)</a:t>
+            </a:r>
+            <a:endParaRPr lang="fr-FR" dirty="0"/>
+          </a:p>
+        </p:txBody>
+      </p:sp>
+      <p:sp>
+        <p:nvSpPr>
+          <p:cNvPr id="3" name="Espace réservé du contenu 2"/>
+          <p:cNvSpPr>
+            <a:spLocks noGrp="1"/>
+          </p:cNvSpPr>
+          <p:nvPr>
+            <p:ph idx="1"/>
+          </p:nvPr>
+        </p:nvSpPr>
+        <p:spPr/>
+        <p:txBody>
+          <a:bodyPr/>
           <a:lstStyle/>
           <a:p>
             <a:endParaRPr lang="fr-FR"/>
           </a:p>
         </p:txBody>
       </p:sp>
-      <p:graphicFrame>
-        <p:nvGraphicFramePr>
-          <p:cNvPr id="5" name="Objet 4"/>
-          <p:cNvGraphicFramePr>
-            <a:graphicFrameLocks noChangeAspect="1"/>
-          </p:cNvGraphicFramePr>
-          <p:nvPr>
-            <p:extLst>
-              <p:ext uri="{D42A27DB-BD31-4B8C-83A1-F6EECF244321}">
-                <p14:modId xmlns:p14="http://schemas.microsoft.com/office/powerpoint/2010/main" val="1742048645"/>
-              </p:ext>
-            </p:extLst>
-          </p:nvPr>
-        </p:nvGraphicFramePr>
-        <p:xfrm>
-          <a:off x="2645469" y="1825780"/>
-          <a:ext cx="6542468" cy="4543965"/>
-        </p:xfrm>
-        <a:graphic>
-          <a:graphicData uri="http://schemas.openxmlformats.org/presentationml/2006/ole">
-            <mc:AlternateContent xmlns:mc="http://schemas.openxmlformats.org/markup-compatibility/2006">
-              <mc:Choice xmlns:v="urn:schemas-microsoft-com:vml" Requires="v">
-                <p:oleObj spid="_x0000_s1029" name="Visio" r:id="rId4" imgW="9248632" imgH="5972283" progId="Visio.Drawing.15">
-                  <p:embed/>
-                </p:oleObj>
-              </mc:Choice>
-              <mc:Fallback>
-                <p:oleObj name="Visio" r:id="rId4" imgW="9248632" imgH="5972283" progId="Visio.Drawing.15">
-                  <p:embed/>
-                  <p:pic>
-                    <p:nvPicPr>
-                      <p:cNvPr id="0" name="Object 1"/>
-                      <p:cNvPicPr>
-                        <a:picLocks noChangeAspect="1" noChangeArrowheads="1"/>
-                      </p:cNvPicPr>
-                      <p:nvPr/>
-                    </p:nvPicPr>
-                    <p:blipFill>
-                      <a:blip r:embed="rId5">
-                        <a:extLst>
-                          <a:ext uri="{28A0092B-C50C-407E-A947-70E740481C1C}">
-                            <a14:useLocalDpi xmlns:a14="http://schemas.microsoft.com/office/drawing/2010/main" val="0"/>
-                          </a:ext>
-                        </a:extLst>
-                      </a:blip>
-                      <a:srcRect/>
-                      <a:stretch>
-                        <a:fillRect/>
-                      </a:stretch>
-                    </p:blipFill>
-                    <p:spPr bwMode="auto">
-                      <a:xfrm>
-                        <a:off x="2645469" y="1825780"/>
-                        <a:ext cx="6542468" cy="4543965"/>
-                      </a:xfrm>
-                      <a:prstGeom prst="rect">
-                        <a:avLst/>
-                      </a:prstGeom>
-                      <a:noFill/>
-                    </p:spPr>
-                  </p:pic>
-                </p:oleObj>
-              </mc:Fallback>
-            </mc:AlternateContent>
-          </a:graphicData>
-        </a:graphic>
-      </p:graphicFrame>
-      <p:sp>
-        <p:nvSpPr>
-          <p:cNvPr id="6" name="Rectangle 5"/>
-          <p:cNvSpPr/>
-          <p:nvPr/>
+      <p:sp>
+        <p:nvSpPr>
+          <p:cNvPr id="6" name="Espace réservé du numéro de diapositive 4"/>
+          <p:cNvSpPr>
+            <a:spLocks noGrp="1"/>
+          </p:cNvSpPr>
+          <p:nvPr>
+            <p:ph type="sldNum" sz="quarter" idx="12"/>
+          </p:nvPr>
         </p:nvSpPr>
         <p:spPr>
           <a:xfrm>
-            <a:off x="4351851" y="6479569"/>
-            <a:ext cx="3129703" cy="338554"/>
-          </a:xfrm>
-          <a:prstGeom prst="rect">
-            <a:avLst/>
-          </a:prstGeom>
-        </p:spPr>
-        <p:txBody>
-          <a:bodyPr wrap="none">
-            <a:spAutoFit/>
-          </a:bodyPr>
-          <a:lstStyle/>
-          <a:p>
-            <a:r>
-              <a:rPr lang="fr-FR" sz="1600" dirty="0" smtClean="0">
-                <a:solidFill>
-                  <a:srgbClr val="000000"/>
-                </a:solidFill>
-                <a:latin typeface="Garamond" panose="02020404030301010803" pitchFamily="18" charset="0"/>
-                <a:ea typeface="Times New Roman" panose="02020603050405020304" pitchFamily="18" charset="0"/>
-                <a:cs typeface="Arial" panose="020B0604020202020204" pitchFamily="34" charset="0"/>
+            <a:off x="10815877" y="6492875"/>
+            <a:ext cx="1052508" cy="365125"/>
+          </a:xfrm>
+        </p:spPr>
+        <p:txBody>
+          <a:bodyPr/>
+          <a:lstStyle/>
+          <a:p>
+            <a:r>
+              <a:rPr lang="fr-FR" sz="1100" b="1" dirty="0" smtClean="0">
+                <a:solidFill>
+                  <a:schemeClr val="tx1">
+                    <a:lumMod val="95000"/>
+                    <a:lumOff val="5000"/>
+                  </a:schemeClr>
+                </a:solidFill>
               </a:rPr>
-              <a:t>Diagramme </a:t>
-            </a:r>
-            <a:r>
-              <a:rPr lang="fr-FR" sz="1600" dirty="0">
-                <a:solidFill>
-                  <a:srgbClr val="000000"/>
-                </a:solidFill>
-                <a:latin typeface="Garamond" panose="02020404030301010803" pitchFamily="18" charset="0"/>
-                <a:ea typeface="Times New Roman" panose="02020603050405020304" pitchFamily="18" charset="0"/>
-                <a:cs typeface="Arial" panose="020B0604020202020204" pitchFamily="34" charset="0"/>
-              </a:rPr>
-              <a:t>du cas d’utilisation initial</a:t>
-            </a:r>
-            <a:endParaRPr lang="fr-FR" sz="1600" dirty="0"/>
+              <a:t>12</a:t>
+            </a:r>
+            <a:endParaRPr lang="fr-FR" sz="1100" b="1" dirty="0">
+              <a:solidFill>
+                <a:schemeClr val="tx1">
+                  <a:lumMod val="95000"/>
+                  <a:lumOff val="5000"/>
+                </a:schemeClr>
+              </a:solidFill>
+            </a:endParaRPr>
           </a:p>
         </p:txBody>
       </p:sp>
     </p:spTree>
     <p:extLst>
       <p:ext uri="{BB962C8B-B14F-4D97-AF65-F5344CB8AC3E}">
-        <p14:creationId xmlns:p14="http://schemas.microsoft.com/office/powerpoint/2010/main" val="2797048619"/>
+        <p14:creationId xmlns:p14="http://schemas.microsoft.com/office/powerpoint/2010/main" val="1430066582"/>
       </p:ext>
     </p:extLst>
   </p:cSld>
@@ -4754,38 +5595,13 @@
           <a:chExt cx="0" cy="0"/>
         </a:xfrm>
       </p:grpSpPr>
-      <p:sp>
-        <p:nvSpPr>
-          <p:cNvPr id="2" name="Titre 1"/>
-          <p:cNvSpPr>
-            <a:spLocks noGrp="1"/>
-          </p:cNvSpPr>
-          <p:nvPr>
-            <p:ph type="title"/>
-          </p:nvPr>
-        </p:nvSpPr>
-        <p:spPr/>
-        <p:txBody>
-          <a:bodyPr/>
-          <a:lstStyle/>
-          <a:p>
-            <a:r>
-              <a:rPr lang="fr-FR" dirty="0" smtClean="0"/>
-              <a:t>Modèle Conceptuelle Des données</a:t>
-            </a:r>
-            <a:endParaRPr lang="fr-FR" dirty="0"/>
-          </a:p>
-        </p:txBody>
-      </p:sp>
       <p:pic>
         <p:nvPicPr>
-          <p:cNvPr id="4" name="Espace réservé du contenu 3"/>
+          <p:cNvPr id="5" name="Espace réservé du contenu 7"/>
           <p:cNvPicPr>
-            <a:picLocks noGrp="1"/>
+            <a:picLocks noChangeAspect="1"/>
           </p:cNvPicPr>
-          <p:nvPr>
-            <p:ph idx="1"/>
-          </p:nvPr>
+          <p:nvPr/>
         </p:nvPicPr>
         <p:blipFill>
           <a:blip r:embed="rId2">
@@ -4800,9 +5616,9 @@
           </a:stretch>
         </p:blipFill>
         <p:spPr>
-          <a:xfrm>
-            <a:off x="2605714" y="1841678"/>
-            <a:ext cx="6980565" cy="5076917"/>
+          <a:xfrm rot="19315184">
+            <a:off x="9612936" y="4691990"/>
+            <a:ext cx="2857500" cy="2143125"/>
           </a:xfrm>
           <a:prstGeom prst="rect">
             <a:avLst/>
@@ -4811,49 +5627,84 @@
       </p:pic>
       <p:sp>
         <p:nvSpPr>
-          <p:cNvPr id="5" name="Rectangle 4"/>
-          <p:cNvSpPr/>
-          <p:nvPr/>
-        </p:nvSpPr>
-        <p:spPr>
-          <a:xfrm rot="19431852">
-            <a:off x="-199697" y="5633886"/>
-            <a:ext cx="3113865" cy="338554"/>
-          </a:xfrm>
-          <a:prstGeom prst="rect">
-            <a:avLst/>
-          </a:prstGeom>
-        </p:spPr>
-        <p:txBody>
-          <a:bodyPr wrap="none">
-            <a:spAutoFit/>
-          </a:bodyPr>
-          <a:lstStyle/>
-          <a:p>
-            <a:pPr algn="ctr">
-              <a:spcAft>
-                <a:spcPts val="1000"/>
-              </a:spcAft>
-            </a:pPr>
-            <a:r>
-              <a:rPr lang="fr-FR" sz="1600" dirty="0">
-                <a:solidFill>
-                  <a:srgbClr val="000000"/>
-                </a:solidFill>
-                <a:latin typeface="Garamond" panose="02020404030301010803" pitchFamily="18" charset="0"/>
-                <a:ea typeface="Calibri" panose="020F0502020204030204" pitchFamily="34" charset="0"/>
-                <a:cs typeface="Arial" panose="020B0604020202020204" pitchFamily="34" charset="0"/>
+          <p:cNvPr id="2" name="Titre 1"/>
+          <p:cNvSpPr>
+            <a:spLocks noGrp="1"/>
+          </p:cNvSpPr>
+          <p:nvPr>
+            <p:ph type="title"/>
+          </p:nvPr>
+        </p:nvSpPr>
+        <p:spPr/>
+        <p:txBody>
+          <a:bodyPr/>
+          <a:lstStyle/>
+          <a:p>
+            <a:r>
+              <a:rPr lang="fr-FR" dirty="0" smtClean="0"/>
+              <a:t>MCT (Gestion des commandes)</a:t>
+            </a:r>
+            <a:endParaRPr lang="fr-FR" dirty="0"/>
+          </a:p>
+        </p:txBody>
+      </p:sp>
+      <p:sp>
+        <p:nvSpPr>
+          <p:cNvPr id="3" name="Espace réservé du contenu 2"/>
+          <p:cNvSpPr>
+            <a:spLocks noGrp="1"/>
+          </p:cNvSpPr>
+          <p:nvPr>
+            <p:ph idx="1"/>
+          </p:nvPr>
+        </p:nvSpPr>
+        <p:spPr/>
+        <p:txBody>
+          <a:bodyPr/>
+          <a:lstStyle/>
+          <a:p>
+            <a:endParaRPr lang="fr-FR"/>
+          </a:p>
+        </p:txBody>
+      </p:sp>
+      <p:sp>
+        <p:nvSpPr>
+          <p:cNvPr id="6" name="Espace réservé du numéro de diapositive 4"/>
+          <p:cNvSpPr>
+            <a:spLocks noGrp="1"/>
+          </p:cNvSpPr>
+          <p:nvPr>
+            <p:ph type="sldNum" sz="quarter" idx="12"/>
+          </p:nvPr>
+        </p:nvSpPr>
+        <p:spPr>
+          <a:xfrm>
+            <a:off x="10815877" y="6492875"/>
+            <a:ext cx="1052508" cy="365125"/>
+          </a:xfrm>
+        </p:spPr>
+        <p:txBody>
+          <a:bodyPr/>
+          <a:lstStyle/>
+          <a:p>
+            <a:r>
+              <a:rPr lang="fr-FR" sz="1100" b="1" dirty="0" smtClean="0">
+                <a:solidFill>
+                  <a:schemeClr val="tx1">
+                    <a:lumMod val="95000"/>
+                    <a:lumOff val="5000"/>
+                  </a:schemeClr>
+                </a:solidFill>
               </a:rPr>
-              <a:t>Schéma extrait de la base de données</a:t>
-            </a:r>
-            <a:endParaRPr lang="fr-FR" sz="1050" b="1" dirty="0">
+              <a:t>13</a:t>
+            </a:r>
+            <a:endParaRPr lang="fr-FR" sz="1100" b="1" dirty="0">
               <a:solidFill>
-                <a:srgbClr val="4F81BD"/>
+                <a:schemeClr val="tx1">
+                  <a:lumMod val="95000"/>
+                  <a:lumOff val="5000"/>
+                </a:schemeClr>
               </a:solidFill>
-              <a:effectLst/>
-              <a:latin typeface="Calibri" panose="020F0502020204030204" pitchFamily="34" charset="0"/>
-              <a:ea typeface="Calibri" panose="020F0502020204030204" pitchFamily="34" charset="0"/>
-              <a:cs typeface="Arial" panose="020B0604020202020204" pitchFamily="34" charset="0"/>
             </a:endParaRPr>
           </a:p>
         </p:txBody>
@@ -4861,7 +5712,7 @@
     </p:spTree>
     <p:extLst>
       <p:ext uri="{BB962C8B-B14F-4D97-AF65-F5344CB8AC3E}">
-        <p14:creationId xmlns:p14="http://schemas.microsoft.com/office/powerpoint/2010/main" val="1355835073"/>
+        <p14:creationId xmlns:p14="http://schemas.microsoft.com/office/powerpoint/2010/main" val="1263930064"/>
       </p:ext>
     </p:extLst>
   </p:cSld>
@@ -4895,33 +5746,12 @@
           <a:chExt cx="0" cy="0"/>
         </a:xfrm>
       </p:grpSpPr>
-      <p:sp>
-        <p:nvSpPr>
-          <p:cNvPr id="2" name="Titre 1"/>
-          <p:cNvSpPr>
-            <a:spLocks noGrp="1"/>
-          </p:cNvSpPr>
-          <p:nvPr>
-            <p:ph type="title"/>
-          </p:nvPr>
-        </p:nvSpPr>
-        <p:spPr/>
-        <p:txBody>
-          <a:bodyPr/>
-          <a:lstStyle/>
-          <a:p>
-            <a:r>
-              <a:rPr lang="fr-FR" dirty="0" smtClean="0"/>
-              <a:t>Modèle Physique Des données</a:t>
-            </a:r>
-            <a:endParaRPr lang="fr-FR" dirty="0"/>
-          </a:p>
-        </p:txBody>
-      </p:sp>
       <p:pic>
         <p:nvPicPr>
-          <p:cNvPr id="4" name="Image 3" descr="C:\Users\Sakly\Documents\GitHub\lebonchoix\global\conception\mpd.PNG"/>
-          <p:cNvPicPr/>
+          <p:cNvPr id="5" name="Espace réservé du contenu 7"/>
+          <p:cNvPicPr>
+            <a:picLocks noChangeAspect="1"/>
+          </p:cNvPicPr>
           <p:nvPr/>
         </p:nvPicPr>
         <p:blipFill>
@@ -4932,87 +5762,179 @@
               </a:ext>
             </a:extLst>
           </a:blip>
-          <a:srcRect/>
           <a:stretch>
             <a:fillRect/>
           </a:stretch>
         </p:blipFill>
-        <p:spPr bwMode="auto">
-          <a:xfrm>
-            <a:off x="2844426" y="1957589"/>
-            <a:ext cx="6503147" cy="4595776"/>
+        <p:spPr>
+          <a:xfrm rot="19315184">
+            <a:off x="9612936" y="4691990"/>
+            <a:ext cx="2857500" cy="2143125"/>
           </a:xfrm>
           <a:prstGeom prst="rect">
             <a:avLst/>
           </a:prstGeom>
-          <a:noFill/>
-          <a:ln>
-            <a:noFill/>
-          </a:ln>
         </p:spPr>
       </p:pic>
       <p:sp>
         <p:nvSpPr>
-          <p:cNvPr id="5" name="Rectangle 4"/>
-          <p:cNvSpPr/>
-          <p:nvPr/>
+          <p:cNvPr id="2" name="Titre 1"/>
+          <p:cNvSpPr>
+            <a:spLocks noGrp="1"/>
+          </p:cNvSpPr>
+          <p:nvPr>
+            <p:ph type="title"/>
+          </p:nvPr>
+        </p:nvSpPr>
+        <p:spPr/>
+        <p:txBody>
+          <a:bodyPr/>
+          <a:lstStyle/>
+          <a:p>
+            <a:r>
+              <a:rPr lang="fr-FR" dirty="0" smtClean="0"/>
+              <a:t>conclusion</a:t>
+            </a:r>
+            <a:endParaRPr lang="fr-FR" dirty="0"/>
+          </a:p>
+        </p:txBody>
+      </p:sp>
+      <p:sp>
+        <p:nvSpPr>
+          <p:cNvPr id="3" name="Espace réservé du contenu 2"/>
+          <p:cNvSpPr>
+            <a:spLocks noGrp="1"/>
+          </p:cNvSpPr>
+          <p:nvPr>
+            <p:ph idx="1"/>
+          </p:nvPr>
         </p:nvSpPr>
         <p:spPr>
           <a:xfrm>
-            <a:off x="5092812" y="6456444"/>
-            <a:ext cx="2606098" cy="338554"/>
-          </a:xfrm>
-          <a:prstGeom prst="rect">
-            <a:avLst/>
-          </a:prstGeom>
-        </p:spPr>
-        <p:txBody>
-          <a:bodyPr wrap="none">
-            <a:spAutoFit/>
+            <a:off x="581192" y="2180496"/>
+            <a:ext cx="11029615" cy="4677504"/>
+          </a:xfrm>
+        </p:spPr>
+        <p:txBody>
+          <a:bodyPr>
+            <a:normAutofit/>
           </a:bodyPr>
           <a:lstStyle/>
           <a:p>
             <a:r>
-              <a:rPr lang="fr-FR" sz="1600" dirty="0">
-                <a:solidFill>
-                  <a:srgbClr val="000000"/>
-                </a:solidFill>
-                <a:latin typeface="Garamond" panose="02020404030301010803" pitchFamily="18" charset="0"/>
-                <a:ea typeface="Times New Roman" panose="02020603050405020304" pitchFamily="18" charset="0"/>
-                <a:cs typeface="Arial" panose="020B0604020202020204" pitchFamily="34" charset="0"/>
+              <a:rPr lang="fr-FR" sz="2400" dirty="0"/>
+              <a:t>A</a:t>
+            </a:r>
+            <a:r>
+              <a:rPr lang="fr-FR" sz="2400" dirty="0" smtClean="0"/>
+              <a:t>ide </a:t>
+            </a:r>
+            <a:r>
+              <a:rPr lang="fr-FR" sz="2400" dirty="0"/>
+              <a:t>le client à savoir et chercher des articles (bijoux</a:t>
+            </a:r>
+            <a:r>
+              <a:rPr lang="fr-FR" sz="2400" dirty="0" smtClean="0"/>
+              <a:t>). </a:t>
+            </a:r>
+            <a:endParaRPr lang="fr-FR" sz="2400" dirty="0"/>
+          </a:p>
+          <a:p>
+            <a:r>
+              <a:rPr lang="fr-FR" sz="2400" dirty="0" smtClean="0"/>
+              <a:t>Couvrir </a:t>
+            </a:r>
+            <a:r>
+              <a:rPr lang="fr-FR" sz="2400" dirty="0"/>
+              <a:t>la présentation des services en promotion à la page d’accueil et leur </a:t>
+            </a:r>
+            <a:r>
+              <a:rPr lang="fr-FR" sz="2400" dirty="0" smtClean="0"/>
+              <a:t>recherche.</a:t>
+            </a:r>
+            <a:endParaRPr lang="fr-FR" sz="2400" dirty="0"/>
+          </a:p>
+          <a:p>
+            <a:r>
+              <a:rPr lang="fr-FR" sz="2400" dirty="0" smtClean="0"/>
+              <a:t>Interface </a:t>
+            </a:r>
+            <a:r>
+              <a:rPr lang="fr-FR" sz="2400" dirty="0"/>
+              <a:t>directe entre un internaute visiteur et le propriétaire de la </a:t>
+            </a:r>
+            <a:r>
+              <a:rPr lang="fr-FR" sz="2400" dirty="0" smtClean="0"/>
+              <a:t>bijouterie.</a:t>
+            </a:r>
+          </a:p>
+          <a:p>
+            <a:r>
+              <a:rPr lang="fr-FR" sz="2400" dirty="0" smtClean="0"/>
+              <a:t>L’internaute </a:t>
+            </a:r>
+            <a:r>
+              <a:rPr lang="fr-FR" sz="2400" dirty="0"/>
+              <a:t>ou le client peut envoi des messages au propriétaire, ainsi l’administrateur lui répond le plus vite possible.</a:t>
+            </a:r>
+          </a:p>
+          <a:p>
+            <a:r>
+              <a:rPr lang="fr-FR" sz="2400" dirty="0"/>
+              <a:t>L’internaute ou le client peut aussi recevoir les newsletters du site après avoir inscrit.</a:t>
+            </a:r>
+          </a:p>
+          <a:p>
+            <a:endParaRPr lang="fr-FR" sz="2400" dirty="0"/>
+          </a:p>
+        </p:txBody>
+      </p:sp>
+      <p:sp>
+        <p:nvSpPr>
+          <p:cNvPr id="6" name="Espace réservé du numéro de diapositive 4"/>
+          <p:cNvSpPr>
+            <a:spLocks noGrp="1"/>
+          </p:cNvSpPr>
+          <p:nvPr>
+            <p:ph type="sldNum" sz="quarter" idx="12"/>
+          </p:nvPr>
+        </p:nvSpPr>
+        <p:spPr>
+          <a:xfrm>
+            <a:off x="10815877" y="6492875"/>
+            <a:ext cx="1052508" cy="365125"/>
+          </a:xfrm>
+        </p:spPr>
+        <p:txBody>
+          <a:bodyPr/>
+          <a:lstStyle/>
+          <a:p>
+            <a:r>
+              <a:rPr lang="fr-FR" sz="1100" b="1" dirty="0" smtClean="0">
+                <a:solidFill>
+                  <a:schemeClr val="tx1">
+                    <a:lumMod val="95000"/>
+                    <a:lumOff val="5000"/>
+                  </a:schemeClr>
+                </a:solidFill>
               </a:rPr>
-              <a:t>Modèle </a:t>
-            </a:r>
-            <a:r>
-              <a:rPr lang="fr-FR" sz="1600" dirty="0" smtClean="0">
-                <a:solidFill>
-                  <a:srgbClr val="000000"/>
-                </a:solidFill>
-                <a:latin typeface="Garamond" panose="02020404030301010803" pitchFamily="18" charset="0"/>
-                <a:ea typeface="Times New Roman" panose="02020603050405020304" pitchFamily="18" charset="0"/>
-                <a:cs typeface="Arial" panose="020B0604020202020204" pitchFamily="34" charset="0"/>
-              </a:rPr>
-              <a:t>physique </a:t>
-            </a:r>
-            <a:r>
-              <a:rPr lang="fr-FR" sz="1600" dirty="0">
-                <a:solidFill>
-                  <a:srgbClr val="000000"/>
-                </a:solidFill>
-                <a:latin typeface="Garamond" panose="02020404030301010803" pitchFamily="18" charset="0"/>
-                <a:ea typeface="Times New Roman" panose="02020603050405020304" pitchFamily="18" charset="0"/>
-                <a:cs typeface="Arial" panose="020B0604020202020204" pitchFamily="34" charset="0"/>
-              </a:rPr>
-              <a:t>des données </a:t>
-            </a:r>
-            <a:endParaRPr lang="fr-FR" sz="1600" dirty="0"/>
+              <a:t>14</a:t>
+            </a:r>
+            <a:endParaRPr lang="fr-FR" sz="1100" b="1" dirty="0">
+              <a:solidFill>
+                <a:schemeClr val="tx1">
+                  <a:lumMod val="95000"/>
+                  <a:lumOff val="5000"/>
+                </a:schemeClr>
+              </a:solidFill>
+            </a:endParaRPr>
           </a:p>
         </p:txBody>
       </p:sp>
     </p:spTree>
     <p:extLst>
       <p:ext uri="{BB962C8B-B14F-4D97-AF65-F5344CB8AC3E}">
-        <p14:creationId xmlns:p14="http://schemas.microsoft.com/office/powerpoint/2010/main" val="3385592920"/>
+        <p14:creationId xmlns:p14="http://schemas.microsoft.com/office/powerpoint/2010/main" val="3531016766"/>
       </p:ext>
     </p:extLst>
   </p:cSld>
@@ -5048,433 +5970,81 @@
       </p:grpSpPr>
       <p:sp>
         <p:nvSpPr>
-          <p:cNvPr id="2" name="Titre 1"/>
-          <p:cNvSpPr>
-            <a:spLocks noGrp="1"/>
-          </p:cNvSpPr>
-          <p:nvPr>
-            <p:ph type="title"/>
-          </p:nvPr>
-        </p:nvSpPr>
-        <p:spPr/>
-        <p:txBody>
-          <a:bodyPr/>
-          <a:lstStyle/>
-          <a:p>
-            <a:r>
-              <a:rPr lang="fr-FR" dirty="0" smtClean="0"/>
-              <a:t>MCT (Authentification)</a:t>
-            </a:r>
-            <a:endParaRPr lang="fr-FR" dirty="0"/>
-          </a:p>
-        </p:txBody>
-      </p:sp>
-      <p:pic>
-        <p:nvPicPr>
-          <p:cNvPr id="2051" name="Picture 3"/>
-          <p:cNvPicPr>
-            <a:picLocks noChangeAspect="1" noChangeArrowheads="1"/>
-          </p:cNvPicPr>
-          <p:nvPr/>
-        </p:nvPicPr>
-        <p:blipFill>
-          <a:blip r:embed="rId2">
-            <a:extLst>
-              <a:ext uri="{28A0092B-C50C-407E-A947-70E740481C1C}">
-                <a14:useLocalDpi xmlns:a14="http://schemas.microsoft.com/office/drawing/2010/main" val="0"/>
-              </a:ext>
-            </a:extLst>
-          </a:blip>
-          <a:srcRect/>
-          <a:stretch>
-            <a:fillRect/>
-          </a:stretch>
-        </p:blipFill>
-        <p:spPr bwMode="auto">
+          <p:cNvPr id="3" name="Espace réservé du contenu 2"/>
+          <p:cNvSpPr>
+            <a:spLocks noGrp="1"/>
+          </p:cNvSpPr>
+          <p:nvPr>
+            <p:ph idx="1"/>
+          </p:nvPr>
+        </p:nvSpPr>
+        <p:spPr>
           <a:xfrm>
-            <a:off x="5116087" y="0"/>
-            <a:ext cx="4592638" cy="6858001"/>
-          </a:xfrm>
-          <a:prstGeom prst="rect">
-            <a:avLst/>
-          </a:prstGeom>
-          <a:noFill/>
-          <a:extLst>
-            <a:ext uri="{909E8E84-426E-40DD-AFC4-6F175D3DCCD1}">
-              <a14:hiddenFill xmlns:a14="http://schemas.microsoft.com/office/drawing/2010/main">
-                <a:solidFill>
-                  <a:srgbClr val="FFFFFF"/>
-                </a:solidFill>
-              </a14:hiddenFill>
-            </a:ext>
-          </a:extLst>
-        </p:spPr>
-      </p:pic>
+            <a:off x="425003" y="605307"/>
+            <a:ext cx="11333407" cy="5253493"/>
+          </a:xfrm>
+          <a:ln>
+            <a:solidFill>
+              <a:schemeClr val="accent2">
+                <a:lumMod val="60000"/>
+                <a:lumOff val="40000"/>
+              </a:schemeClr>
+            </a:solidFill>
+          </a:ln>
+        </p:spPr>
+        <p:style>
+          <a:lnRef idx="3">
+            <a:schemeClr val="lt1"/>
+          </a:lnRef>
+          <a:fillRef idx="1">
+            <a:schemeClr val="accent1"/>
+          </a:fillRef>
+          <a:effectRef idx="1">
+            <a:schemeClr val="accent1"/>
+          </a:effectRef>
+          <a:fontRef idx="minor">
+            <a:schemeClr val="lt1"/>
+          </a:fontRef>
+        </p:style>
+        <p:txBody>
+          <a:bodyPr>
+            <a:normAutofit/>
+          </a:bodyPr>
+          <a:lstStyle/>
+          <a:p>
+            <a:pPr marL="0" indent="0" algn="ctr">
+              <a:buNone/>
+            </a:pPr>
+            <a:r>
+              <a:rPr lang="fr-FR" sz="4400" b="1" dirty="0" smtClean="0">
+                <a:ln w="12700">
+                  <a:solidFill>
+                    <a:schemeClr val="accent3">
+                      <a:lumMod val="50000"/>
+                    </a:schemeClr>
+                  </a:solidFill>
+                  <a:prstDash val="solid"/>
+                </a:ln>
+                <a:solidFill>
+                  <a:schemeClr val="tx1"/>
+                </a:solidFill>
+                <a:effectLst>
+                  <a:outerShdw blurRad="38100" dist="38100" dir="2700000" algn="tl">
+                    <a:srgbClr val="000000">
+                      <a:alpha val="43137"/>
+                    </a:srgbClr>
+                  </a:outerShdw>
+                </a:effectLst>
+              </a:rPr>
+              <a:t>Merci pour votre attention</a:t>
+            </a:r>
+          </a:p>
+        </p:txBody>
+      </p:sp>
     </p:spTree>
     <p:extLst>
       <p:ext uri="{BB962C8B-B14F-4D97-AF65-F5344CB8AC3E}">
-        <p14:creationId xmlns:p14="http://schemas.microsoft.com/office/powerpoint/2010/main" val="1108787325"/>
-      </p:ext>
-    </p:extLst>
-  </p:cSld>
-  <p:clrMapOvr>
-    <a:masterClrMapping/>
-  </p:clrMapOvr>
-  <p:timing>
-    <p:tnLst>
-      <p:par>
-        <p:cTn id="1" dur="indefinite" restart="never" nodeType="tmRoot"/>
-      </p:par>
-    </p:tnLst>
-  </p:timing>
-</p:sld>
-</file>
-
-<file path=ppt/slides/slide16.xml><?xml version="1.0" encoding="utf-8"?>
-<p:sld xmlns:a="http://schemas.openxmlformats.org/drawingml/2006/main" xmlns:r="http://schemas.openxmlformats.org/officeDocument/2006/relationships" xmlns:p="http://schemas.openxmlformats.org/presentationml/2006/main">
-  <p:cSld>
-    <p:spTree>
-      <p:nvGrpSpPr>
-        <p:cNvPr id="1" name=""/>
-        <p:cNvGrpSpPr/>
-        <p:nvPr/>
-      </p:nvGrpSpPr>
-      <p:grpSpPr>
-        <a:xfrm>
-          <a:off x="0" y="0"/>
-          <a:ext cx="0" cy="0"/>
-          <a:chOff x="0" y="0"/>
-          <a:chExt cx="0" cy="0"/>
-        </a:xfrm>
-      </p:grpSpPr>
-      <p:sp>
-        <p:nvSpPr>
-          <p:cNvPr id="2" name="Titre 1"/>
-          <p:cNvSpPr>
-            <a:spLocks noGrp="1"/>
-          </p:cNvSpPr>
-          <p:nvPr>
-            <p:ph type="title"/>
-          </p:nvPr>
-        </p:nvSpPr>
-        <p:spPr/>
-        <p:txBody>
-          <a:bodyPr/>
-          <a:lstStyle/>
-          <a:p>
-            <a:r>
-              <a:rPr lang="fr-FR" dirty="0" smtClean="0"/>
-              <a:t>MCT (Ajout article)</a:t>
-            </a:r>
-            <a:endParaRPr lang="fr-FR" dirty="0"/>
-          </a:p>
-        </p:txBody>
-      </p:sp>
-      <p:sp>
-        <p:nvSpPr>
-          <p:cNvPr id="3" name="Espace réservé du contenu 2"/>
-          <p:cNvSpPr>
-            <a:spLocks noGrp="1"/>
-          </p:cNvSpPr>
-          <p:nvPr>
-            <p:ph idx="1"/>
-          </p:nvPr>
-        </p:nvSpPr>
-        <p:spPr/>
-        <p:txBody>
-          <a:bodyPr/>
-          <a:lstStyle/>
-          <a:p>
-            <a:endParaRPr lang="fr-FR"/>
-          </a:p>
-        </p:txBody>
-      </p:sp>
-    </p:spTree>
-    <p:extLst>
-      <p:ext uri="{BB962C8B-B14F-4D97-AF65-F5344CB8AC3E}">
-        <p14:creationId xmlns:p14="http://schemas.microsoft.com/office/powerpoint/2010/main" val="1430066582"/>
-      </p:ext>
-    </p:extLst>
-  </p:cSld>
-  <p:clrMapOvr>
-    <a:masterClrMapping/>
-  </p:clrMapOvr>
-  <p:timing>
-    <p:tnLst>
-      <p:par>
-        <p:cTn id="1" dur="indefinite" restart="never" nodeType="tmRoot"/>
-      </p:par>
-    </p:tnLst>
-  </p:timing>
-</p:sld>
-</file>
-
-<file path=ppt/slides/slide17.xml><?xml version="1.0" encoding="utf-8"?>
-<p:sld xmlns:a="http://schemas.openxmlformats.org/drawingml/2006/main" xmlns:r="http://schemas.openxmlformats.org/officeDocument/2006/relationships" xmlns:p="http://schemas.openxmlformats.org/presentationml/2006/main">
-  <p:cSld>
-    <p:spTree>
-      <p:nvGrpSpPr>
-        <p:cNvPr id="1" name=""/>
-        <p:cNvGrpSpPr/>
-        <p:nvPr/>
-      </p:nvGrpSpPr>
-      <p:grpSpPr>
-        <a:xfrm>
-          <a:off x="0" y="0"/>
-          <a:ext cx="0" cy="0"/>
-          <a:chOff x="0" y="0"/>
-          <a:chExt cx="0" cy="0"/>
-        </a:xfrm>
-      </p:grpSpPr>
-      <p:sp>
-        <p:nvSpPr>
-          <p:cNvPr id="2" name="Titre 1"/>
-          <p:cNvSpPr>
-            <a:spLocks noGrp="1"/>
-          </p:cNvSpPr>
-          <p:nvPr>
-            <p:ph type="title"/>
-          </p:nvPr>
-        </p:nvSpPr>
-        <p:spPr/>
-        <p:txBody>
-          <a:bodyPr/>
-          <a:lstStyle/>
-          <a:p>
-            <a:r>
-              <a:rPr lang="fr-FR" dirty="0" smtClean="0"/>
-              <a:t>MCT (Gestion des commandes)</a:t>
-            </a:r>
-            <a:endParaRPr lang="fr-FR" dirty="0"/>
-          </a:p>
-        </p:txBody>
-      </p:sp>
-      <p:sp>
-        <p:nvSpPr>
-          <p:cNvPr id="3" name="Espace réservé du contenu 2"/>
-          <p:cNvSpPr>
-            <a:spLocks noGrp="1"/>
-          </p:cNvSpPr>
-          <p:nvPr>
-            <p:ph idx="1"/>
-          </p:nvPr>
-        </p:nvSpPr>
-        <p:spPr/>
-        <p:txBody>
-          <a:bodyPr/>
-          <a:lstStyle/>
-          <a:p>
-            <a:endParaRPr lang="fr-FR"/>
-          </a:p>
-        </p:txBody>
-      </p:sp>
-    </p:spTree>
-    <p:extLst>
-      <p:ext uri="{BB962C8B-B14F-4D97-AF65-F5344CB8AC3E}">
-        <p14:creationId xmlns:p14="http://schemas.microsoft.com/office/powerpoint/2010/main" val="1263930064"/>
-      </p:ext>
-    </p:extLst>
-  </p:cSld>
-  <p:clrMapOvr>
-    <a:masterClrMapping/>
-  </p:clrMapOvr>
-  <p:timing>
-    <p:tnLst>
-      <p:par>
-        <p:cTn id="1" dur="indefinite" restart="never" nodeType="tmRoot"/>
-      </p:par>
-    </p:tnLst>
-  </p:timing>
-</p:sld>
-</file>
-
-<file path=ppt/slides/slide18.xml><?xml version="1.0" encoding="utf-8"?>
-<p:sld xmlns:a="http://schemas.openxmlformats.org/drawingml/2006/main" xmlns:r="http://schemas.openxmlformats.org/officeDocument/2006/relationships" xmlns:p="http://schemas.openxmlformats.org/presentationml/2006/main">
-  <p:cSld>
-    <p:spTree>
-      <p:nvGrpSpPr>
-        <p:cNvPr id="1" name=""/>
-        <p:cNvGrpSpPr/>
-        <p:nvPr/>
-      </p:nvGrpSpPr>
-      <p:grpSpPr>
-        <a:xfrm>
-          <a:off x="0" y="0"/>
-          <a:ext cx="0" cy="0"/>
-          <a:chOff x="0" y="0"/>
-          <a:chExt cx="0" cy="0"/>
-        </a:xfrm>
-      </p:grpSpPr>
-      <p:sp>
-        <p:nvSpPr>
-          <p:cNvPr id="2" name="Titre 1"/>
-          <p:cNvSpPr>
-            <a:spLocks noGrp="1"/>
-          </p:cNvSpPr>
-          <p:nvPr>
-            <p:ph type="title"/>
-          </p:nvPr>
-        </p:nvSpPr>
-        <p:spPr/>
-        <p:txBody>
-          <a:bodyPr/>
-          <a:lstStyle/>
-          <a:p>
-            <a:r>
-              <a:rPr lang="fr-FR" dirty="0" smtClean="0"/>
-              <a:t>Outils et langages utilisés</a:t>
-            </a:r>
-            <a:endParaRPr lang="fr-FR" dirty="0"/>
-          </a:p>
-        </p:txBody>
-      </p:sp>
-      <p:sp>
-        <p:nvSpPr>
-          <p:cNvPr id="3" name="Espace réservé du contenu 2"/>
-          <p:cNvSpPr>
-            <a:spLocks noGrp="1"/>
-          </p:cNvSpPr>
-          <p:nvPr>
-            <p:ph idx="1"/>
-          </p:nvPr>
-        </p:nvSpPr>
-        <p:spPr/>
-        <p:txBody>
-          <a:bodyPr>
-            <a:normAutofit/>
-          </a:bodyPr>
-          <a:lstStyle/>
-          <a:p>
-            <a:r>
-              <a:rPr lang="fr-FR" sz="2800" dirty="0" smtClean="0"/>
-              <a:t>HTML</a:t>
-            </a:r>
-          </a:p>
-          <a:p>
-            <a:r>
-              <a:rPr lang="fr-FR" sz="2800" dirty="0" smtClean="0"/>
-              <a:t>CSS</a:t>
-            </a:r>
-          </a:p>
-          <a:p>
-            <a:r>
-              <a:rPr lang="fr-FR" sz="2800" dirty="0" smtClean="0"/>
-              <a:t>PHP</a:t>
-            </a:r>
-          </a:p>
-          <a:p>
-            <a:r>
-              <a:rPr lang="fr-FR" sz="2800" dirty="0" smtClean="0"/>
-              <a:t>phpMyAdmin</a:t>
-            </a:r>
-          </a:p>
-          <a:p>
-            <a:r>
-              <a:rPr lang="fr-FR" sz="2800" dirty="0" smtClean="0"/>
-              <a:t>WAMP</a:t>
-            </a:r>
-          </a:p>
-          <a:p>
-            <a:r>
-              <a:rPr lang="fr-FR" sz="2800" dirty="0" smtClean="0"/>
-              <a:t>Jquery</a:t>
-            </a:r>
-          </a:p>
-          <a:p>
-            <a:endParaRPr lang="fr-FR" sz="2800" dirty="0"/>
-          </a:p>
-        </p:txBody>
-      </p:sp>
-    </p:spTree>
-    <p:extLst>
-      <p:ext uri="{BB962C8B-B14F-4D97-AF65-F5344CB8AC3E}">
-        <p14:creationId xmlns:p14="http://schemas.microsoft.com/office/powerpoint/2010/main" val="1437292683"/>
-      </p:ext>
-    </p:extLst>
-  </p:cSld>
-  <p:clrMapOvr>
-    <a:masterClrMapping/>
-  </p:clrMapOvr>
-  <p:timing>
-    <p:tnLst>
-      <p:par>
-        <p:cTn id="1" dur="indefinite" restart="never" nodeType="tmRoot"/>
-      </p:par>
-    </p:tnLst>
-  </p:timing>
-</p:sld>
-</file>
-
-<file path=ppt/slides/slide19.xml><?xml version="1.0" encoding="utf-8"?>
-<p:sld xmlns:a="http://schemas.openxmlformats.org/drawingml/2006/main" xmlns:r="http://schemas.openxmlformats.org/officeDocument/2006/relationships" xmlns:p="http://schemas.openxmlformats.org/presentationml/2006/main">
-  <p:cSld>
-    <p:spTree>
-      <p:nvGrpSpPr>
-        <p:cNvPr id="1" name=""/>
-        <p:cNvGrpSpPr/>
-        <p:nvPr/>
-      </p:nvGrpSpPr>
-      <p:grpSpPr>
-        <a:xfrm>
-          <a:off x="0" y="0"/>
-          <a:ext cx="0" cy="0"/>
-          <a:chOff x="0" y="0"/>
-          <a:chExt cx="0" cy="0"/>
-        </a:xfrm>
-      </p:grpSpPr>
-      <p:sp>
-        <p:nvSpPr>
-          <p:cNvPr id="2" name="Titre 1"/>
-          <p:cNvSpPr>
-            <a:spLocks noGrp="1"/>
-          </p:cNvSpPr>
-          <p:nvPr>
-            <p:ph type="title"/>
-          </p:nvPr>
-        </p:nvSpPr>
-        <p:spPr/>
-        <p:txBody>
-          <a:bodyPr/>
-          <a:lstStyle/>
-          <a:p>
-            <a:r>
-              <a:rPr lang="fr-FR" dirty="0" smtClean="0"/>
-              <a:t>Conclusion </a:t>
-            </a:r>
-            <a:endParaRPr lang="fr-FR" dirty="0"/>
-          </a:p>
-        </p:txBody>
-      </p:sp>
-      <p:sp>
-        <p:nvSpPr>
-          <p:cNvPr id="3" name="Espace réservé du contenu 2"/>
-          <p:cNvSpPr>
-            <a:spLocks noGrp="1"/>
-          </p:cNvSpPr>
-          <p:nvPr>
-            <p:ph idx="1"/>
-          </p:nvPr>
-        </p:nvSpPr>
-        <p:spPr/>
-        <p:txBody>
-          <a:bodyPr/>
-          <a:lstStyle/>
-          <a:p>
-            <a:r>
-              <a:rPr lang="fr-FR" dirty="0"/>
-              <a:t>Ce projet a également contribué à acquérir de nouvelles connaissances dans le domaine du développement Web et aussi à l'amélioration des connaissances acquises dans le domaine de la conception d'un point de vue théorique et pratique. Comme perspective pour notre site web, nous pouvons envisager l’enrichissement de la base de données et de l’interface.</a:t>
-            </a:r>
-            <a:br>
-              <a:rPr lang="fr-FR" dirty="0"/>
-            </a:br>
-            <a:endParaRPr lang="fr-FR" dirty="0"/>
-          </a:p>
-        </p:txBody>
-      </p:sp>
-    </p:spTree>
-    <p:extLst>
-      <p:ext uri="{BB962C8B-B14F-4D97-AF65-F5344CB8AC3E}">
-        <p14:creationId xmlns:p14="http://schemas.microsoft.com/office/powerpoint/2010/main" val="2472908322"/>
+        <p14:creationId xmlns:p14="http://schemas.microsoft.com/office/powerpoint/2010/main" val="3990081798"/>
       </p:ext>
     </p:extLst>
   </p:cSld>
@@ -5542,7 +6112,7 @@
           </p:nvPr>
         </p:nvPicPr>
         <p:blipFill>
-          <a:blip r:embed="rId2">
+          <a:blip r:embed="rId3">
             <a:extLst>
               <a:ext uri="{28A0092B-C50C-407E-A947-70E740481C1C}">
                 <a14:useLocalDpi xmlns:a14="http://schemas.microsoft.com/office/drawing/2010/main" val="0"/>
@@ -5560,6 +6130,135 @@
           </a:xfrm>
         </p:spPr>
       </p:pic>
+      <p:sp>
+        <p:nvSpPr>
+          <p:cNvPr id="6" name="Espace réservé du numéro de diapositive 4"/>
+          <p:cNvSpPr txBox="1">
+            <a:spLocks/>
+          </p:cNvSpPr>
+          <p:nvPr/>
+        </p:nvSpPr>
+        <p:spPr>
+          <a:xfrm>
+            <a:off x="10815877" y="6492875"/>
+            <a:ext cx="1052508" cy="365125"/>
+          </a:xfrm>
+          <a:prstGeom prst="rect">
+            <a:avLst/>
+          </a:prstGeom>
+        </p:spPr>
+        <p:txBody>
+          <a:bodyPr vert="horz" lIns="91440" tIns="45720" rIns="91440" bIns="45720" rtlCol="0" anchor="ctr"/>
+          <a:lstStyle>
+            <a:defPPr>
+              <a:defRPr lang="fr-FR"/>
+            </a:defPPr>
+            <a:lvl1pPr marL="0" algn="r" defTabSz="914400" rtl="0" eaLnBrk="1" latinLnBrk="0" hangingPunct="1">
+              <a:defRPr sz="900" kern="1200">
+                <a:solidFill>
+                  <a:schemeClr val="accent2"/>
+                </a:solidFill>
+                <a:latin typeface="+mn-lt"/>
+                <a:ea typeface="+mn-ea"/>
+                <a:cs typeface="+mn-cs"/>
+              </a:defRPr>
+            </a:lvl1pPr>
+            <a:lvl2pPr marL="457200" algn="l" defTabSz="914400" rtl="0" eaLnBrk="1" latinLnBrk="0" hangingPunct="1">
+              <a:defRPr sz="1800" kern="1200">
+                <a:solidFill>
+                  <a:schemeClr val="tx1"/>
+                </a:solidFill>
+                <a:latin typeface="+mn-lt"/>
+                <a:ea typeface="+mn-ea"/>
+                <a:cs typeface="+mn-cs"/>
+              </a:defRPr>
+            </a:lvl2pPr>
+            <a:lvl3pPr marL="914400" algn="l" defTabSz="914400" rtl="0" eaLnBrk="1" latinLnBrk="0" hangingPunct="1">
+              <a:defRPr sz="1800" kern="1200">
+                <a:solidFill>
+                  <a:schemeClr val="tx1"/>
+                </a:solidFill>
+                <a:latin typeface="+mn-lt"/>
+                <a:ea typeface="+mn-ea"/>
+                <a:cs typeface="+mn-cs"/>
+              </a:defRPr>
+            </a:lvl3pPr>
+            <a:lvl4pPr marL="1371600" algn="l" defTabSz="914400" rtl="0" eaLnBrk="1" latinLnBrk="0" hangingPunct="1">
+              <a:defRPr sz="1800" kern="1200">
+                <a:solidFill>
+                  <a:schemeClr val="tx1"/>
+                </a:solidFill>
+                <a:latin typeface="+mn-lt"/>
+                <a:ea typeface="+mn-ea"/>
+                <a:cs typeface="+mn-cs"/>
+              </a:defRPr>
+            </a:lvl4pPr>
+            <a:lvl5pPr marL="1828800" algn="l" defTabSz="914400" rtl="0" eaLnBrk="1" latinLnBrk="0" hangingPunct="1">
+              <a:defRPr sz="1800" kern="1200">
+                <a:solidFill>
+                  <a:schemeClr val="tx1"/>
+                </a:solidFill>
+                <a:latin typeface="+mn-lt"/>
+                <a:ea typeface="+mn-ea"/>
+                <a:cs typeface="+mn-cs"/>
+              </a:defRPr>
+            </a:lvl5pPr>
+            <a:lvl6pPr marL="2286000" algn="l" defTabSz="914400" rtl="0" eaLnBrk="1" latinLnBrk="0" hangingPunct="1">
+              <a:defRPr sz="1800" kern="1200">
+                <a:solidFill>
+                  <a:schemeClr val="tx1"/>
+                </a:solidFill>
+                <a:latin typeface="+mn-lt"/>
+                <a:ea typeface="+mn-ea"/>
+                <a:cs typeface="+mn-cs"/>
+              </a:defRPr>
+            </a:lvl6pPr>
+            <a:lvl7pPr marL="2743200" algn="l" defTabSz="914400" rtl="0" eaLnBrk="1" latinLnBrk="0" hangingPunct="1">
+              <a:defRPr sz="1800" kern="1200">
+                <a:solidFill>
+                  <a:schemeClr val="tx1"/>
+                </a:solidFill>
+                <a:latin typeface="+mn-lt"/>
+                <a:ea typeface="+mn-ea"/>
+                <a:cs typeface="+mn-cs"/>
+              </a:defRPr>
+            </a:lvl7pPr>
+            <a:lvl8pPr marL="3200400" algn="l" defTabSz="914400" rtl="0" eaLnBrk="1" latinLnBrk="0" hangingPunct="1">
+              <a:defRPr sz="1800" kern="1200">
+                <a:solidFill>
+                  <a:schemeClr val="tx1"/>
+                </a:solidFill>
+                <a:latin typeface="+mn-lt"/>
+                <a:ea typeface="+mn-ea"/>
+                <a:cs typeface="+mn-cs"/>
+              </a:defRPr>
+            </a:lvl8pPr>
+            <a:lvl9pPr marL="3657600" algn="l" defTabSz="914400" rtl="0" eaLnBrk="1" latinLnBrk="0" hangingPunct="1">
+              <a:defRPr sz="1800" kern="1200">
+                <a:solidFill>
+                  <a:schemeClr val="tx1"/>
+                </a:solidFill>
+                <a:latin typeface="+mn-lt"/>
+                <a:ea typeface="+mn-ea"/>
+                <a:cs typeface="+mn-cs"/>
+              </a:defRPr>
+            </a:lvl9pPr>
+          </a:lstStyle>
+          <a:p>
+            <a:r>
+              <a:rPr lang="fr-FR" sz="1100" b="1" dirty="0">
+                <a:solidFill>
+                  <a:schemeClr val="tx1">
+                    <a:lumMod val="95000"/>
+                    <a:lumOff val="5000"/>
+                  </a:schemeClr>
+                </a:solidFill>
+              </a:rPr>
+              <a:t>2</a:t>
+            </a:r>
+          </a:p>
+        </p:txBody>
+      </p:sp>
     </p:spTree>
     <p:extLst>
       <p:ext uri="{BB962C8B-B14F-4D97-AF65-F5344CB8AC3E}">
@@ -5580,303 +6279,6 @@
 </p:sld>
 </file>
 
-<file path=ppt/slides/slide20.xml><?xml version="1.0" encoding="utf-8"?>
-<p:sld xmlns:a="http://schemas.openxmlformats.org/drawingml/2006/main" xmlns:r="http://schemas.openxmlformats.org/officeDocument/2006/relationships" xmlns:p="http://schemas.openxmlformats.org/presentationml/2006/main">
-  <p:cSld>
-    <p:spTree>
-      <p:nvGrpSpPr>
-        <p:cNvPr id="1" name=""/>
-        <p:cNvGrpSpPr/>
-        <p:nvPr/>
-      </p:nvGrpSpPr>
-      <p:grpSpPr>
-        <a:xfrm>
-          <a:off x="0" y="0"/>
-          <a:ext cx="0" cy="0"/>
-          <a:chOff x="0" y="0"/>
-          <a:chExt cx="0" cy="0"/>
-        </a:xfrm>
-      </p:grpSpPr>
-      <p:sp>
-        <p:nvSpPr>
-          <p:cNvPr id="2" name="Titre 1"/>
-          <p:cNvSpPr>
-            <a:spLocks noGrp="1"/>
-          </p:cNvSpPr>
-          <p:nvPr>
-            <p:ph type="title"/>
-          </p:nvPr>
-        </p:nvSpPr>
-        <p:spPr/>
-        <p:txBody>
-          <a:bodyPr/>
-          <a:lstStyle/>
-          <a:p>
-            <a:r>
-              <a:rPr lang="fr-FR" dirty="0" smtClean="0"/>
-              <a:t>Quelques interfaces réalisés</a:t>
-            </a:r>
-            <a:endParaRPr lang="fr-FR" dirty="0"/>
-          </a:p>
-        </p:txBody>
-      </p:sp>
-      <p:sp>
-        <p:nvSpPr>
-          <p:cNvPr id="3" name="Espace réservé du contenu 2"/>
-          <p:cNvSpPr>
-            <a:spLocks noGrp="1"/>
-          </p:cNvSpPr>
-          <p:nvPr>
-            <p:ph idx="1"/>
-          </p:nvPr>
-        </p:nvSpPr>
-        <p:spPr/>
-        <p:txBody>
-          <a:bodyPr/>
-          <a:lstStyle/>
-          <a:p>
-            <a:endParaRPr lang="fr-FR"/>
-          </a:p>
-        </p:txBody>
-      </p:sp>
-    </p:spTree>
-    <p:extLst>
-      <p:ext uri="{BB962C8B-B14F-4D97-AF65-F5344CB8AC3E}">
-        <p14:creationId xmlns:p14="http://schemas.microsoft.com/office/powerpoint/2010/main" val="4133149725"/>
-      </p:ext>
-    </p:extLst>
-  </p:cSld>
-  <p:clrMapOvr>
-    <a:masterClrMapping/>
-  </p:clrMapOvr>
-  <p:timing>
-    <p:tnLst>
-      <p:par>
-        <p:cTn id="1" dur="indefinite" restart="never" nodeType="tmRoot"/>
-      </p:par>
-    </p:tnLst>
-  </p:timing>
-</p:sld>
-</file>
-
-<file path=ppt/slides/slide21.xml><?xml version="1.0" encoding="utf-8"?>
-<p:sld xmlns:a="http://schemas.openxmlformats.org/drawingml/2006/main" xmlns:r="http://schemas.openxmlformats.org/officeDocument/2006/relationships" xmlns:p="http://schemas.openxmlformats.org/presentationml/2006/main">
-  <p:cSld>
-    <p:spTree>
-      <p:nvGrpSpPr>
-        <p:cNvPr id="1" name=""/>
-        <p:cNvGrpSpPr/>
-        <p:nvPr/>
-      </p:nvGrpSpPr>
-      <p:grpSpPr>
-        <a:xfrm>
-          <a:off x="0" y="0"/>
-          <a:ext cx="0" cy="0"/>
-          <a:chOff x="0" y="0"/>
-          <a:chExt cx="0" cy="0"/>
-        </a:xfrm>
-      </p:grpSpPr>
-      <p:sp>
-        <p:nvSpPr>
-          <p:cNvPr id="2" name="Titre 1"/>
-          <p:cNvSpPr>
-            <a:spLocks noGrp="1"/>
-          </p:cNvSpPr>
-          <p:nvPr>
-            <p:ph type="title"/>
-          </p:nvPr>
-        </p:nvSpPr>
-        <p:spPr/>
-        <p:txBody>
-          <a:bodyPr/>
-          <a:lstStyle/>
-          <a:p>
-            <a:endParaRPr lang="fr-FR" dirty="0"/>
-          </a:p>
-        </p:txBody>
-      </p:sp>
-      <p:sp>
-        <p:nvSpPr>
-          <p:cNvPr id="3" name="Espace réservé du contenu 2"/>
-          <p:cNvSpPr>
-            <a:spLocks noGrp="1"/>
-          </p:cNvSpPr>
-          <p:nvPr>
-            <p:ph idx="1"/>
-          </p:nvPr>
-        </p:nvSpPr>
-        <p:spPr/>
-        <p:txBody>
-          <a:bodyPr/>
-          <a:lstStyle/>
-          <a:p>
-            <a:endParaRPr lang="fr-FR"/>
-          </a:p>
-        </p:txBody>
-      </p:sp>
-    </p:spTree>
-    <p:extLst>
-      <p:ext uri="{BB962C8B-B14F-4D97-AF65-F5344CB8AC3E}">
-        <p14:creationId xmlns:p14="http://schemas.microsoft.com/office/powerpoint/2010/main" val="896827232"/>
-      </p:ext>
-    </p:extLst>
-  </p:cSld>
-  <p:clrMapOvr>
-    <a:masterClrMapping/>
-  </p:clrMapOvr>
-  <p:timing>
-    <p:tnLst>
-      <p:par>
-        <p:cTn id="1" dur="indefinite" restart="never" nodeType="tmRoot"/>
-      </p:par>
-    </p:tnLst>
-  </p:timing>
-</p:sld>
-</file>
-
-<file path=ppt/slides/slide22.xml><?xml version="1.0" encoding="utf-8"?>
-<p:sld xmlns:a="http://schemas.openxmlformats.org/drawingml/2006/main" xmlns:r="http://schemas.openxmlformats.org/officeDocument/2006/relationships" xmlns:p="http://schemas.openxmlformats.org/presentationml/2006/main">
-  <p:cSld>
-    <p:spTree>
-      <p:nvGrpSpPr>
-        <p:cNvPr id="1" name=""/>
-        <p:cNvGrpSpPr/>
-        <p:nvPr/>
-      </p:nvGrpSpPr>
-      <p:grpSpPr>
-        <a:xfrm>
-          <a:off x="0" y="0"/>
-          <a:ext cx="0" cy="0"/>
-          <a:chOff x="0" y="0"/>
-          <a:chExt cx="0" cy="0"/>
-        </a:xfrm>
-      </p:grpSpPr>
-      <p:sp>
-        <p:nvSpPr>
-          <p:cNvPr id="2" name="Titre 1"/>
-          <p:cNvSpPr>
-            <a:spLocks noGrp="1"/>
-          </p:cNvSpPr>
-          <p:nvPr>
-            <p:ph type="title"/>
-          </p:nvPr>
-        </p:nvSpPr>
-        <p:spPr/>
-        <p:txBody>
-          <a:bodyPr/>
-          <a:lstStyle/>
-          <a:p>
-            <a:endParaRPr lang="fr-FR" dirty="0"/>
-          </a:p>
-        </p:txBody>
-      </p:sp>
-      <p:sp>
-        <p:nvSpPr>
-          <p:cNvPr id="3" name="Espace réservé du contenu 2"/>
-          <p:cNvSpPr>
-            <a:spLocks noGrp="1"/>
-          </p:cNvSpPr>
-          <p:nvPr>
-            <p:ph idx="1"/>
-          </p:nvPr>
-        </p:nvSpPr>
-        <p:spPr/>
-        <p:txBody>
-          <a:bodyPr/>
-          <a:lstStyle/>
-          <a:p>
-            <a:endParaRPr lang="fr-FR"/>
-          </a:p>
-        </p:txBody>
-      </p:sp>
-    </p:spTree>
-    <p:extLst>
-      <p:ext uri="{BB962C8B-B14F-4D97-AF65-F5344CB8AC3E}">
-        <p14:creationId xmlns:p14="http://schemas.microsoft.com/office/powerpoint/2010/main" val="3592981728"/>
-      </p:ext>
-    </p:extLst>
-  </p:cSld>
-  <p:clrMapOvr>
-    <a:masterClrMapping/>
-  </p:clrMapOvr>
-  <p:timing>
-    <p:tnLst>
-      <p:par>
-        <p:cTn id="1" dur="indefinite" restart="never" nodeType="tmRoot"/>
-      </p:par>
-    </p:tnLst>
-  </p:timing>
-</p:sld>
-</file>
-
-<file path=ppt/slides/slide23.xml><?xml version="1.0" encoding="utf-8"?>
-<p:sld xmlns:a="http://schemas.openxmlformats.org/drawingml/2006/main" xmlns:r="http://schemas.openxmlformats.org/officeDocument/2006/relationships" xmlns:p="http://schemas.openxmlformats.org/presentationml/2006/main">
-  <p:cSld>
-    <p:spTree>
-      <p:nvGrpSpPr>
-        <p:cNvPr id="1" name=""/>
-        <p:cNvGrpSpPr/>
-        <p:nvPr/>
-      </p:nvGrpSpPr>
-      <p:grpSpPr>
-        <a:xfrm>
-          <a:off x="0" y="0"/>
-          <a:ext cx="0" cy="0"/>
-          <a:chOff x="0" y="0"/>
-          <a:chExt cx="0" cy="0"/>
-        </a:xfrm>
-      </p:grpSpPr>
-      <p:sp>
-        <p:nvSpPr>
-          <p:cNvPr id="2" name="Titre 1"/>
-          <p:cNvSpPr>
-            <a:spLocks noGrp="1"/>
-          </p:cNvSpPr>
-          <p:nvPr>
-            <p:ph type="title"/>
-          </p:nvPr>
-        </p:nvSpPr>
-        <p:spPr/>
-        <p:txBody>
-          <a:bodyPr/>
-          <a:lstStyle/>
-          <a:p>
-            <a:endParaRPr lang="fr-FR" dirty="0"/>
-          </a:p>
-        </p:txBody>
-      </p:sp>
-      <p:sp>
-        <p:nvSpPr>
-          <p:cNvPr id="3" name="Espace réservé du contenu 2"/>
-          <p:cNvSpPr>
-            <a:spLocks noGrp="1"/>
-          </p:cNvSpPr>
-          <p:nvPr>
-            <p:ph idx="1"/>
-          </p:nvPr>
-        </p:nvSpPr>
-        <p:spPr/>
-        <p:txBody>
-          <a:bodyPr/>
-          <a:lstStyle/>
-          <a:p>
-            <a:endParaRPr lang="fr-FR"/>
-          </a:p>
-        </p:txBody>
-      </p:sp>
-    </p:spTree>
-    <p:extLst>
-      <p:ext uri="{BB962C8B-B14F-4D97-AF65-F5344CB8AC3E}">
-        <p14:creationId xmlns:p14="http://schemas.microsoft.com/office/powerpoint/2010/main" val="3990081798"/>
-      </p:ext>
-    </p:extLst>
-  </p:cSld>
-  <p:clrMapOvr>
-    <a:masterClrMapping/>
-  </p:clrMapOvr>
-</p:sld>
-</file>
-
 <file path=ppt/slides/slide3.xml><?xml version="1.0" encoding="utf-8"?>
 <p:sld xmlns:a="http://schemas.openxmlformats.org/drawingml/2006/main" xmlns:r="http://schemas.openxmlformats.org/officeDocument/2006/relationships" xmlns:p="http://schemas.openxmlformats.org/presentationml/2006/main">
   <p:cSld>
@@ -5894,29 +6296,6 @@
           <a:chExt cx="0" cy="0"/>
         </a:xfrm>
       </p:grpSpPr>
-      <p:sp>
-        <p:nvSpPr>
-          <p:cNvPr id="2" name="Titre 1"/>
-          <p:cNvSpPr>
-            <a:spLocks noGrp="1"/>
-          </p:cNvSpPr>
-          <p:nvPr>
-            <p:ph type="title"/>
-          </p:nvPr>
-        </p:nvSpPr>
-        <p:spPr/>
-        <p:txBody>
-          <a:bodyPr/>
-          <a:lstStyle/>
-          <a:p>
-            <a:r>
-              <a:rPr lang="fr-FR" dirty="0" smtClean="0"/>
-              <a:t>Introduction</a:t>
-            </a:r>
-            <a:endParaRPr lang="fr-FR" dirty="0"/>
-          </a:p>
-        </p:txBody>
-      </p:sp>
       <p:pic>
         <p:nvPicPr>
           <p:cNvPr id="8" name="Espace réservé du contenu 7"/>
@@ -5928,7 +6307,7 @@
           </p:nvPr>
         </p:nvPicPr>
         <p:blipFill>
-          <a:blip r:embed="rId2">
+          <a:blip r:embed="rId3">
             <a:extLst>
               <a:ext uri="{28A0092B-C50C-407E-A947-70E740481C1C}">
                 <a14:useLocalDpi xmlns:a14="http://schemas.microsoft.com/office/drawing/2010/main" val="0"/>
@@ -5941,11 +6320,34 @@
         </p:blipFill>
         <p:spPr>
           <a:xfrm rot="19315184">
-            <a:off x="9393996" y="4679109"/>
+            <a:off x="9612936" y="4691990"/>
             <a:ext cx="2857500" cy="2143125"/>
           </a:xfrm>
         </p:spPr>
       </p:pic>
+      <p:sp>
+        <p:nvSpPr>
+          <p:cNvPr id="2" name="Titre 1"/>
+          <p:cNvSpPr>
+            <a:spLocks noGrp="1"/>
+          </p:cNvSpPr>
+          <p:nvPr>
+            <p:ph type="title"/>
+          </p:nvPr>
+        </p:nvSpPr>
+        <p:spPr/>
+        <p:txBody>
+          <a:bodyPr/>
+          <a:lstStyle/>
+          <a:p>
+            <a:r>
+              <a:rPr lang="fr-FR" dirty="0" smtClean="0"/>
+              <a:t>Introduction</a:t>
+            </a:r>
+            <a:endParaRPr lang="fr-FR" dirty="0"/>
+          </a:p>
+        </p:txBody>
+      </p:sp>
       <p:sp>
         <p:nvSpPr>
           <p:cNvPr id="3" name="Rectangle 2"/>
@@ -5955,7 +6357,7 @@
         <p:spPr>
           <a:xfrm>
             <a:off x="581192" y="1944343"/>
-            <a:ext cx="11029616" cy="5493812"/>
+            <a:ext cx="11029616" cy="1015663"/>
           </a:xfrm>
           <a:prstGeom prst="rect">
             <a:avLst/>
@@ -5966,32 +6368,6 @@
             <a:spAutoFit/>
           </a:bodyPr>
           <a:lstStyle/>
-          <a:p>
-            <a:pPr algn="just">
-              <a:lnSpc>
-                <a:spcPct val="150000"/>
-              </a:lnSpc>
-              <a:spcAft>
-                <a:spcPts val="0"/>
-              </a:spcAft>
-              <a:tabLst>
-                <a:tab pos="571500" algn="l"/>
-              </a:tabLst>
-            </a:pPr>
-            <a:r>
-              <a:rPr lang="fr-FR" sz="2000" dirty="0">
-                <a:latin typeface="Garamond" panose="02020404030301010803" pitchFamily="18" charset="0"/>
-                <a:ea typeface="Times New Roman" panose="02020603050405020304" pitchFamily="18" charset="0"/>
-                <a:cs typeface="Arial" panose="020B0604020202020204" pitchFamily="34" charset="0"/>
-              </a:rPr>
-              <a:t>Les avancées extraordinaires réalisées dans les sciences et les technologies au cours du siècle dernier ont conduit à l’avènement  ainsi que l’émergence des nouvelles technologies qui ont apporté évolutions et révolutions  dans beaucoup  de domaines d’activités dans le monde. Ce qui s’est illustré par l’apparition de nombreux concepts parmi lesquels nous pouvons sans détour citer  les sites web, les blogs, e-learning  et plus récemment les sites de vente en ligne ou e-commerce. Nous allons porter notre attention sur ce dernier concept tout en remarquant que le nombre de sites web proposent un tel service a littéralement explosé pendant  la dernière  décennie et ne cesse de se multiplier.</a:t>
-            </a:r>
-            <a:endParaRPr lang="fr-FR" sz="1600" dirty="0">
-              <a:latin typeface="Garamond" panose="02020404030301010803" pitchFamily="18" charset="0"/>
-              <a:ea typeface="Times New Roman" panose="02020603050405020304" pitchFamily="18" charset="0"/>
-              <a:cs typeface="Arial" panose="020B0604020202020204" pitchFamily="34" charset="0"/>
-            </a:endParaRPr>
-          </a:p>
           <a:p>
             <a:pPr>
               <a:lnSpc>
@@ -6006,48 +6382,64 @@
             </a:pPr>
             <a:r>
               <a:rPr lang="fr-FR" sz="2000" dirty="0">
-                <a:latin typeface="Garamond" panose="02020404030301010803" pitchFamily="18" charset="0"/>
-                <a:ea typeface="Times New Roman" panose="02020603050405020304" pitchFamily="18" charset="0"/>
-                <a:cs typeface="Arial" panose="020B0604020202020204" pitchFamily="34" charset="0"/>
-              </a:rPr>
-              <a:t>C’est dans le contexte que s’inscrit notre projet </a:t>
-            </a:r>
-            <a:r>
-              <a:rPr lang="fr-FR" sz="2000" dirty="0">
-                <a:latin typeface="Garamond" panose="02020404030301010803" pitchFamily="18" charset="0"/>
-                <a:ea typeface="Times New Roman" panose="02020603050405020304" pitchFamily="18" charset="0"/>
+                <a:latin typeface="Times New Roman" panose="02020603050405020304" pitchFamily="18" charset="0"/>
                 <a:cs typeface="Times New Roman" panose="02020603050405020304" pitchFamily="18" charset="0"/>
               </a:rPr>
-              <a:t>« développement d’une bijouterie en ligne</a:t>
-            </a:r>
-            <a:r>
+              <a:t/>
+            </a:r>
+            <a:br>
               <a:rPr lang="fr-FR" sz="2000" dirty="0">
-                <a:latin typeface="Garamond" panose="02020404030301010803" pitchFamily="18" charset="0"/>
-                <a:ea typeface="Times New Roman" panose="02020603050405020304" pitchFamily="18" charset="0"/>
-                <a:cs typeface="Arial" panose="020B0604020202020204" pitchFamily="34" charset="0"/>
+                <a:latin typeface="Times New Roman" panose="02020603050405020304" pitchFamily="18" charset="0"/>
+                <a:cs typeface="Times New Roman" panose="02020603050405020304" pitchFamily="18" charset="0"/>
               </a:rPr>
-              <a:t>» et qui entre  dans le cadre de notre projet de fin de formation pour l’obtention du Brevet de Technicien Supérieur en développement sur internet</a:t>
-            </a:r>
-            <a:r>
-              <a:rPr lang="fr-FR" sz="2000" dirty="0" smtClean="0">
-                <a:latin typeface="Garamond" panose="02020404030301010803" pitchFamily="18" charset="0"/>
-                <a:ea typeface="Times New Roman" panose="02020603050405020304" pitchFamily="18" charset="0"/>
-                <a:cs typeface="Arial" panose="020B0604020202020204" pitchFamily="34" charset="0"/>
+            </a:br>
+            <a:endParaRPr lang="fr-FR" sz="2000" dirty="0">
+              <a:effectLst/>
+              <a:latin typeface="Times New Roman" panose="02020603050405020304" pitchFamily="18" charset="0"/>
+              <a:ea typeface="Times New Roman" panose="02020603050405020304" pitchFamily="18" charset="0"/>
+              <a:cs typeface="Times New Roman" panose="02020603050405020304" pitchFamily="18" charset="0"/>
+            </a:endParaRPr>
+          </a:p>
+        </p:txBody>
+      </p:sp>
+      <p:sp>
+        <p:nvSpPr>
+          <p:cNvPr id="5" name="Espace réservé du numéro de diapositive 4"/>
+          <p:cNvSpPr>
+            <a:spLocks noGrp="1"/>
+          </p:cNvSpPr>
+          <p:nvPr>
+            <p:ph type="sldNum" sz="quarter" idx="12"/>
+          </p:nvPr>
+        </p:nvSpPr>
+        <p:spPr>
+          <a:xfrm>
+            <a:off x="10815877" y="6492875"/>
+            <a:ext cx="1052508" cy="365125"/>
+          </a:xfrm>
+        </p:spPr>
+        <p:txBody>
+          <a:bodyPr/>
+          <a:lstStyle/>
+          <a:p>
+            <a:fld id="{674B2A1A-69F3-4823-8A67-1376E6384F9F}" type="slidenum">
+              <a:rPr lang="fr-FR" sz="1100" b="1" smtClean="0">
+                <a:solidFill>
+                  <a:schemeClr val="tx1">
+                    <a:lumMod val="95000"/>
+                    <a:lumOff val="5000"/>
+                  </a:schemeClr>
+                </a:solidFill>
               </a:rPr>
-              <a:t>.</a:t>
-            </a:r>
-            <a:r>
-              <a:rPr lang="fr-FR" sz="1600" dirty="0"/>
-              <a:t> Nous avons présenté tout au long de ce document les différentes étapes qui nous ont parues essentielles pour mener à bien notre travail. </a:t>
-            </a:r>
-            <a:br>
-              <a:rPr lang="fr-FR" sz="1600" dirty="0"/>
-            </a:br>
-            <a:endParaRPr lang="fr-FR" sz="1600" dirty="0">
-              <a:effectLst/>
-              <a:latin typeface="Garamond" panose="02020404030301010803" pitchFamily="18" charset="0"/>
-              <a:ea typeface="Times New Roman" panose="02020603050405020304" pitchFamily="18" charset="0"/>
-              <a:cs typeface="Arial" panose="020B0604020202020204" pitchFamily="34" charset="0"/>
+              <a:t>3</a:t>
+            </a:fld>
+            <a:endParaRPr lang="fr-FR" sz="1100" b="1" dirty="0">
+              <a:solidFill>
+                <a:schemeClr val="tx1">
+                  <a:lumMod val="95000"/>
+                  <a:lumOff val="5000"/>
+                </a:schemeClr>
+              </a:solidFill>
             </a:endParaRPr>
           </a:p>
         </p:txBody>
@@ -6106,7 +6498,7 @@
           <a:p>
             <a:r>
               <a:rPr lang="fr-FR" dirty="0" smtClean="0"/>
-              <a:t>Présentation de notre projet</a:t>
+              <a:t>Objectifs</a:t>
             </a:r>
             <a:endParaRPr lang="fr-FR" dirty="0"/>
           </a:p>
@@ -6135,28 +6527,216 @@
           <a:lstStyle/>
           <a:p>
             <a:r>
+              <a:rPr lang="fr-FR" sz="3600" dirty="0" smtClean="0"/>
+              <a:t>D</a:t>
+            </a:r>
+            <a:r>
+              <a:rPr lang="fr-FR" sz="3600" dirty="0" smtClean="0"/>
+              <a:t>ynamique </a:t>
+            </a:r>
+          </a:p>
+          <a:p>
+            <a:r>
               <a:rPr lang="fr-FR" sz="3600" dirty="0"/>
-              <a:t>Notre projet consiste à réaliser  un site  web « paramétrable </a:t>
+              <a:t>P</a:t>
             </a:r>
             <a:r>
               <a:rPr lang="fr-FR" sz="3600" dirty="0" smtClean="0"/>
-              <a:t>» </a:t>
-            </a:r>
+              <a:t>aramétrable </a:t>
+            </a:r>
+          </a:p>
+          <a:p>
             <a:r>
               <a:rPr lang="fr-FR" sz="3600" dirty="0"/>
-              <a:t>permettant de commander les bijoux en ligne</a:t>
-            </a:r>
-            <a:r>
-              <a:rPr lang="fr-FR" sz="3600" i="1" dirty="0"/>
-              <a:t>.</a:t>
-            </a:r>
-            <a:r>
-              <a:rPr lang="fr-FR" sz="3600" dirty="0"/>
-              <a:t> On désire avoir un système qui s’adapte aux attentes de client, et fournir une aide à la décision aux managers pour mieux orienter ses choix stratégiques.</a:t>
-            </a:r>
-          </a:p>
-          <a:p>
+              <a:t>C</a:t>
+            </a:r>
+            <a:r>
+              <a:rPr lang="fr-FR" sz="3600" dirty="0" smtClean="0"/>
+              <a:t>ommercial</a:t>
+            </a:r>
             <a:endParaRPr lang="fr-FR" sz="3600" dirty="0"/>
+          </a:p>
+        </p:txBody>
+      </p:sp>
+      <p:sp>
+        <p:nvSpPr>
+          <p:cNvPr id="5" name="Espace réservé du numéro de diapositive 4"/>
+          <p:cNvSpPr>
+            <a:spLocks noGrp="1"/>
+          </p:cNvSpPr>
+          <p:nvPr>
+            <p:ph type="sldNum" sz="quarter" idx="12"/>
+          </p:nvPr>
+        </p:nvSpPr>
+        <p:spPr/>
+        <p:txBody>
+          <a:bodyPr/>
+          <a:lstStyle/>
+          <a:p>
+            <a:fld id="{674B2A1A-69F3-4823-8A67-1376E6384F9F}" type="slidenum">
+              <a:rPr lang="fr-FR" smtClean="0"/>
+              <a:t>4</a:t>
+            </a:fld>
+            <a:endParaRPr lang="fr-FR"/>
+          </a:p>
+        </p:txBody>
+      </p:sp>
+      <p:pic>
+        <p:nvPicPr>
+          <p:cNvPr id="7" name="Espace réservé du contenu 7"/>
+          <p:cNvPicPr>
+            <a:picLocks noChangeAspect="1"/>
+          </p:cNvPicPr>
+          <p:nvPr/>
+        </p:nvPicPr>
+        <p:blipFill>
+          <a:blip r:embed="rId3">
+            <a:extLst>
+              <a:ext uri="{28A0092B-C50C-407E-A947-70E740481C1C}">
+                <a14:useLocalDpi xmlns:a14="http://schemas.microsoft.com/office/drawing/2010/main" val="0"/>
+              </a:ext>
+            </a:extLst>
+          </a:blip>
+          <a:stretch>
+            <a:fillRect/>
+          </a:stretch>
+        </p:blipFill>
+        <p:spPr>
+          <a:xfrm rot="19315184">
+            <a:off x="9612936" y="4691990"/>
+            <a:ext cx="2857500" cy="2143125"/>
+          </a:xfrm>
+          <a:prstGeom prst="rect">
+            <a:avLst/>
+          </a:prstGeom>
+        </p:spPr>
+      </p:pic>
+      <p:sp>
+        <p:nvSpPr>
+          <p:cNvPr id="8" name="Espace réservé du numéro de diapositive 4"/>
+          <p:cNvSpPr txBox="1">
+            <a:spLocks/>
+          </p:cNvSpPr>
+          <p:nvPr/>
+        </p:nvSpPr>
+        <p:spPr>
+          <a:xfrm>
+            <a:off x="10815877" y="6492875"/>
+            <a:ext cx="1052508" cy="365125"/>
+          </a:xfrm>
+          <a:prstGeom prst="rect">
+            <a:avLst/>
+          </a:prstGeom>
+        </p:spPr>
+        <p:txBody>
+          <a:bodyPr vert="horz" lIns="91440" tIns="45720" rIns="91440" bIns="45720" rtlCol="0" anchor="ctr"/>
+          <a:lstStyle>
+            <a:defPPr>
+              <a:defRPr lang="fr-FR"/>
+            </a:defPPr>
+            <a:lvl1pPr marL="0" algn="r" defTabSz="914400" rtl="0" eaLnBrk="1" latinLnBrk="0" hangingPunct="1">
+              <a:defRPr sz="900" kern="1200">
+                <a:solidFill>
+                  <a:schemeClr val="accent2"/>
+                </a:solidFill>
+                <a:latin typeface="+mn-lt"/>
+                <a:ea typeface="+mn-ea"/>
+                <a:cs typeface="+mn-cs"/>
+              </a:defRPr>
+            </a:lvl1pPr>
+            <a:lvl2pPr marL="457200" algn="l" defTabSz="914400" rtl="0" eaLnBrk="1" latinLnBrk="0" hangingPunct="1">
+              <a:defRPr sz="1800" kern="1200">
+                <a:solidFill>
+                  <a:schemeClr val="tx1"/>
+                </a:solidFill>
+                <a:latin typeface="+mn-lt"/>
+                <a:ea typeface="+mn-ea"/>
+                <a:cs typeface="+mn-cs"/>
+              </a:defRPr>
+            </a:lvl2pPr>
+            <a:lvl3pPr marL="914400" algn="l" defTabSz="914400" rtl="0" eaLnBrk="1" latinLnBrk="0" hangingPunct="1">
+              <a:defRPr sz="1800" kern="1200">
+                <a:solidFill>
+                  <a:schemeClr val="tx1"/>
+                </a:solidFill>
+                <a:latin typeface="+mn-lt"/>
+                <a:ea typeface="+mn-ea"/>
+                <a:cs typeface="+mn-cs"/>
+              </a:defRPr>
+            </a:lvl3pPr>
+            <a:lvl4pPr marL="1371600" algn="l" defTabSz="914400" rtl="0" eaLnBrk="1" latinLnBrk="0" hangingPunct="1">
+              <a:defRPr sz="1800" kern="1200">
+                <a:solidFill>
+                  <a:schemeClr val="tx1"/>
+                </a:solidFill>
+                <a:latin typeface="+mn-lt"/>
+                <a:ea typeface="+mn-ea"/>
+                <a:cs typeface="+mn-cs"/>
+              </a:defRPr>
+            </a:lvl4pPr>
+            <a:lvl5pPr marL="1828800" algn="l" defTabSz="914400" rtl="0" eaLnBrk="1" latinLnBrk="0" hangingPunct="1">
+              <a:defRPr sz="1800" kern="1200">
+                <a:solidFill>
+                  <a:schemeClr val="tx1"/>
+                </a:solidFill>
+                <a:latin typeface="+mn-lt"/>
+                <a:ea typeface="+mn-ea"/>
+                <a:cs typeface="+mn-cs"/>
+              </a:defRPr>
+            </a:lvl5pPr>
+            <a:lvl6pPr marL="2286000" algn="l" defTabSz="914400" rtl="0" eaLnBrk="1" latinLnBrk="0" hangingPunct="1">
+              <a:defRPr sz="1800" kern="1200">
+                <a:solidFill>
+                  <a:schemeClr val="tx1"/>
+                </a:solidFill>
+                <a:latin typeface="+mn-lt"/>
+                <a:ea typeface="+mn-ea"/>
+                <a:cs typeface="+mn-cs"/>
+              </a:defRPr>
+            </a:lvl6pPr>
+            <a:lvl7pPr marL="2743200" algn="l" defTabSz="914400" rtl="0" eaLnBrk="1" latinLnBrk="0" hangingPunct="1">
+              <a:defRPr sz="1800" kern="1200">
+                <a:solidFill>
+                  <a:schemeClr val="tx1"/>
+                </a:solidFill>
+                <a:latin typeface="+mn-lt"/>
+                <a:ea typeface="+mn-ea"/>
+                <a:cs typeface="+mn-cs"/>
+              </a:defRPr>
+            </a:lvl7pPr>
+            <a:lvl8pPr marL="3200400" algn="l" defTabSz="914400" rtl="0" eaLnBrk="1" latinLnBrk="0" hangingPunct="1">
+              <a:defRPr sz="1800" kern="1200">
+                <a:solidFill>
+                  <a:schemeClr val="tx1"/>
+                </a:solidFill>
+                <a:latin typeface="+mn-lt"/>
+                <a:ea typeface="+mn-ea"/>
+                <a:cs typeface="+mn-cs"/>
+              </a:defRPr>
+            </a:lvl8pPr>
+            <a:lvl9pPr marL="3657600" algn="l" defTabSz="914400" rtl="0" eaLnBrk="1" latinLnBrk="0" hangingPunct="1">
+              <a:defRPr sz="1800" kern="1200">
+                <a:solidFill>
+                  <a:schemeClr val="tx1"/>
+                </a:solidFill>
+                <a:latin typeface="+mn-lt"/>
+                <a:ea typeface="+mn-ea"/>
+                <a:cs typeface="+mn-cs"/>
+              </a:defRPr>
+            </a:lvl9pPr>
+          </a:lstStyle>
+          <a:p>
+            <a:r>
+              <a:rPr lang="fr-FR" sz="1100" b="1" dirty="0">
+                <a:solidFill>
+                  <a:schemeClr val="tx1">
+                    <a:lumMod val="95000"/>
+                    <a:lumOff val="5000"/>
+                  </a:schemeClr>
+                </a:solidFill>
+              </a:rPr>
+              <a:t>4</a:t>
+            </a:r>
           </a:p>
         </p:txBody>
       </p:sp>
@@ -6214,7 +6794,7 @@
           <a:p>
             <a:r>
               <a:rPr lang="fr-FR" dirty="0" smtClean="0"/>
-              <a:t>Objectifs de notre projet</a:t>
+              <a:t>PRESENTATION </a:t>
             </a:r>
             <a:endParaRPr lang="fr-FR" dirty="0"/>
           </a:p>
@@ -6239,19 +6819,285 @@
           <a:p>
             <a:r>
               <a:rPr lang="fr-FR" sz="2400" dirty="0"/>
-              <a:t>Notre projet a pour objectif d’illustrer une politique de bonne administration facilitant le fonctionnement  de  notre site et  permettant aux utilisateurs de bénéficier du site web avec </a:t>
+              <a:t>I</a:t>
             </a:r>
             <a:r>
               <a:rPr lang="fr-FR" sz="2400" dirty="0" smtClean="0"/>
-              <a:t>confiance. A </a:t>
+              <a:t>llustrer </a:t>
             </a:r>
             <a:r>
               <a:rPr lang="fr-FR" sz="2400" dirty="0"/>
-              <a:t>noté que notre objectif prioritaire est de mettre en place un système de commande des bijoux en ligne pour faciliter les besoins clientèles  et mis en place d’un outil prévisionnel pour analyser facilement les données à partir des documents et tableurs et pour contrôler  les indicateurs vitaux qui sont nécessaires pour qu’une entreprise aille vers l’avant tel que : l’efficacité et rentabilité des réseaux  de vente.</a:t>
+              <a:t>une politique de bonne </a:t>
+            </a:r>
+            <a:r>
+              <a:rPr lang="fr-FR" sz="2400" dirty="0" smtClean="0"/>
+              <a:t>administration</a:t>
+            </a:r>
+          </a:p>
+          <a:p>
+            <a:r>
+              <a:rPr lang="fr-FR" sz="2400" dirty="0" smtClean="0"/>
+              <a:t>F</a:t>
+            </a:r>
+            <a:r>
+              <a:rPr lang="fr-FR" sz="2400" dirty="0" smtClean="0"/>
+              <a:t>acilitant </a:t>
+            </a:r>
+            <a:r>
+              <a:rPr lang="fr-FR" sz="2400" dirty="0"/>
+              <a:t>le fonctionnement  </a:t>
+            </a:r>
+            <a:endParaRPr lang="fr-FR" sz="2400" dirty="0" smtClean="0"/>
+          </a:p>
+          <a:p>
+            <a:r>
+              <a:rPr lang="fr-FR" sz="2400" dirty="0" smtClean="0"/>
+              <a:t>P</a:t>
+            </a:r>
+            <a:r>
+              <a:rPr lang="fr-FR" sz="2400" dirty="0" smtClean="0"/>
+              <a:t>ermettant </a:t>
+            </a:r>
+            <a:r>
+              <a:rPr lang="fr-FR" sz="2400" dirty="0"/>
+              <a:t>aux utilisateurs de bénéficier du site web avec </a:t>
+            </a:r>
+            <a:r>
+              <a:rPr lang="fr-FR" sz="2400" dirty="0" smtClean="0"/>
+              <a:t>confiance</a:t>
+            </a:r>
+            <a:r>
+              <a:rPr lang="fr-FR" sz="2400" dirty="0" smtClean="0"/>
+              <a:t>.</a:t>
+            </a:r>
+          </a:p>
+          <a:p>
+            <a:r>
+              <a:rPr lang="fr-FR" sz="2400" dirty="0" smtClean="0"/>
+              <a:t>Faciliter </a:t>
+            </a:r>
+            <a:r>
+              <a:rPr lang="fr-FR" sz="2400" dirty="0"/>
+              <a:t>les besoins clientèles </a:t>
+            </a:r>
+            <a:endParaRPr lang="fr-FR" sz="2400" dirty="0" smtClean="0"/>
+          </a:p>
+          <a:p>
+            <a:r>
+              <a:rPr lang="fr-FR" sz="2400" dirty="0"/>
+              <a:t>A</a:t>
+            </a:r>
+            <a:r>
+              <a:rPr lang="fr-FR" sz="2400" dirty="0" smtClean="0"/>
+              <a:t>nalyser </a:t>
+            </a:r>
+            <a:r>
+              <a:rPr lang="fr-FR" sz="2400" dirty="0"/>
+              <a:t>facilement les </a:t>
+            </a:r>
+            <a:r>
+              <a:rPr lang="fr-FR" sz="2400" dirty="0" smtClean="0"/>
+              <a:t>données</a:t>
+            </a:r>
+          </a:p>
+          <a:p>
+            <a:r>
+              <a:rPr lang="fr-FR" sz="2400" dirty="0"/>
+              <a:t>L</a:t>
+            </a:r>
+            <a:r>
+              <a:rPr lang="fr-FR" sz="2400" dirty="0" smtClean="0"/>
+              <a:t>’efficacité </a:t>
+            </a:r>
+            <a:r>
+              <a:rPr lang="fr-FR" sz="2400" dirty="0"/>
+              <a:t>et rentabilité des réseaux  de vente.</a:t>
             </a:r>
           </a:p>
           <a:p>
             <a:endParaRPr lang="fr-FR" sz="2400" dirty="0"/>
+          </a:p>
+        </p:txBody>
+      </p:sp>
+      <p:sp>
+        <p:nvSpPr>
+          <p:cNvPr id="5" name="Espace réservé du numéro de diapositive 4"/>
+          <p:cNvSpPr>
+            <a:spLocks noGrp="1"/>
+          </p:cNvSpPr>
+          <p:nvPr>
+            <p:ph type="sldNum" sz="quarter" idx="12"/>
+          </p:nvPr>
+        </p:nvSpPr>
+        <p:spPr/>
+        <p:txBody>
+          <a:bodyPr/>
+          <a:lstStyle/>
+          <a:p>
+            <a:fld id="{674B2A1A-69F3-4823-8A67-1376E6384F9F}" type="slidenum">
+              <a:rPr lang="fr-FR" smtClean="0"/>
+              <a:t>5</a:t>
+            </a:fld>
+            <a:endParaRPr lang="fr-FR"/>
+          </a:p>
+        </p:txBody>
+      </p:sp>
+      <p:pic>
+        <p:nvPicPr>
+          <p:cNvPr id="6" name="Espace réservé du contenu 7"/>
+          <p:cNvPicPr>
+            <a:picLocks noChangeAspect="1"/>
+          </p:cNvPicPr>
+          <p:nvPr/>
+        </p:nvPicPr>
+        <p:blipFill>
+          <a:blip r:embed="rId3">
+            <a:extLst>
+              <a:ext uri="{28A0092B-C50C-407E-A947-70E740481C1C}">
+                <a14:useLocalDpi xmlns:a14="http://schemas.microsoft.com/office/drawing/2010/main" val="0"/>
+              </a:ext>
+            </a:extLst>
+          </a:blip>
+          <a:stretch>
+            <a:fillRect/>
+          </a:stretch>
+        </p:blipFill>
+        <p:spPr>
+          <a:xfrm rot="19315184">
+            <a:off x="9612936" y="4691990"/>
+            <a:ext cx="2857500" cy="2143125"/>
+          </a:xfrm>
+          <a:prstGeom prst="rect">
+            <a:avLst/>
+          </a:prstGeom>
+        </p:spPr>
+      </p:pic>
+      <p:sp>
+        <p:nvSpPr>
+          <p:cNvPr id="7" name="Espace réservé du numéro de diapositive 4"/>
+          <p:cNvSpPr txBox="1">
+            <a:spLocks/>
+          </p:cNvSpPr>
+          <p:nvPr/>
+        </p:nvSpPr>
+        <p:spPr>
+          <a:xfrm>
+            <a:off x="10815877" y="6492875"/>
+            <a:ext cx="1052508" cy="365125"/>
+          </a:xfrm>
+          <a:prstGeom prst="rect">
+            <a:avLst/>
+          </a:prstGeom>
+        </p:spPr>
+        <p:txBody>
+          <a:bodyPr vert="horz" lIns="91440" tIns="45720" rIns="91440" bIns="45720" rtlCol="0" anchor="ctr"/>
+          <a:lstStyle>
+            <a:defPPr>
+              <a:defRPr lang="fr-FR"/>
+            </a:defPPr>
+            <a:lvl1pPr marL="0" algn="r" defTabSz="914400" rtl="0" eaLnBrk="1" latinLnBrk="0" hangingPunct="1">
+              <a:defRPr sz="900" kern="1200">
+                <a:solidFill>
+                  <a:schemeClr val="accent2"/>
+                </a:solidFill>
+                <a:latin typeface="+mn-lt"/>
+                <a:ea typeface="+mn-ea"/>
+                <a:cs typeface="+mn-cs"/>
+              </a:defRPr>
+            </a:lvl1pPr>
+            <a:lvl2pPr marL="457200" algn="l" defTabSz="914400" rtl="0" eaLnBrk="1" latinLnBrk="0" hangingPunct="1">
+              <a:defRPr sz="1800" kern="1200">
+                <a:solidFill>
+                  <a:schemeClr val="tx1"/>
+                </a:solidFill>
+                <a:latin typeface="+mn-lt"/>
+                <a:ea typeface="+mn-ea"/>
+                <a:cs typeface="+mn-cs"/>
+              </a:defRPr>
+            </a:lvl2pPr>
+            <a:lvl3pPr marL="914400" algn="l" defTabSz="914400" rtl="0" eaLnBrk="1" latinLnBrk="0" hangingPunct="1">
+              <a:defRPr sz="1800" kern="1200">
+                <a:solidFill>
+                  <a:schemeClr val="tx1"/>
+                </a:solidFill>
+                <a:latin typeface="+mn-lt"/>
+                <a:ea typeface="+mn-ea"/>
+                <a:cs typeface="+mn-cs"/>
+              </a:defRPr>
+            </a:lvl3pPr>
+            <a:lvl4pPr marL="1371600" algn="l" defTabSz="914400" rtl="0" eaLnBrk="1" latinLnBrk="0" hangingPunct="1">
+              <a:defRPr sz="1800" kern="1200">
+                <a:solidFill>
+                  <a:schemeClr val="tx1"/>
+                </a:solidFill>
+                <a:latin typeface="+mn-lt"/>
+                <a:ea typeface="+mn-ea"/>
+                <a:cs typeface="+mn-cs"/>
+              </a:defRPr>
+            </a:lvl4pPr>
+            <a:lvl5pPr marL="1828800" algn="l" defTabSz="914400" rtl="0" eaLnBrk="1" latinLnBrk="0" hangingPunct="1">
+              <a:defRPr sz="1800" kern="1200">
+                <a:solidFill>
+                  <a:schemeClr val="tx1"/>
+                </a:solidFill>
+                <a:latin typeface="+mn-lt"/>
+                <a:ea typeface="+mn-ea"/>
+                <a:cs typeface="+mn-cs"/>
+              </a:defRPr>
+            </a:lvl5pPr>
+            <a:lvl6pPr marL="2286000" algn="l" defTabSz="914400" rtl="0" eaLnBrk="1" latinLnBrk="0" hangingPunct="1">
+              <a:defRPr sz="1800" kern="1200">
+                <a:solidFill>
+                  <a:schemeClr val="tx1"/>
+                </a:solidFill>
+                <a:latin typeface="+mn-lt"/>
+                <a:ea typeface="+mn-ea"/>
+                <a:cs typeface="+mn-cs"/>
+              </a:defRPr>
+            </a:lvl6pPr>
+            <a:lvl7pPr marL="2743200" algn="l" defTabSz="914400" rtl="0" eaLnBrk="1" latinLnBrk="0" hangingPunct="1">
+              <a:defRPr sz="1800" kern="1200">
+                <a:solidFill>
+                  <a:schemeClr val="tx1"/>
+                </a:solidFill>
+                <a:latin typeface="+mn-lt"/>
+                <a:ea typeface="+mn-ea"/>
+                <a:cs typeface="+mn-cs"/>
+              </a:defRPr>
+            </a:lvl7pPr>
+            <a:lvl8pPr marL="3200400" algn="l" defTabSz="914400" rtl="0" eaLnBrk="1" latinLnBrk="0" hangingPunct="1">
+              <a:defRPr sz="1800" kern="1200">
+                <a:solidFill>
+                  <a:schemeClr val="tx1"/>
+                </a:solidFill>
+                <a:latin typeface="+mn-lt"/>
+                <a:ea typeface="+mn-ea"/>
+                <a:cs typeface="+mn-cs"/>
+              </a:defRPr>
+            </a:lvl8pPr>
+            <a:lvl9pPr marL="3657600" algn="l" defTabSz="914400" rtl="0" eaLnBrk="1" latinLnBrk="0" hangingPunct="1">
+              <a:defRPr sz="1800" kern="1200">
+                <a:solidFill>
+                  <a:schemeClr val="tx1"/>
+                </a:solidFill>
+                <a:latin typeface="+mn-lt"/>
+                <a:ea typeface="+mn-ea"/>
+                <a:cs typeface="+mn-cs"/>
+              </a:defRPr>
+            </a:lvl9pPr>
+          </a:lstStyle>
+          <a:p>
+            <a:r>
+              <a:rPr lang="fr-FR" sz="1100" b="1" dirty="0">
+                <a:solidFill>
+                  <a:schemeClr val="tx1">
+                    <a:lumMod val="95000"/>
+                    <a:lumOff val="5000"/>
+                  </a:schemeClr>
+                </a:solidFill>
+              </a:rPr>
+              <a:t>5</a:t>
+            </a:r>
           </a:p>
         </p:txBody>
       </p:sp>
@@ -6309,7 +7155,11 @@
           <a:p>
             <a:r>
               <a:rPr lang="fr-FR" dirty="0" smtClean="0"/>
-              <a:t>Capture des besoins</a:t>
+              <a:t>Les </a:t>
+            </a:r>
+            <a:r>
+              <a:rPr lang="fr-FR" dirty="0" smtClean="0"/>
+              <a:t>besoins</a:t>
             </a:r>
             <a:endParaRPr lang="fr-FR" dirty="0"/>
           </a:p>
@@ -6327,8 +7177,8 @@
         </p:nvSpPr>
         <p:spPr>
           <a:xfrm>
-            <a:off x="581192" y="2180496"/>
-            <a:ext cx="11029615" cy="4677504"/>
+            <a:off x="581192" y="953037"/>
+            <a:ext cx="11029615" cy="5904963"/>
           </a:xfrm>
         </p:spPr>
         <p:txBody>
@@ -6338,43 +7188,151 @@
           <a:lstStyle/>
           <a:p>
             <a:r>
-              <a:rPr lang="fr-FR" sz="2000" dirty="0"/>
-              <a:t>Le but de notre projet est de réaliser un site web paramétrable aide le client à savoir et chercher des articles (bijoux) et les offres de bijouterie en ligne. </a:t>
-            </a:r>
-          </a:p>
-          <a:p>
-            <a:r>
-              <a:rPr lang="fr-FR" sz="2000" dirty="0"/>
-              <a:t>Ce site web doit couvrir la présentation des services en promotion à la page d’accueil et leur recherche (par famille, par sous-famille et par prix).</a:t>
-            </a:r>
-          </a:p>
-          <a:p>
-            <a:r>
-              <a:rPr lang="fr-FR" sz="2000" dirty="0"/>
-              <a:t>	Notre site web est l’interface directe entre un internaute visiteur et le propriétaire de la bijouterie où ce client peut sélectionner plusieurs choix et les mettre dans un panier et les commander.</a:t>
-            </a:r>
-          </a:p>
-          <a:p>
-            <a:r>
-              <a:rPr lang="fr-FR" sz="2000" dirty="0"/>
-              <a:t>L’internaute ou le client peut envoi des messages au propriétaire, ainsi l’administrateur lui répond le plus vite possible.</a:t>
-            </a:r>
-          </a:p>
-          <a:p>
-            <a:r>
-              <a:rPr lang="fr-FR" sz="2000" dirty="0"/>
-              <a:t>L’internaute ou le client peut aussi recevoir les newsletters du site après avoir inscrit.</a:t>
-            </a:r>
-          </a:p>
-          <a:p>
-            <a:endParaRPr lang="fr-FR" sz="2000" dirty="0"/>
+              <a:rPr lang="fr-FR" sz="2800" dirty="0" smtClean="0"/>
+              <a:t>Les besoins fonctionnels</a:t>
+            </a:r>
+          </a:p>
+          <a:p>
+            <a:pPr marL="0" lvl="0" indent="0">
+              <a:buNone/>
+            </a:pPr>
+            <a:r>
+              <a:rPr lang="fr-FR" sz="2800" dirty="0" smtClean="0"/>
+              <a:t>		</a:t>
+            </a:r>
+            <a:r>
+              <a:rPr lang="fr-FR" sz="2800" dirty="0" smtClean="0">
+                <a:solidFill>
+                  <a:schemeClr val="accent1">
+                    <a:lumMod val="60000"/>
+                    <a:lumOff val="40000"/>
+                  </a:schemeClr>
+                </a:solidFill>
+              </a:rPr>
+              <a:t>-</a:t>
+            </a:r>
+            <a:r>
+              <a:rPr lang="fr-FR" sz="2800" dirty="0" smtClean="0"/>
+              <a:t>Catégorie </a:t>
+            </a:r>
+            <a:r>
+              <a:rPr lang="fr-FR" sz="2800" dirty="0"/>
+              <a:t>administration </a:t>
+            </a:r>
+            <a:endParaRPr lang="fr-FR" sz="2800" dirty="0" smtClean="0"/>
+          </a:p>
+          <a:p>
+            <a:pPr marL="0" lvl="0" indent="0">
+              <a:buNone/>
+            </a:pPr>
+            <a:r>
+              <a:rPr lang="fr-FR" sz="2800" dirty="0" smtClean="0"/>
+              <a:t>		</a:t>
+            </a:r>
+            <a:r>
+              <a:rPr lang="fr-FR" sz="2800" dirty="0" smtClean="0">
+                <a:solidFill>
+                  <a:schemeClr val="accent1">
+                    <a:lumMod val="60000"/>
+                    <a:lumOff val="40000"/>
+                  </a:schemeClr>
+                </a:solidFill>
+              </a:rPr>
+              <a:t>-</a:t>
+            </a:r>
+            <a:r>
+              <a:rPr lang="fr-FR" sz="2800" dirty="0" smtClean="0"/>
+              <a:t>Catégorie clientèle</a:t>
+            </a:r>
+          </a:p>
+          <a:p>
+            <a:r>
+              <a:rPr lang="fr-FR" sz="2800" dirty="0" smtClean="0"/>
+              <a:t>Les besoins non fonctionnels</a:t>
+            </a:r>
+            <a:r>
+              <a:rPr lang="fr-FR" sz="2800" dirty="0"/>
+              <a:t> </a:t>
+            </a:r>
+          </a:p>
+        </p:txBody>
+      </p:sp>
+      <p:pic>
+        <p:nvPicPr>
+          <p:cNvPr id="5" name="Espace réservé du contenu 7"/>
+          <p:cNvPicPr>
+            <a:picLocks noChangeAspect="1"/>
+          </p:cNvPicPr>
+          <p:nvPr/>
+        </p:nvPicPr>
+        <p:blipFill>
+          <a:blip r:embed="rId2">
+            <a:extLst>
+              <a:ext uri="{28A0092B-C50C-407E-A947-70E740481C1C}">
+                <a14:useLocalDpi xmlns:a14="http://schemas.microsoft.com/office/drawing/2010/main" val="0"/>
+              </a:ext>
+            </a:extLst>
+          </a:blip>
+          <a:stretch>
+            <a:fillRect/>
+          </a:stretch>
+        </p:blipFill>
+        <p:spPr>
+          <a:xfrm rot="19315184">
+            <a:off x="9612936" y="4691990"/>
+            <a:ext cx="2857500" cy="2143125"/>
+          </a:xfrm>
+          <a:prstGeom prst="rect">
+            <a:avLst/>
+          </a:prstGeom>
+        </p:spPr>
+      </p:pic>
+      <p:sp>
+        <p:nvSpPr>
+          <p:cNvPr id="6" name="Espace réservé du numéro de diapositive 4"/>
+          <p:cNvSpPr>
+            <a:spLocks noGrp="1"/>
+          </p:cNvSpPr>
+          <p:nvPr>
+            <p:ph type="sldNum" sz="quarter" idx="12"/>
+          </p:nvPr>
+        </p:nvSpPr>
+        <p:spPr>
+          <a:xfrm>
+            <a:off x="10815877" y="6492875"/>
+            <a:ext cx="1052508" cy="365125"/>
+          </a:xfrm>
+        </p:spPr>
+        <p:txBody>
+          <a:bodyPr/>
+          <a:lstStyle/>
+          <a:p>
+            <a:r>
+              <a:rPr lang="fr-FR" sz="1100" b="1" dirty="0">
+                <a:solidFill>
+                  <a:schemeClr val="tx1">
+                    <a:lumMod val="95000"/>
+                    <a:lumOff val="5000"/>
+                  </a:schemeClr>
+                </a:solidFill>
+              </a:rPr>
+              <a:t>6</a:t>
+            </a:r>
+            <a:endParaRPr lang="fr-FR" sz="1100" b="1" dirty="0">
+              <a:solidFill>
+                <a:schemeClr val="tx1">
+                  <a:lumMod val="95000"/>
+                  <a:lumOff val="5000"/>
+                </a:schemeClr>
+              </a:solidFill>
+            </a:endParaRPr>
           </a:p>
         </p:txBody>
       </p:sp>
     </p:spTree>
     <p:extLst>
       <p:ext uri="{BB962C8B-B14F-4D97-AF65-F5344CB8AC3E}">
-        <p14:creationId xmlns:p14="http://schemas.microsoft.com/office/powerpoint/2010/main" val="3531016766"/>
+        <p14:creationId xmlns:p14="http://schemas.microsoft.com/office/powerpoint/2010/main" val="2180552636"/>
       </p:ext>
     </p:extLst>
   </p:cSld>
@@ -6425,7 +7383,11 @@
           <a:p>
             <a:r>
               <a:rPr lang="fr-FR" dirty="0" smtClean="0"/>
-              <a:t>Les besoins fonctionnels</a:t>
+              <a:t>Cas </a:t>
+            </a:r>
+            <a:r>
+              <a:rPr lang="fr-FR" dirty="0" smtClean="0"/>
+              <a:t>d’utilisation</a:t>
             </a:r>
             <a:endParaRPr lang="fr-FR" dirty="0"/>
           </a:p>
@@ -6441,136 +7403,109 @@
             <p:ph idx="1"/>
           </p:nvPr>
         </p:nvSpPr>
+        <p:spPr/>
+        <p:txBody>
+          <a:bodyPr>
+            <a:normAutofit/>
+          </a:bodyPr>
+          <a:lstStyle/>
+          <a:p>
+            <a:r>
+              <a:rPr lang="fr-FR" sz="3200" dirty="0" smtClean="0"/>
+              <a:t>Administrateur</a:t>
+            </a:r>
+          </a:p>
+          <a:p>
+            <a:r>
+              <a:rPr lang="fr-FR" sz="3200" dirty="0" smtClean="0"/>
+              <a:t>Client</a:t>
+            </a:r>
+          </a:p>
+          <a:p>
+            <a:r>
+              <a:rPr lang="fr-FR" sz="3200" dirty="0" smtClean="0"/>
+              <a:t>Internaute</a:t>
+            </a:r>
+            <a:endParaRPr lang="fr-FR" sz="3200" dirty="0"/>
+          </a:p>
+        </p:txBody>
+      </p:sp>
+      <p:pic>
+        <p:nvPicPr>
+          <p:cNvPr id="5" name="Espace réservé du contenu 7"/>
+          <p:cNvPicPr>
+            <a:picLocks noChangeAspect="1"/>
+          </p:cNvPicPr>
+          <p:nvPr/>
+        </p:nvPicPr>
+        <p:blipFill>
+          <a:blip r:embed="rId2">
+            <a:extLst>
+              <a:ext uri="{28A0092B-C50C-407E-A947-70E740481C1C}">
+                <a14:useLocalDpi xmlns:a14="http://schemas.microsoft.com/office/drawing/2010/main" val="0"/>
+              </a:ext>
+            </a:extLst>
+          </a:blip>
+          <a:stretch>
+            <a:fillRect/>
+          </a:stretch>
+        </p:blipFill>
+        <p:spPr>
+          <a:xfrm rot="19315184">
+            <a:off x="9612936" y="4691990"/>
+            <a:ext cx="2857500" cy="2143125"/>
+          </a:xfrm>
+          <a:prstGeom prst="rect">
+            <a:avLst/>
+          </a:prstGeom>
+        </p:spPr>
+      </p:pic>
+      <p:sp>
+        <p:nvSpPr>
+          <p:cNvPr id="6" name="Espace réservé du numéro de diapositive 4"/>
+          <p:cNvSpPr>
+            <a:spLocks noGrp="1"/>
+          </p:cNvSpPr>
+          <p:nvPr>
+            <p:ph type="sldNum" sz="quarter" idx="12"/>
+          </p:nvPr>
+        </p:nvSpPr>
         <p:spPr>
           <a:xfrm>
-            <a:off x="581192" y="2180496"/>
-            <a:ext cx="11029615" cy="4677504"/>
-          </a:xfrm>
-        </p:spPr>
-        <p:txBody>
-          <a:bodyPr>
-            <a:normAutofit fontScale="77500" lnSpcReduction="20000"/>
-          </a:bodyPr>
-          <a:lstStyle/>
-          <a:p>
-            <a:r>
-              <a:rPr lang="fr-FR" dirty="0"/>
-              <a:t>Les besoins fonctionnels traduisent las attentes ou les obligations des différents utilisateurs envers le système. Ces besoins sont répartis entre deux catégories: Catégorie administration et catégorie clientèle.</a:t>
-            </a:r>
-          </a:p>
-          <a:p>
-            <a:pPr lvl="0"/>
-            <a:r>
-              <a:rPr lang="fr-FR" dirty="0"/>
-              <a:t>Catégorie administration : </a:t>
-            </a:r>
-          </a:p>
-          <a:p>
-            <a:r>
-              <a:rPr lang="fr-FR" dirty="0"/>
-              <a:t>Le système doit permettre à l’administrateur  de :</a:t>
-            </a:r>
-          </a:p>
-          <a:p>
-            <a:pPr lvl="0"/>
-            <a:r>
-              <a:rPr lang="fr-FR" dirty="0"/>
-              <a:t>Gérer  le contenu du site : gérer les </a:t>
-            </a:r>
-            <a:r>
-              <a:rPr lang="fr-FR" dirty="0" err="1"/>
-              <a:t>sliders</a:t>
-            </a:r>
-            <a:r>
-              <a:rPr lang="fr-FR" dirty="0"/>
-              <a:t>, les modules, les informations globales…..</a:t>
-            </a:r>
-          </a:p>
-          <a:p>
-            <a:pPr lvl="0"/>
-            <a:r>
-              <a:rPr lang="fr-FR" dirty="0"/>
-              <a:t>Gérer les utilisateurs : suppression d’un utilisateur.</a:t>
-            </a:r>
-          </a:p>
-          <a:p>
-            <a:pPr lvl="0"/>
-            <a:r>
-              <a:rPr lang="fr-FR" dirty="0"/>
-              <a:t>Gérer les commandes : gestions des commandes des clients.</a:t>
-            </a:r>
-          </a:p>
-          <a:p>
-            <a:pPr lvl="0"/>
-            <a:r>
-              <a:rPr lang="fr-FR" dirty="0"/>
-              <a:t>Gérer  les articles : ajouter, modifier ou supprimer un article.</a:t>
-            </a:r>
-          </a:p>
-          <a:p>
-            <a:r>
-              <a:rPr lang="fr-FR" dirty="0"/>
-              <a:t> </a:t>
-            </a:r>
-          </a:p>
-          <a:p>
-            <a:pPr lvl="0"/>
-            <a:r>
-              <a:rPr lang="fr-FR" dirty="0"/>
-              <a:t>Catégorie clientèle :</a:t>
-            </a:r>
-          </a:p>
-          <a:p>
-            <a:r>
-              <a:rPr lang="fr-FR" dirty="0"/>
-              <a:t>Le système  doit permettre à l’utilisateur de :</a:t>
-            </a:r>
-          </a:p>
-          <a:p>
-            <a:pPr lvl="0"/>
-            <a:r>
-              <a:rPr lang="fr-FR" dirty="0"/>
-              <a:t>S’inscrire dans l’espace client : l’utilisateur doit s’inscrire pour avoir un compte dans en saisissant ces coordonnées  (nom, prénom, e-mail, </a:t>
-            </a:r>
-            <a:r>
-              <a:rPr lang="fr-FR" dirty="0" err="1"/>
-              <a:t>etc</a:t>
-            </a:r>
-            <a:r>
-              <a:rPr lang="fr-FR" dirty="0"/>
-              <a:t>).</a:t>
-            </a:r>
-          </a:p>
-          <a:p>
-            <a:pPr lvl="0"/>
-            <a:r>
-              <a:rPr lang="fr-FR" dirty="0"/>
-              <a:t>Consulter  les articles : l’utilisateur peut consulter les articles. </a:t>
-            </a:r>
-          </a:p>
-          <a:p>
-            <a:pPr lvl="0"/>
-            <a:r>
-              <a:rPr lang="fr-FR" dirty="0"/>
-              <a:t>Recherche  multicritère  des articles : l’utilisateur a la possibilité de rechercher  les articles.</a:t>
-            </a:r>
-          </a:p>
-          <a:p>
-            <a:pPr lvl="0"/>
-            <a:r>
-              <a:rPr lang="fr-FR" dirty="0"/>
-              <a:t>S’inscrire à la newsletter : l’utilisateur peut consulter les offres qui sont disponibles.</a:t>
-            </a:r>
-          </a:p>
-          <a:p>
-            <a:endParaRPr lang="fr-FR" dirty="0"/>
+            <a:off x="10815877" y="6492875"/>
+            <a:ext cx="1052508" cy="365125"/>
+          </a:xfrm>
+        </p:spPr>
+        <p:txBody>
+          <a:bodyPr/>
+          <a:lstStyle/>
+          <a:p>
+            <a:r>
+              <a:rPr lang="fr-FR" sz="1100" b="1" dirty="0">
+                <a:solidFill>
+                  <a:schemeClr val="tx1">
+                    <a:lumMod val="95000"/>
+                    <a:lumOff val="5000"/>
+                  </a:schemeClr>
+                </a:solidFill>
+              </a:rPr>
+              <a:t>7</a:t>
+            </a:r>
+            <a:endParaRPr lang="fr-FR" sz="1100" b="1" dirty="0">
+              <a:solidFill>
+                <a:schemeClr val="tx1">
+                  <a:lumMod val="95000"/>
+                  <a:lumOff val="5000"/>
+                </a:schemeClr>
+              </a:solidFill>
+            </a:endParaRPr>
           </a:p>
         </p:txBody>
       </p:sp>
     </p:spTree>
     <p:extLst>
       <p:ext uri="{BB962C8B-B14F-4D97-AF65-F5344CB8AC3E}">
-        <p14:creationId xmlns:p14="http://schemas.microsoft.com/office/powerpoint/2010/main" val="2180552636"/>
+        <p14:creationId xmlns:p14="http://schemas.microsoft.com/office/powerpoint/2010/main" val="125383004"/>
       </p:ext>
     </p:extLst>
   </p:cSld>
@@ -6621,7 +7556,7 @@
           <a:p>
             <a:r>
               <a:rPr lang="fr-FR" dirty="0" smtClean="0"/>
-              <a:t>Les besoins non fonctionnels</a:t>
+              <a:t>Diagramme du cas d’utilisation initial</a:t>
             </a:r>
             <a:endParaRPr lang="fr-FR" dirty="0"/>
           </a:p>
@@ -6629,122 +7564,256 @@
       </p:sp>
       <p:sp>
         <p:nvSpPr>
-          <p:cNvPr id="3" name="Espace réservé du contenu 2"/>
-          <p:cNvSpPr>
-            <a:spLocks noGrp="1"/>
-          </p:cNvSpPr>
+          <p:cNvPr id="4" name="Rectangle 2"/>
+          <p:cNvSpPr>
+            <a:spLocks noChangeArrowheads="1"/>
+          </p:cNvSpPr>
+          <p:nvPr/>
+        </p:nvSpPr>
+        <p:spPr bwMode="auto">
+          <a:xfrm>
+            <a:off x="1571223" y="999201"/>
+            <a:ext cx="12192000" cy="0"/>
+          </a:xfrm>
+          <a:prstGeom prst="rect">
+            <a:avLst/>
+          </a:prstGeom>
+          <a:noFill/>
+          <a:ln>
+            <a:noFill/>
+          </a:ln>
+          <a:effectLst/>
+          <a:extLst>
+            <a:ext uri="{909E8E84-426E-40DD-AFC4-6F175D3DCCD1}">
+              <a14:hiddenFill xmlns:a14="http://schemas.microsoft.com/office/drawing/2010/main">
+                <a:solidFill>
+                  <a:schemeClr val="accent1"/>
+                </a:solidFill>
+              </a14:hiddenFill>
+            </a:ext>
+            <a:ext uri="{91240B29-F687-4F45-9708-019B960494DF}">
+              <a14:hiddenLine xmlns:a14="http://schemas.microsoft.com/office/drawing/2010/main" w="9525">
+                <a:solidFill>
+                  <a:schemeClr val="tx1"/>
+                </a:solidFill>
+                <a:miter lim="800000"/>
+                <a:headEnd/>
+                <a:tailEnd/>
+              </a14:hiddenLine>
+            </a:ext>
+            <a:ext uri="{AF507438-7753-43E0-B8FC-AC1667EBCBE1}">
+              <a14:hiddenEffects xmlns:a14="http://schemas.microsoft.com/office/drawing/2010/main">
+                <a:effectLst>
+                  <a:outerShdw dist="35921" dir="2700000" algn="ctr" rotWithShape="0">
+                    <a:schemeClr val="bg2"/>
+                  </a:outerShdw>
+                </a:effectLst>
+              </a14:hiddenEffects>
+            </a:ext>
+          </a:extLst>
+        </p:spPr>
+        <p:txBody>
+          <a:bodyPr vert="horz" wrap="none" lIns="91440" tIns="45720" rIns="91440" bIns="45720" numCol="1" anchor="ctr" anchorCtr="0" compatLnSpc="1">
+            <a:prstTxWarp prst="textNoShape">
+              <a:avLst/>
+            </a:prstTxWarp>
+            <a:spAutoFit/>
+          </a:bodyPr>
+          <a:lstStyle/>
+          <a:p>
+            <a:endParaRPr lang="fr-FR"/>
+          </a:p>
+        </p:txBody>
+      </p:sp>
+      <p:graphicFrame>
+        <p:nvGraphicFramePr>
+          <p:cNvPr id="5" name="Objet 4"/>
+          <p:cNvGraphicFramePr>
+            <a:graphicFrameLocks noChangeAspect="1"/>
+          </p:cNvGraphicFramePr>
+          <p:nvPr>
+            <p:extLst>
+              <p:ext uri="{D42A27DB-BD31-4B8C-83A1-F6EECF244321}">
+                <p14:modId xmlns:p14="http://schemas.microsoft.com/office/powerpoint/2010/main" val="1742048645"/>
+              </p:ext>
+            </p:extLst>
+          </p:nvPr>
+        </p:nvGraphicFramePr>
+        <p:xfrm>
+          <a:off x="2645469" y="1825780"/>
+          <a:ext cx="6542468" cy="4543965"/>
+        </p:xfrm>
+        <a:graphic>
+          <a:graphicData uri="http://schemas.openxmlformats.org/presentationml/2006/ole">
+            <mc:AlternateContent xmlns:mc="http://schemas.openxmlformats.org/markup-compatibility/2006">
+              <mc:Choice xmlns:v="urn:schemas-microsoft-com:vml" Requires="v">
+                <p:oleObj spid="_x0000_s1041" name="Visio" r:id="rId3" imgW="9248632" imgH="5972283" progId="Visio.Drawing.15">
+                  <p:embed/>
+                </p:oleObj>
+              </mc:Choice>
+              <mc:Fallback>
+                <p:oleObj name="Visio" r:id="rId3" imgW="9248632" imgH="5972283" progId="Visio.Drawing.15">
+                  <p:embed/>
+                  <p:pic>
+                    <p:nvPicPr>
+                      <p:cNvPr id="0" name="Object 1"/>
+                      <p:cNvPicPr>
+                        <a:picLocks noChangeAspect="1" noChangeArrowheads="1"/>
+                      </p:cNvPicPr>
+                      <p:nvPr/>
+                    </p:nvPicPr>
+                    <p:blipFill>
+                      <a:blip r:embed="rId4">
+                        <a:extLst>
+                          <a:ext uri="{28A0092B-C50C-407E-A947-70E740481C1C}">
+                            <a14:useLocalDpi xmlns:a14="http://schemas.microsoft.com/office/drawing/2010/main" val="0"/>
+                          </a:ext>
+                        </a:extLst>
+                      </a:blip>
+                      <a:srcRect/>
+                      <a:stretch>
+                        <a:fillRect/>
+                      </a:stretch>
+                    </p:blipFill>
+                    <p:spPr bwMode="auto">
+                      <a:xfrm>
+                        <a:off x="2645469" y="1825780"/>
+                        <a:ext cx="6542468" cy="4543965"/>
+                      </a:xfrm>
+                      <a:prstGeom prst="rect">
+                        <a:avLst/>
+                      </a:prstGeom>
+                      <a:noFill/>
+                    </p:spPr>
+                  </p:pic>
+                </p:oleObj>
+              </mc:Fallback>
+            </mc:AlternateContent>
+          </a:graphicData>
+        </a:graphic>
+      </p:graphicFrame>
+      <p:sp>
+        <p:nvSpPr>
+          <p:cNvPr id="6" name="Rectangle 5"/>
+          <p:cNvSpPr/>
+          <p:nvPr/>
+        </p:nvSpPr>
+        <p:spPr>
+          <a:xfrm>
+            <a:off x="4351851" y="6479569"/>
+            <a:ext cx="3129703" cy="338554"/>
+          </a:xfrm>
+          <a:prstGeom prst="rect">
+            <a:avLst/>
+          </a:prstGeom>
+        </p:spPr>
+        <p:txBody>
+          <a:bodyPr wrap="none">
+            <a:spAutoFit/>
+          </a:bodyPr>
+          <a:lstStyle/>
+          <a:p>
+            <a:r>
+              <a:rPr lang="fr-FR" sz="1600" dirty="0" smtClean="0">
+                <a:solidFill>
+                  <a:srgbClr val="000000"/>
+                </a:solidFill>
+                <a:latin typeface="Garamond" panose="02020404030301010803" pitchFamily="18" charset="0"/>
+                <a:ea typeface="Times New Roman" panose="02020603050405020304" pitchFamily="18" charset="0"/>
+                <a:cs typeface="Arial" panose="020B0604020202020204" pitchFamily="34" charset="0"/>
+              </a:rPr>
+              <a:t>Diagramme </a:t>
+            </a:r>
+            <a:r>
+              <a:rPr lang="fr-FR" sz="1600" dirty="0">
+                <a:solidFill>
+                  <a:srgbClr val="000000"/>
+                </a:solidFill>
+                <a:latin typeface="Garamond" panose="02020404030301010803" pitchFamily="18" charset="0"/>
+                <a:ea typeface="Times New Roman" panose="02020603050405020304" pitchFamily="18" charset="0"/>
+                <a:cs typeface="Arial" panose="020B0604020202020204" pitchFamily="34" charset="0"/>
+              </a:rPr>
+              <a:t>du cas d’utilisation initial</a:t>
+            </a:r>
+            <a:endParaRPr lang="fr-FR" sz="1600" dirty="0"/>
+          </a:p>
+        </p:txBody>
+      </p:sp>
+      <p:pic>
+        <p:nvPicPr>
+          <p:cNvPr id="7" name="Espace réservé du contenu 7"/>
+          <p:cNvPicPr>
+            <a:picLocks noGrp="1" noChangeAspect="1"/>
+          </p:cNvPicPr>
           <p:nvPr>
             <p:ph idx="1"/>
           </p:nvPr>
+        </p:nvPicPr>
+        <p:blipFill>
+          <a:blip r:embed="rId5">
+            <a:extLst>
+              <a:ext uri="{28A0092B-C50C-407E-A947-70E740481C1C}">
+                <a14:useLocalDpi xmlns:a14="http://schemas.microsoft.com/office/drawing/2010/main" val="0"/>
+              </a:ext>
+            </a:extLst>
+          </a:blip>
+          <a:stretch>
+            <a:fillRect/>
+          </a:stretch>
+        </p:blipFill>
+        <p:spPr>
+          <a:xfrm rot="19315184">
+            <a:off x="9612936" y="4691990"/>
+            <a:ext cx="2857500" cy="2143125"/>
+          </a:xfrm>
+        </p:spPr>
+      </p:pic>
+      <p:sp>
+        <p:nvSpPr>
+          <p:cNvPr id="8" name="Espace réservé du numéro de diapositive 4"/>
+          <p:cNvSpPr>
+            <a:spLocks noGrp="1"/>
+          </p:cNvSpPr>
+          <p:nvPr>
+            <p:ph type="sldNum" sz="quarter" idx="12"/>
+          </p:nvPr>
         </p:nvSpPr>
         <p:spPr>
           <a:xfrm>
-            <a:off x="581192" y="2180496"/>
-            <a:ext cx="11029615" cy="4477881"/>
-          </a:xfrm>
-        </p:spPr>
-        <p:txBody>
-          <a:bodyPr>
-            <a:normAutofit fontScale="92500" lnSpcReduction="10000"/>
-          </a:bodyPr>
-          <a:lstStyle/>
-          <a:p>
-            <a:r>
-              <a:rPr lang="fr-FR" dirty="0"/>
-              <a:t>Les besoins non fonctionnels décrivent toutes les contraintes auxquelles est soumis le système pour sa réalisation et son bon fonctionnement. En ce qui concerne notre site, nous avons dégagé les besoins suivants : </a:t>
-            </a:r>
-          </a:p>
-          <a:p>
-            <a:pPr lvl="0"/>
-            <a:r>
-              <a:rPr lang="fr-FR" b="1" dirty="0"/>
-              <a:t>La sécurité de l’accès au site :</a:t>
-            </a:r>
-            <a:r>
-              <a:rPr lang="fr-FR" dirty="0"/>
-              <a:t> L’administrateur devra gérer l’authentification et la gestion des utilisateurs.</a:t>
-            </a:r>
-          </a:p>
-          <a:p>
-            <a:pPr lvl="0"/>
-            <a:r>
-              <a:rPr lang="fr-FR" b="1" dirty="0"/>
-              <a:t>La confidentialité : </a:t>
-            </a:r>
-            <a:r>
-              <a:rPr lang="fr-FR" dirty="0"/>
-              <a:t>L’administrateur doit prendre en considération la confidentialité des données.</a:t>
-            </a:r>
-          </a:p>
-          <a:p>
-            <a:pPr lvl="0"/>
-            <a:r>
-              <a:rPr lang="fr-FR" b="1" dirty="0"/>
-              <a:t>L’intégrité des données :</a:t>
-            </a:r>
-            <a:r>
-              <a:rPr lang="fr-FR" dirty="0"/>
-              <a:t> Plusieurs utilisateurs peuvent utiliser le site au même temps. L’intégrité doit être assurée afin d’empêcher des mises à jour simultanés.</a:t>
-            </a:r>
-          </a:p>
-          <a:p>
-            <a:pPr lvl="0"/>
-            <a:r>
-              <a:rPr lang="fr-FR" b="1" dirty="0"/>
-              <a:t>Eviter la redondance de l’information: </a:t>
-            </a:r>
-            <a:r>
-              <a:rPr lang="fr-FR" dirty="0"/>
-              <a:t>Grâce à la</a:t>
-            </a:r>
-            <a:r>
-              <a:rPr lang="fr-FR" b="1" dirty="0"/>
-              <a:t> </a:t>
-            </a:r>
-            <a:r>
-              <a:rPr lang="fr-FR" dirty="0"/>
-              <a:t>centralisation de l’information.</a:t>
-            </a:r>
-          </a:p>
-          <a:p>
-            <a:pPr lvl="0"/>
-            <a:r>
-              <a:rPr lang="fr-FR" b="1" dirty="0"/>
-              <a:t>Rapidité de traitement :</a:t>
-            </a:r>
-            <a:r>
-              <a:rPr lang="fr-FR" dirty="0"/>
-              <a:t> Le système doit assurer un temps de réponse et d’exécution de telle sorte que la qualité de service reste assurée lors du chargement de la page.</a:t>
-            </a:r>
-          </a:p>
-          <a:p>
-            <a:pPr lvl="0"/>
-            <a:r>
-              <a:rPr lang="fr-FR" b="1" dirty="0"/>
-              <a:t>Modularité et ouverture : </a:t>
-            </a:r>
-            <a:r>
-              <a:rPr lang="fr-FR" dirty="0"/>
-              <a:t>Le système devra être modulaire pour garantir la souplesse, l’évolutivité et l’ouverture de la solution.</a:t>
-            </a:r>
-          </a:p>
-          <a:p>
-            <a:pPr lvl="0"/>
-            <a:r>
-              <a:rPr lang="fr-FR" b="1" dirty="0"/>
-              <a:t>Interface graphique : </a:t>
-            </a:r>
-            <a:r>
-              <a:rPr lang="fr-FR" dirty="0"/>
-              <a:t>L’interface doit être ergonomique pouvant faciliter l’apprentissage, la mémorisation et l’emploi du site.</a:t>
-            </a:r>
+            <a:off x="10815877" y="6492875"/>
+            <a:ext cx="1052508" cy="365125"/>
+          </a:xfrm>
+        </p:spPr>
+        <p:txBody>
+          <a:bodyPr/>
+          <a:lstStyle/>
+          <a:p>
+            <a:r>
+              <a:rPr lang="fr-FR" sz="1100" b="1" dirty="0">
+                <a:solidFill>
+                  <a:schemeClr val="tx1">
+                    <a:lumMod val="95000"/>
+                    <a:lumOff val="5000"/>
+                  </a:schemeClr>
+                </a:solidFill>
+              </a:rPr>
+              <a:t>8</a:t>
+            </a:r>
+            <a:endParaRPr lang="fr-FR" sz="1100" b="1" dirty="0">
+              <a:solidFill>
+                <a:schemeClr val="tx1">
+                  <a:lumMod val="95000"/>
+                  <a:lumOff val="5000"/>
+                </a:schemeClr>
+              </a:solidFill>
+            </a:endParaRPr>
           </a:p>
         </p:txBody>
       </p:sp>
     </p:spTree>
     <p:extLst>
       <p:ext uri="{BB962C8B-B14F-4D97-AF65-F5344CB8AC3E}">
-        <p14:creationId xmlns:p14="http://schemas.microsoft.com/office/powerpoint/2010/main" val="1190251612"/>
+        <p14:creationId xmlns:p14="http://schemas.microsoft.com/office/powerpoint/2010/main" val="2797048619"/>
       </p:ext>
     </p:extLst>
   </p:cSld>
@@ -6795,108 +7864,169 @@
           <a:p>
             <a:r>
               <a:rPr lang="fr-FR" dirty="0" smtClean="0"/>
-              <a:t>Cas d’utilisation(Administrateur)</a:t>
+              <a:t>Modèle Conceptuelle Des données</a:t>
             </a:r>
             <a:endParaRPr lang="fr-FR" dirty="0"/>
           </a:p>
         </p:txBody>
       </p:sp>
-      <p:sp>
-        <p:nvSpPr>
-          <p:cNvPr id="3" name="Espace réservé du contenu 2"/>
-          <p:cNvSpPr>
-            <a:spLocks noGrp="1"/>
-          </p:cNvSpPr>
+      <p:pic>
+        <p:nvPicPr>
+          <p:cNvPr id="4" name="Espace réservé du contenu 3"/>
+          <p:cNvPicPr>
+            <a:picLocks noGrp="1"/>
+          </p:cNvPicPr>
           <p:nvPr>
             <p:ph idx="1"/>
           </p:nvPr>
-        </p:nvSpPr>
-        <p:spPr/>
-        <p:txBody>
-          <a:bodyPr>
-            <a:normAutofit/>
+        </p:nvPicPr>
+        <p:blipFill>
+          <a:blip r:embed="rId2">
+            <a:extLst>
+              <a:ext uri="{28A0092B-C50C-407E-A947-70E740481C1C}">
+                <a14:useLocalDpi xmlns:a14="http://schemas.microsoft.com/office/drawing/2010/main" val="0"/>
+              </a:ext>
+            </a:extLst>
+          </a:blip>
+          <a:stretch>
+            <a:fillRect/>
+          </a:stretch>
+        </p:blipFill>
+        <p:spPr>
+          <a:xfrm>
+            <a:off x="2515561" y="1815920"/>
+            <a:ext cx="6980565" cy="5076917"/>
+          </a:xfrm>
+          <a:prstGeom prst="rect">
+            <a:avLst/>
+          </a:prstGeom>
+        </p:spPr>
+      </p:pic>
+      <p:sp>
+        <p:nvSpPr>
+          <p:cNvPr id="5" name="Rectangle 4"/>
+          <p:cNvSpPr/>
+          <p:nvPr/>
+        </p:nvSpPr>
+        <p:spPr>
+          <a:xfrm>
+            <a:off x="4902624" y="6641596"/>
+            <a:ext cx="2386744" cy="276999"/>
+          </a:xfrm>
+          <a:prstGeom prst="rect">
+            <a:avLst/>
+          </a:prstGeom>
+        </p:spPr>
+        <p:txBody>
+          <a:bodyPr wrap="none">
+            <a:spAutoFit/>
           </a:bodyPr>
           <a:lstStyle/>
           <a:p>
-            <a:pPr lvl="0"/>
-            <a:r>
-              <a:rPr lang="fr-FR" dirty="0"/>
-              <a:t>Le site web doit offrir à l’administrateur des interfaces permettant essentiellement  la possibilité de gérer  le tableau de bord. Il peut </a:t>
-            </a:r>
-            <a:r>
-              <a:rPr lang="fr-FR" dirty="0" smtClean="0"/>
-              <a:t>:</a:t>
-            </a:r>
-          </a:p>
-          <a:p>
-            <a:r>
-              <a:rPr lang="fr-FR" dirty="0"/>
-              <a:t>Gérer les infos globales (ajouter, modifier, supprimer</a:t>
-            </a:r>
-            <a:r>
-              <a:rPr lang="fr-FR" dirty="0" smtClean="0"/>
-              <a:t>).</a:t>
-            </a:r>
-            <a:endParaRPr lang="fr-FR" dirty="0"/>
-          </a:p>
-          <a:p>
-            <a:pPr lvl="0"/>
-            <a:r>
-              <a:rPr lang="fr-FR" dirty="0" smtClean="0"/>
-              <a:t>Gérer </a:t>
-            </a:r>
-            <a:r>
-              <a:rPr lang="fr-FR" dirty="0"/>
-              <a:t>les familles d’articles (ajouter, modifier, supprimer).</a:t>
-            </a:r>
-            <a:endParaRPr lang="fr-FR" sz="1600" dirty="0"/>
-          </a:p>
-          <a:p>
-            <a:pPr lvl="0"/>
-            <a:r>
-              <a:rPr lang="fr-FR" dirty="0"/>
-              <a:t>Gérer  les sous familles d’articles (ajouter, modifier, supprimer).</a:t>
-            </a:r>
-            <a:endParaRPr lang="fr-FR" sz="1600" dirty="0"/>
-          </a:p>
-          <a:p>
-            <a:pPr lvl="0"/>
-            <a:r>
-              <a:rPr lang="fr-FR" dirty="0"/>
-              <a:t>Gérer les articles (ajouter, modifier, supprimer).</a:t>
-            </a:r>
-            <a:endParaRPr lang="fr-FR" sz="1600" dirty="0"/>
-          </a:p>
-          <a:p>
-            <a:pPr lvl="0"/>
-            <a:r>
-              <a:rPr lang="fr-FR" dirty="0"/>
-              <a:t>Gérer les commandes (consulter).</a:t>
-            </a:r>
-            <a:endParaRPr lang="fr-FR" sz="1600" dirty="0"/>
-          </a:p>
-          <a:p>
-            <a:pPr lvl="0"/>
-            <a:r>
-              <a:rPr lang="fr-FR" dirty="0"/>
-              <a:t>Gérer les messages (consulter, répondre).</a:t>
-            </a:r>
-            <a:endParaRPr lang="fr-FR" sz="1600" dirty="0"/>
-          </a:p>
-          <a:p>
-            <a:pPr lvl="0"/>
-            <a:r>
-              <a:rPr lang="fr-FR" dirty="0"/>
-              <a:t>Gérer la newsletter (consulter, envoyer).</a:t>
-            </a:r>
-            <a:endParaRPr lang="fr-FR" sz="1600" dirty="0"/>
+            <a:pPr algn="ctr">
+              <a:spcAft>
+                <a:spcPts val="1000"/>
+              </a:spcAft>
+            </a:pPr>
+            <a:r>
+              <a:rPr lang="fr-FR" sz="1200" dirty="0">
+                <a:solidFill>
+                  <a:srgbClr val="000000"/>
+                </a:solidFill>
+                <a:latin typeface="Garamond" panose="02020404030301010803" pitchFamily="18" charset="0"/>
+                <a:ea typeface="Calibri" panose="020F0502020204030204" pitchFamily="34" charset="0"/>
+                <a:cs typeface="Arial" panose="020B0604020202020204" pitchFamily="34" charset="0"/>
+              </a:rPr>
+              <a:t>Schéma extrait de la base de données</a:t>
+            </a:r>
+            <a:endParaRPr lang="fr-FR" sz="900" b="1" dirty="0">
+              <a:solidFill>
+                <a:srgbClr val="4F81BD"/>
+              </a:solidFill>
+              <a:effectLst/>
+              <a:latin typeface="Calibri" panose="020F0502020204030204" pitchFamily="34" charset="0"/>
+              <a:ea typeface="Calibri" panose="020F0502020204030204" pitchFamily="34" charset="0"/>
+              <a:cs typeface="Arial" panose="020B0604020202020204" pitchFamily="34" charset="0"/>
+            </a:endParaRPr>
+          </a:p>
+        </p:txBody>
+      </p:sp>
+      <p:pic>
+        <p:nvPicPr>
+          <p:cNvPr id="6" name="Espace réservé du contenu 7"/>
+          <p:cNvPicPr>
+            <a:picLocks noChangeAspect="1"/>
+          </p:cNvPicPr>
+          <p:nvPr/>
+        </p:nvPicPr>
+        <p:blipFill>
+          <a:blip r:embed="rId3">
+            <a:extLst>
+              <a:ext uri="{28A0092B-C50C-407E-A947-70E740481C1C}">
+                <a14:useLocalDpi xmlns:a14="http://schemas.microsoft.com/office/drawing/2010/main" val="0"/>
+              </a:ext>
+            </a:extLst>
+          </a:blip>
+          <a:stretch>
+            <a:fillRect/>
+          </a:stretch>
+        </p:blipFill>
+        <p:spPr>
+          <a:xfrm rot="19315184">
+            <a:off x="9612936" y="4691990"/>
+            <a:ext cx="2857500" cy="2143125"/>
+          </a:xfrm>
+          <a:prstGeom prst="rect">
+            <a:avLst/>
+          </a:prstGeom>
+        </p:spPr>
+      </p:pic>
+      <p:sp>
+        <p:nvSpPr>
+          <p:cNvPr id="7" name="Espace réservé du numéro de diapositive 4"/>
+          <p:cNvSpPr>
+            <a:spLocks noGrp="1"/>
+          </p:cNvSpPr>
+          <p:nvPr>
+            <p:ph type="sldNum" sz="quarter" idx="12"/>
+          </p:nvPr>
+        </p:nvSpPr>
+        <p:spPr>
+          <a:xfrm>
+            <a:off x="10815877" y="6492875"/>
+            <a:ext cx="1052508" cy="365125"/>
+          </a:xfrm>
+        </p:spPr>
+        <p:txBody>
+          <a:bodyPr/>
+          <a:lstStyle/>
+          <a:p>
+            <a:r>
+              <a:rPr lang="fr-FR" sz="1100" b="1" dirty="0" smtClean="0">
+                <a:solidFill>
+                  <a:schemeClr val="tx1">
+                    <a:lumMod val="95000"/>
+                    <a:lumOff val="5000"/>
+                  </a:schemeClr>
+                </a:solidFill>
+              </a:rPr>
+              <a:t>9</a:t>
+            </a:r>
+            <a:endParaRPr lang="fr-FR" sz="1100" b="1" dirty="0">
+              <a:solidFill>
+                <a:schemeClr val="tx1">
+                  <a:lumMod val="95000"/>
+                  <a:lumOff val="5000"/>
+                </a:schemeClr>
+              </a:solidFill>
+            </a:endParaRPr>
           </a:p>
         </p:txBody>
       </p:sp>
     </p:spTree>
     <p:extLst>
       <p:ext uri="{BB962C8B-B14F-4D97-AF65-F5344CB8AC3E}">
-        <p14:creationId xmlns:p14="http://schemas.microsoft.com/office/powerpoint/2010/main" val="125383004"/>
+        <p14:creationId xmlns:p14="http://schemas.microsoft.com/office/powerpoint/2010/main" val="1355835073"/>
       </p:ext>
     </p:extLst>
   </p:cSld>
@@ -7180,4 +8310,265 @@
     </a:ext>
   </a:extLst>
 </a:theme>
+</file>
+
+<file path=ppt/theme/theme2.xml><?xml version="1.0" encoding="utf-8"?>
+<a:theme xmlns:a="http://schemas.openxmlformats.org/drawingml/2006/main" name="Thème Office">
+  <a:themeElements>
+    <a:clrScheme name="Office">
+      <a:dk1>
+        <a:sysClr val="windowText" lastClr="000000"/>
+      </a:dk1>
+      <a:lt1>
+        <a:sysClr val="window" lastClr="FFFFFF"/>
+      </a:lt1>
+      <a:dk2>
+        <a:srgbClr val="44546A"/>
+      </a:dk2>
+      <a:lt2>
+        <a:srgbClr val="E7E6E6"/>
+      </a:lt2>
+      <a:accent1>
+        <a:srgbClr val="5B9BD5"/>
+      </a:accent1>
+      <a:accent2>
+        <a:srgbClr val="ED7D31"/>
+      </a:accent2>
+      <a:accent3>
+        <a:srgbClr val="A5A5A5"/>
+      </a:accent3>
+      <a:accent4>
+        <a:srgbClr val="FFC000"/>
+      </a:accent4>
+      <a:accent5>
+        <a:srgbClr val="4472C4"/>
+      </a:accent5>
+      <a:accent6>
+        <a:srgbClr val="70AD47"/>
+      </a:accent6>
+      <a:hlink>
+        <a:srgbClr val="0563C1"/>
+      </a:hlink>
+      <a:folHlink>
+        <a:srgbClr val="954F72"/>
+      </a:folHlink>
+    </a:clrScheme>
+    <a:fontScheme name="Office">
+      <a:majorFont>
+        <a:latin typeface="Calibri Light" panose="020F0302020204030204"/>
+        <a:ea typeface=""/>
+        <a:cs typeface=""/>
+        <a:font script="Jpan" typeface="ＭＳ Ｐゴシック"/>
+        <a:font script="Hang" typeface="맑은 고딕"/>
+        <a:font script="Hans" typeface="宋体"/>
+        <a:font script="Hant" typeface="新細明體"/>
+        <a:font script="Arab" typeface="Times New Roman"/>
+        <a:font script="Hebr" typeface="Times New Roman"/>
+        <a:font script="Thai" typeface="Angsana New"/>
+        <a:font script="Ethi" typeface="Nyala"/>
+        <a:font script="Beng" typeface="Vrinda"/>
+        <a:font script="Gujr" typeface="Shruti"/>
+        <a:font script="Khmr" typeface="MoolBoran"/>
+        <a:font script="Knda" typeface="Tunga"/>
+        <a:font script="Guru" typeface="Raavi"/>
+        <a:font script="Cans" typeface="Euphemia"/>
+        <a:font script="Cher" typeface="Plantagenet Cherokee"/>
+        <a:font script="Yiii" typeface="Microsoft Yi Baiti"/>
+        <a:font script="Tibt" typeface="Microsoft Himalaya"/>
+        <a:font script="Thaa" typeface="MV Boli"/>
+        <a:font script="Deva" typeface="Mangal"/>
+        <a:font script="Telu" typeface="Gautami"/>
+        <a:font script="Taml" typeface="Latha"/>
+        <a:font script="Syrc" typeface="Estrangelo Edessa"/>
+        <a:font script="Orya" typeface="Kalinga"/>
+        <a:font script="Mlym" typeface="Kartika"/>
+        <a:font script="Laoo" typeface="DokChampa"/>
+        <a:font script="Sinh" typeface="Iskoola Pota"/>
+        <a:font script="Mong" typeface="Mongolian Baiti"/>
+        <a:font script="Viet" typeface="Times New Roman"/>
+        <a:font script="Uigh" typeface="Microsoft Uighur"/>
+        <a:font script="Geor" typeface="Sylfaen"/>
+      </a:majorFont>
+      <a:minorFont>
+        <a:latin typeface="Calibri" panose="020F0502020204030204"/>
+        <a:ea typeface=""/>
+        <a:cs typeface=""/>
+        <a:font script="Jpan" typeface="ＭＳ Ｐゴシック"/>
+        <a:font script="Hang" typeface="맑은 고딕"/>
+        <a:font script="Hans" typeface="宋体"/>
+        <a:font script="Hant" typeface="新細明體"/>
+        <a:font script="Arab" typeface="Arial"/>
+        <a:font script="Hebr" typeface="Arial"/>
+        <a:font script="Thai" typeface="Cordia New"/>
+        <a:font script="Ethi" typeface="Nyala"/>
+        <a:font script="Beng" typeface="Vrinda"/>
+        <a:font script="Gujr" typeface="Shruti"/>
+        <a:font script="Khmr" typeface="DaunPenh"/>
+        <a:font script="Knda" typeface="Tunga"/>
+        <a:font script="Guru" typeface="Raavi"/>
+        <a:font script="Cans" typeface="Euphemia"/>
+        <a:font script="Cher" typeface="Plantagenet Cherokee"/>
+        <a:font script="Yiii" typeface="Microsoft Yi Baiti"/>
+        <a:font script="Tibt" typeface="Microsoft Himalaya"/>
+        <a:font script="Thaa" typeface="MV Boli"/>
+        <a:font script="Deva" typeface="Mangal"/>
+        <a:font script="Telu" typeface="Gautami"/>
+        <a:font script="Taml" typeface="Latha"/>
+        <a:font script="Syrc" typeface="Estrangelo Edessa"/>
+        <a:font script="Orya" typeface="Kalinga"/>
+        <a:font script="Mlym" typeface="Kartika"/>
+        <a:font script="Laoo" typeface="DokChampa"/>
+        <a:font script="Sinh" typeface="Iskoola Pota"/>
+        <a:font script="Mong" typeface="Mongolian Baiti"/>
+        <a:font script="Viet" typeface="Arial"/>
+        <a:font script="Uigh" typeface="Microsoft Uighur"/>
+        <a:font script="Geor" typeface="Sylfaen"/>
+      </a:minorFont>
+    </a:fontScheme>
+    <a:fmtScheme name="Office">
+      <a:fillStyleLst>
+        <a:solidFill>
+          <a:schemeClr val="phClr"/>
+        </a:solidFill>
+        <a:gradFill rotWithShape="1">
+          <a:gsLst>
+            <a:gs pos="0">
+              <a:schemeClr val="phClr">
+                <a:lumMod val="110000"/>
+                <a:satMod val="105000"/>
+                <a:tint val="67000"/>
+              </a:schemeClr>
+            </a:gs>
+            <a:gs pos="50000">
+              <a:schemeClr val="phClr">
+                <a:lumMod val="105000"/>
+                <a:satMod val="103000"/>
+                <a:tint val="73000"/>
+              </a:schemeClr>
+            </a:gs>
+            <a:gs pos="100000">
+              <a:schemeClr val="phClr">
+                <a:lumMod val="105000"/>
+                <a:satMod val="109000"/>
+                <a:tint val="81000"/>
+              </a:schemeClr>
+            </a:gs>
+          </a:gsLst>
+          <a:lin ang="5400000" scaled="0"/>
+        </a:gradFill>
+        <a:gradFill rotWithShape="1">
+          <a:gsLst>
+            <a:gs pos="0">
+              <a:schemeClr val="phClr">
+                <a:satMod val="103000"/>
+                <a:lumMod val="102000"/>
+                <a:tint val="94000"/>
+              </a:schemeClr>
+            </a:gs>
+            <a:gs pos="50000">
+              <a:schemeClr val="phClr">
+                <a:satMod val="110000"/>
+                <a:lumMod val="100000"/>
+                <a:shade val="100000"/>
+              </a:schemeClr>
+            </a:gs>
+            <a:gs pos="100000">
+              <a:schemeClr val="phClr">
+                <a:lumMod val="99000"/>
+                <a:satMod val="120000"/>
+                <a:shade val="78000"/>
+              </a:schemeClr>
+            </a:gs>
+          </a:gsLst>
+          <a:lin ang="5400000" scaled="0"/>
+        </a:gradFill>
+      </a:fillStyleLst>
+      <a:lnStyleLst>
+        <a:ln w="6350" cap="flat" cmpd="sng" algn="ctr">
+          <a:solidFill>
+            <a:schemeClr val="phClr"/>
+          </a:solidFill>
+          <a:prstDash val="solid"/>
+          <a:miter lim="800000"/>
+        </a:ln>
+        <a:ln w="12700" cap="flat" cmpd="sng" algn="ctr">
+          <a:solidFill>
+            <a:schemeClr val="phClr"/>
+          </a:solidFill>
+          <a:prstDash val="solid"/>
+          <a:miter lim="800000"/>
+        </a:ln>
+        <a:ln w="19050" cap="flat" cmpd="sng" algn="ctr">
+          <a:solidFill>
+            <a:schemeClr val="phClr"/>
+          </a:solidFill>
+          <a:prstDash val="solid"/>
+          <a:miter lim="800000"/>
+        </a:ln>
+      </a:lnStyleLst>
+      <a:effectStyleLst>
+        <a:effectStyle>
+          <a:effectLst/>
+        </a:effectStyle>
+        <a:effectStyle>
+          <a:effectLst/>
+        </a:effectStyle>
+        <a:effectStyle>
+          <a:effectLst>
+            <a:outerShdw blurRad="57150" dist="19050" dir="5400000" algn="ctr" rotWithShape="0">
+              <a:srgbClr val="000000">
+                <a:alpha val="63000"/>
+              </a:srgbClr>
+            </a:outerShdw>
+          </a:effectLst>
+        </a:effectStyle>
+      </a:effectStyleLst>
+      <a:bgFillStyleLst>
+        <a:solidFill>
+          <a:schemeClr val="phClr"/>
+        </a:solidFill>
+        <a:solidFill>
+          <a:schemeClr val="phClr">
+            <a:tint val="95000"/>
+            <a:satMod val="170000"/>
+          </a:schemeClr>
+        </a:solidFill>
+        <a:gradFill rotWithShape="1">
+          <a:gsLst>
+            <a:gs pos="0">
+              <a:schemeClr val="phClr">
+                <a:tint val="93000"/>
+                <a:satMod val="150000"/>
+                <a:shade val="98000"/>
+                <a:lumMod val="102000"/>
+              </a:schemeClr>
+            </a:gs>
+            <a:gs pos="50000">
+              <a:schemeClr val="phClr">
+                <a:tint val="98000"/>
+                <a:satMod val="130000"/>
+                <a:shade val="90000"/>
+                <a:lumMod val="103000"/>
+              </a:schemeClr>
+            </a:gs>
+            <a:gs pos="100000">
+              <a:schemeClr val="phClr">
+                <a:shade val="63000"/>
+                <a:satMod val="120000"/>
+              </a:schemeClr>
+            </a:gs>
+          </a:gsLst>
+          <a:lin ang="5400000" scaled="0"/>
+        </a:gradFill>
+      </a:bgFillStyleLst>
+    </a:fmtScheme>
+  </a:themeElements>
+  <a:objectDefaults/>
+  <a:extraClrSchemeLst/>
+  <a:extLst>
+    <a:ext uri="{05A4C25C-085E-4340-85A3-A5531E510DB2}">
+      <thm15:themeFamily xmlns:thm15="http://schemas.microsoft.com/office/thememl/2012/main" name="Office Theme" id="{62F939B6-93AF-4DB8-9C6B-D6C7DFDC589F}" vid="{4A3C46E8-61CC-4603-A589-7422A47A8E4A}"/>
+    </a:ext>
+  </a:extLst>
+</a:theme>
 </file>
--- a/global/Présentation.pptx
+++ b/global/Présentation.pptx
@@ -5,24 +5,22 @@
     <p:sldMasterId id="2147484090" r:id="rId1"/>
   </p:sldMasterIdLst>
   <p:notesMasterIdLst>
-    <p:notesMasterId r:id="rId17"/>
+    <p:notesMasterId r:id="rId15"/>
   </p:notesMasterIdLst>
   <p:sldIdLst>
     <p:sldId id="261" r:id="rId2"/>
     <p:sldId id="262" r:id="rId3"/>
     <p:sldId id="257" r:id="rId4"/>
     <p:sldId id="258" r:id="rId5"/>
-    <p:sldId id="259" r:id="rId6"/>
-    <p:sldId id="263" r:id="rId7"/>
-    <p:sldId id="265" r:id="rId8"/>
-    <p:sldId id="269" r:id="rId9"/>
-    <p:sldId id="272" r:id="rId10"/>
-    <p:sldId id="273" r:id="rId11"/>
-    <p:sldId id="274" r:id="rId12"/>
-    <p:sldId id="279" r:id="rId13"/>
-    <p:sldId id="280" r:id="rId14"/>
-    <p:sldId id="260" r:id="rId15"/>
-    <p:sldId id="271" r:id="rId16"/>
+    <p:sldId id="263" r:id="rId6"/>
+    <p:sldId id="265" r:id="rId7"/>
+    <p:sldId id="269" r:id="rId8"/>
+    <p:sldId id="272" r:id="rId9"/>
+    <p:sldId id="274" r:id="rId10"/>
+    <p:sldId id="279" r:id="rId11"/>
+    <p:sldId id="280" r:id="rId12"/>
+    <p:sldId id="260" r:id="rId13"/>
+    <p:sldId id="271" r:id="rId14"/>
   </p:sldIdLst>
   <p:sldSz cx="12192000" cy="6858000"/>
   <p:notesSz cx="6858000" cy="9144000"/>
@@ -806,90 +804,6 @@
     <p:extLst>
       <p:ext uri="{BB962C8B-B14F-4D97-AF65-F5344CB8AC3E}">
         <p14:creationId xmlns:p14="http://schemas.microsoft.com/office/powerpoint/2010/main" val="2262561057"/>
-      </p:ext>
-    </p:extLst>
-  </p:cSld>
-  <p:clrMapOvr>
-    <a:masterClrMapping/>
-  </p:clrMapOvr>
-</p:notes>
-</file>
-
-<file path=ppt/notesSlides/notesSlide5.xml><?xml version="1.0" encoding="utf-8"?>
-<p:notes xmlns:a="http://schemas.openxmlformats.org/drawingml/2006/main" xmlns:r="http://schemas.openxmlformats.org/officeDocument/2006/relationships" xmlns:p="http://schemas.openxmlformats.org/presentationml/2006/main">
-  <p:cSld>
-    <p:spTree>
-      <p:nvGrpSpPr>
-        <p:cNvPr id="1" name=""/>
-        <p:cNvGrpSpPr/>
-        <p:nvPr/>
-      </p:nvGrpSpPr>
-      <p:grpSpPr>
-        <a:xfrm>
-          <a:off x="0" y="0"/>
-          <a:ext cx="0" cy="0"/>
-          <a:chOff x="0" y="0"/>
-          <a:chExt cx="0" cy="0"/>
-        </a:xfrm>
-      </p:grpSpPr>
-      <p:sp>
-        <p:nvSpPr>
-          <p:cNvPr id="2" name="Espace réservé de l'image des diapositives 1"/>
-          <p:cNvSpPr>
-            <a:spLocks noGrp="1" noRot="1" noChangeAspect="1"/>
-          </p:cNvSpPr>
-          <p:nvPr>
-            <p:ph type="sldImg"/>
-          </p:nvPr>
-        </p:nvSpPr>
-        <p:spPr/>
-      </p:sp>
-      <p:sp>
-        <p:nvSpPr>
-          <p:cNvPr id="3" name="Espace réservé des commentaires 2"/>
-          <p:cNvSpPr>
-            <a:spLocks noGrp="1"/>
-          </p:cNvSpPr>
-          <p:nvPr>
-            <p:ph type="body" idx="1"/>
-          </p:nvPr>
-        </p:nvSpPr>
-        <p:spPr/>
-        <p:txBody>
-          <a:bodyPr/>
-          <a:lstStyle/>
-          <a:p>
-            <a:endParaRPr lang="fr-FR"/>
-          </a:p>
-        </p:txBody>
-      </p:sp>
-      <p:sp>
-        <p:nvSpPr>
-          <p:cNvPr id="4" name="Espace réservé du numéro de diapositive 3"/>
-          <p:cNvSpPr>
-            <a:spLocks noGrp="1"/>
-          </p:cNvSpPr>
-          <p:nvPr>
-            <p:ph type="sldNum" sz="quarter" idx="10"/>
-          </p:nvPr>
-        </p:nvSpPr>
-        <p:spPr/>
-        <p:txBody>
-          <a:bodyPr/>
-          <a:lstStyle/>
-          <a:p>
-            <a:fld id="{1C3EBECF-9DF5-40DE-8667-B5C5A844BEEF}" type="slidenum">
-              <a:rPr lang="fr-FR" smtClean="0"/>
-              <a:t>5</a:t>
-            </a:fld>
-            <a:endParaRPr lang="fr-FR"/>
-          </a:p>
-        </p:txBody>
-      </p:sp>
-    </p:spTree>
-    <p:extLst>
-      <p:ext uri="{BB962C8B-B14F-4D97-AF65-F5344CB8AC3E}">
-        <p14:creationId xmlns:p14="http://schemas.microsoft.com/office/powerpoint/2010/main" val="2842114535"/>
       </p:ext>
     </p:extLst>
   </p:cSld>
@@ -4737,17 +4651,7 @@
                   </a:schemeClr>
                 </a:solidFill>
               </a:rPr>
-              <a:t>Spécialité: développement sur </a:t>
-            </a:r>
-            <a:r>
-              <a:rPr lang="fr-FR" dirty="0" smtClean="0">
-                <a:solidFill>
-                  <a:schemeClr val="accent3">
-                    <a:lumMod val="50000"/>
-                  </a:schemeClr>
-                </a:solidFill>
-              </a:rPr>
-              <a:t>internet</a:t>
+              <a:t>Spécialité: développement sur internet</a:t>
             </a:r>
             <a:endParaRPr lang="fr-FR" dirty="0">
               <a:solidFill>
@@ -5050,129 +4954,13 @@
           <a:chExt cx="0" cy="0"/>
         </a:xfrm>
       </p:grpSpPr>
-      <p:sp>
-        <p:nvSpPr>
-          <p:cNvPr id="2" name="Titre 1"/>
-          <p:cNvSpPr>
-            <a:spLocks noGrp="1"/>
-          </p:cNvSpPr>
-          <p:nvPr>
-            <p:ph type="title"/>
-          </p:nvPr>
-        </p:nvSpPr>
-        <p:spPr/>
-        <p:txBody>
-          <a:bodyPr/>
-          <a:lstStyle/>
-          <a:p>
-            <a:r>
-              <a:rPr lang="fr-FR" dirty="0" smtClean="0"/>
-              <a:t>Modèle Physique Des données</a:t>
-            </a:r>
-            <a:endParaRPr lang="fr-FR" dirty="0"/>
-          </a:p>
-        </p:txBody>
-      </p:sp>
       <p:pic>
         <p:nvPicPr>
-          <p:cNvPr id="4" name="Image 3" descr="C:\Users\Sakly\Documents\GitHub\lebonchoix\global\conception\mpd.PNG"/>
-          <p:cNvPicPr/>
+          <p:cNvPr id="5" name="Espace réservé du contenu 7"/>
+          <p:cNvPicPr>
+            <a:picLocks noChangeAspect="1"/>
+          </p:cNvPicPr>
           <p:nvPr/>
-        </p:nvPicPr>
-        <p:blipFill>
-          <a:blip r:embed="rId2">
-            <a:extLst>
-              <a:ext uri="{28A0092B-C50C-407E-A947-70E740481C1C}">
-                <a14:useLocalDpi xmlns:a14="http://schemas.microsoft.com/office/drawing/2010/main" val="0"/>
-              </a:ext>
-            </a:extLst>
-          </a:blip>
-          <a:srcRect/>
-          <a:stretch>
-            <a:fillRect/>
-          </a:stretch>
-        </p:blipFill>
-        <p:spPr bwMode="auto">
-          <a:xfrm>
-            <a:off x="2844426" y="1957589"/>
-            <a:ext cx="6503147" cy="4595776"/>
-          </a:xfrm>
-          <a:prstGeom prst="rect">
-            <a:avLst/>
-          </a:prstGeom>
-          <a:noFill/>
-          <a:ln>
-            <a:noFill/>
-          </a:ln>
-        </p:spPr>
-      </p:pic>
-      <p:sp>
-        <p:nvSpPr>
-          <p:cNvPr id="5" name="Rectangle 4"/>
-          <p:cNvSpPr/>
-          <p:nvPr/>
-        </p:nvSpPr>
-        <p:spPr>
-          <a:xfrm>
-            <a:off x="5092812" y="6456444"/>
-            <a:ext cx="2606098" cy="338554"/>
-          </a:xfrm>
-          <a:prstGeom prst="rect">
-            <a:avLst/>
-          </a:prstGeom>
-        </p:spPr>
-        <p:txBody>
-          <a:bodyPr wrap="none">
-            <a:spAutoFit/>
-          </a:bodyPr>
-          <a:lstStyle/>
-          <a:p>
-            <a:r>
-              <a:rPr lang="fr-FR" sz="1600" dirty="0">
-                <a:solidFill>
-                  <a:srgbClr val="000000"/>
-                </a:solidFill>
-                <a:latin typeface="Garamond" panose="02020404030301010803" pitchFamily="18" charset="0"/>
-                <a:ea typeface="Times New Roman" panose="02020603050405020304" pitchFamily="18" charset="0"/>
-                <a:cs typeface="Arial" panose="020B0604020202020204" pitchFamily="34" charset="0"/>
-              </a:rPr>
-              <a:t>Modèle </a:t>
-            </a:r>
-            <a:r>
-              <a:rPr lang="fr-FR" sz="1600" dirty="0" smtClean="0">
-                <a:solidFill>
-                  <a:srgbClr val="000000"/>
-                </a:solidFill>
-                <a:latin typeface="Garamond" panose="02020404030301010803" pitchFamily="18" charset="0"/>
-                <a:ea typeface="Times New Roman" panose="02020603050405020304" pitchFamily="18" charset="0"/>
-                <a:cs typeface="Arial" panose="020B0604020202020204" pitchFamily="34" charset="0"/>
-              </a:rPr>
-              <a:t>physique </a:t>
-            </a:r>
-            <a:r>
-              <a:rPr lang="fr-FR" sz="1600" dirty="0">
-                <a:solidFill>
-                  <a:srgbClr val="000000"/>
-                </a:solidFill>
-                <a:latin typeface="Garamond" panose="02020404030301010803" pitchFamily="18" charset="0"/>
-                <a:ea typeface="Times New Roman" panose="02020603050405020304" pitchFamily="18" charset="0"/>
-                <a:cs typeface="Arial" panose="020B0604020202020204" pitchFamily="34" charset="0"/>
-              </a:rPr>
-              <a:t>des données </a:t>
-            </a:r>
-            <a:endParaRPr lang="fr-FR" sz="1600" dirty="0"/>
-          </a:p>
-        </p:txBody>
-      </p:sp>
-      <p:pic>
-        <p:nvPicPr>
-          <p:cNvPr id="6" name="Espace réservé du contenu 7"/>
-          <p:cNvPicPr>
-            <a:picLocks noGrp="1" noChangeAspect="1"/>
-          </p:cNvPicPr>
-          <p:nvPr>
-            <p:ph idx="1"/>
-          </p:nvPr>
         </p:nvPicPr>
         <p:blipFill>
           <a:blip r:embed="rId3">
@@ -5191,11 +4979,37 @@
             <a:off x="9612936" y="4691990"/>
             <a:ext cx="2857500" cy="2143125"/>
           </a:xfrm>
+          <a:prstGeom prst="rect">
+            <a:avLst/>
+          </a:prstGeom>
         </p:spPr>
       </p:pic>
       <p:sp>
         <p:nvSpPr>
-          <p:cNvPr id="7" name="Espace réservé du numéro de diapositive 4"/>
+          <p:cNvPr id="2" name="Titre 1"/>
+          <p:cNvSpPr>
+            <a:spLocks noGrp="1"/>
+          </p:cNvSpPr>
+          <p:nvPr>
+            <p:ph type="title"/>
+          </p:nvPr>
+        </p:nvSpPr>
+        <p:spPr/>
+        <p:txBody>
+          <a:bodyPr/>
+          <a:lstStyle/>
+          <a:p>
+            <a:r>
+              <a:rPr lang="fr-FR" dirty="0" smtClean="0"/>
+              <a:t>MCT (Ajout article)</a:t>
+            </a:r>
+            <a:endParaRPr lang="fr-FR" dirty="0"/>
+          </a:p>
+        </p:txBody>
+      </p:sp>
+      <p:sp>
+        <p:nvSpPr>
+          <p:cNvPr id="6" name="Espace réservé du numéro de diapositive 4"/>
           <p:cNvSpPr>
             <a:spLocks noGrp="1"/>
           </p:cNvSpPr>
@@ -5214,7 +5028,7 @@
           <a:lstStyle/>
           <a:p>
             <a:r>
-              <a:rPr lang="fr-FR" sz="1100" b="1" dirty="0" smtClean="0">
+              <a:rPr lang="fr-FR" sz="1400" b="1" dirty="0" smtClean="0">
                 <a:solidFill>
                   <a:schemeClr val="tx1">
                     <a:lumMod val="95000"/>
@@ -5224,7 +5038,7 @@
               </a:rPr>
               <a:t>10</a:t>
             </a:r>
-            <a:endParaRPr lang="fr-FR" sz="1100" b="1" dirty="0">
+            <a:endParaRPr lang="fr-FR" sz="1400" b="1" dirty="0">
               <a:solidFill>
                 <a:schemeClr val="tx1">
                   <a:lumMod val="95000"/>
@@ -5235,10 +5049,67 @@
           </a:p>
         </p:txBody>
       </p:sp>
+      <p:graphicFrame>
+        <p:nvGraphicFramePr>
+          <p:cNvPr id="7" name="Objet 6"/>
+          <p:cNvGraphicFramePr>
+            <a:graphicFrameLocks noChangeAspect="1"/>
+          </p:cNvGraphicFramePr>
+          <p:nvPr>
+            <p:extLst>
+              <p:ext uri="{D42A27DB-BD31-4B8C-83A1-F6EECF244321}">
+                <p14:modId xmlns:p14="http://schemas.microsoft.com/office/powerpoint/2010/main" val="1495259186"/>
+              </p:ext>
+            </p:extLst>
+          </p:nvPr>
+        </p:nvGraphicFramePr>
+        <p:xfrm>
+          <a:off x="416169" y="1885388"/>
+          <a:ext cx="11452216" cy="4790049"/>
+        </p:xfrm>
+        <a:graphic>
+          <a:graphicData uri="http://schemas.openxmlformats.org/presentationml/2006/ole">
+            <mc:AlternateContent xmlns:mc="http://schemas.openxmlformats.org/markup-compatibility/2006">
+              <mc:Choice xmlns:v="urn:schemas-microsoft-com:vml" Requires="v">
+                <p:oleObj spid="_x0000_s3077" name="Visio" r:id="rId4" imgW="8439261" imgH="5114865" progId="Visio.Drawing.15">
+                  <p:embed/>
+                </p:oleObj>
+              </mc:Choice>
+              <mc:Fallback>
+                <p:oleObj name="Visio" r:id="rId4" imgW="8439261" imgH="5114865" progId="Visio.Drawing.15">
+                  <p:embed/>
+                  <p:pic>
+                    <p:nvPicPr>
+                      <p:cNvPr id="0" name=""/>
+                      <p:cNvPicPr/>
+                      <p:nvPr/>
+                    </p:nvPicPr>
+                    <p:blipFill>
+                      <a:blip r:embed="rId5"/>
+                      <a:stretch>
+                        <a:fillRect/>
+                      </a:stretch>
+                    </p:blipFill>
+                    <p:spPr>
+                      <a:xfrm>
+                        <a:off x="416169" y="1885388"/>
+                        <a:ext cx="11452216" cy="4790049"/>
+                      </a:xfrm>
+                      <a:prstGeom prst="rect">
+                        <a:avLst/>
+                      </a:prstGeom>
+                    </p:spPr>
+                  </p:pic>
+                </p:oleObj>
+              </mc:Fallback>
+            </mc:AlternateContent>
+          </a:graphicData>
+        </a:graphic>
+      </p:graphicFrame>
     </p:spTree>
     <p:extLst>
       <p:ext uri="{BB962C8B-B14F-4D97-AF65-F5344CB8AC3E}">
-        <p14:creationId xmlns:p14="http://schemas.microsoft.com/office/powerpoint/2010/main" val="3385592920"/>
+        <p14:creationId xmlns:p14="http://schemas.microsoft.com/office/powerpoint/2010/main" val="1430066582"/>
       </p:ext>
     </p:extLst>
   </p:cSld>
@@ -5272,79 +5143,13 @@
           <a:chExt cx="0" cy="0"/>
         </a:xfrm>
       </p:grpSpPr>
-      <p:sp>
-        <p:nvSpPr>
-          <p:cNvPr id="2" name="Titre 1"/>
-          <p:cNvSpPr>
-            <a:spLocks noGrp="1"/>
-          </p:cNvSpPr>
-          <p:nvPr>
-            <p:ph type="title"/>
-          </p:nvPr>
-        </p:nvSpPr>
-        <p:spPr/>
-        <p:txBody>
-          <a:bodyPr/>
-          <a:lstStyle/>
-          <a:p>
-            <a:r>
-              <a:rPr lang="fr-FR" dirty="0" smtClean="0"/>
-              <a:t>MCT (Authentification)</a:t>
-            </a:r>
-            <a:endParaRPr lang="fr-FR" dirty="0"/>
-          </a:p>
-        </p:txBody>
-      </p:sp>
-      <p:pic>
-        <p:nvPicPr>
-          <p:cNvPr id="2051" name="Picture 3"/>
-          <p:cNvPicPr>
-            <a:picLocks noChangeAspect="1" noChangeArrowheads="1"/>
-          </p:cNvPicPr>
-          <p:nvPr/>
-        </p:nvPicPr>
-        <p:blipFill>
-          <a:blip r:embed="rId2">
-            <a:extLst>
-              <a:ext uri="{28A0092B-C50C-407E-A947-70E740481C1C}">
-                <a14:useLocalDpi xmlns:a14="http://schemas.microsoft.com/office/drawing/2010/main" val="0"/>
-              </a:ext>
-            </a:extLst>
-          </a:blip>
-          <a:srcRect/>
-          <a:stretch>
-            <a:fillRect/>
-          </a:stretch>
-        </p:blipFill>
-        <p:spPr bwMode="auto">
-          <a:xfrm>
-            <a:off x="5116087" y="0"/>
-            <a:ext cx="4592638" cy="6858001"/>
-          </a:xfrm>
-          <a:prstGeom prst="rect">
-            <a:avLst/>
-          </a:prstGeom>
-          <a:noFill/>
-          <a:extLst>
-            <a:ext uri="{909E8E84-426E-40DD-AFC4-6F175D3DCCD1}">
-              <a14:hiddenFill xmlns:a14="http://schemas.microsoft.com/office/drawing/2010/main">
-                <a:solidFill>
-                  <a:srgbClr val="FFFFFF"/>
-                </a:solidFill>
-              </a14:hiddenFill>
-            </a:ext>
-          </a:extLst>
-        </p:spPr>
-      </p:pic>
       <p:pic>
         <p:nvPicPr>
           <p:cNvPr id="5" name="Espace réservé du contenu 7"/>
           <p:cNvPicPr>
-            <a:picLocks noGrp="1" noChangeAspect="1"/>
+            <a:picLocks noChangeAspect="1"/>
           </p:cNvPicPr>
-          <p:nvPr>
-            <p:ph idx="1"/>
-          </p:nvPr>
+          <p:nvPr/>
         </p:nvPicPr>
         <p:blipFill>
           <a:blip r:embed="rId3">
@@ -5363,8 +5168,34 @@
             <a:off x="9612936" y="4691990"/>
             <a:ext cx="2857500" cy="2143125"/>
           </a:xfrm>
+          <a:prstGeom prst="rect">
+            <a:avLst/>
+          </a:prstGeom>
         </p:spPr>
       </p:pic>
+      <p:sp>
+        <p:nvSpPr>
+          <p:cNvPr id="2" name="Titre 1"/>
+          <p:cNvSpPr>
+            <a:spLocks noGrp="1"/>
+          </p:cNvSpPr>
+          <p:nvPr>
+            <p:ph type="title"/>
+          </p:nvPr>
+        </p:nvSpPr>
+        <p:spPr/>
+        <p:txBody>
+          <a:bodyPr/>
+          <a:lstStyle/>
+          <a:p>
+            <a:r>
+              <a:rPr lang="fr-FR" dirty="0" smtClean="0"/>
+              <a:t>MCT (Gestion des commandes)</a:t>
+            </a:r>
+            <a:endParaRPr lang="fr-FR" dirty="0"/>
+          </a:p>
+        </p:txBody>
+      </p:sp>
       <p:sp>
         <p:nvSpPr>
           <p:cNvPr id="6" name="Espace réservé du numéro de diapositive 4"/>
@@ -5386,7 +5217,7 @@
           <a:lstStyle/>
           <a:p>
             <a:r>
-              <a:rPr lang="fr-FR" sz="1100" b="1" dirty="0" smtClean="0">
+              <a:rPr lang="fr-FR" sz="1400" b="1" dirty="0" smtClean="0">
                 <a:solidFill>
                   <a:schemeClr val="tx1">
                     <a:lumMod val="95000"/>
@@ -5396,7 +5227,7 @@
               </a:rPr>
               <a:t>11</a:t>
             </a:r>
-            <a:endParaRPr lang="fr-FR" sz="1100" b="1" dirty="0">
+            <a:endParaRPr lang="fr-FR" sz="1800" b="1" dirty="0">
               <a:solidFill>
                 <a:schemeClr val="tx1">
                   <a:lumMod val="95000"/>
@@ -5407,10 +5238,67 @@
           </a:p>
         </p:txBody>
       </p:sp>
+      <p:graphicFrame>
+        <p:nvGraphicFramePr>
+          <p:cNvPr id="7" name="Objet 6"/>
+          <p:cNvGraphicFramePr>
+            <a:graphicFrameLocks noChangeAspect="1"/>
+          </p:cNvGraphicFramePr>
+          <p:nvPr>
+            <p:extLst>
+              <p:ext uri="{D42A27DB-BD31-4B8C-83A1-F6EECF244321}">
+                <p14:modId xmlns:p14="http://schemas.microsoft.com/office/powerpoint/2010/main" val="2593327100"/>
+              </p:ext>
+            </p:extLst>
+          </p:nvPr>
+        </p:nvGraphicFramePr>
+        <p:xfrm>
+          <a:off x="581192" y="2062113"/>
+          <a:ext cx="11137196" cy="4430762"/>
+        </p:xfrm>
+        <a:graphic>
+          <a:graphicData uri="http://schemas.openxmlformats.org/presentationml/2006/ole">
+            <mc:AlternateContent xmlns:mc="http://schemas.openxmlformats.org/markup-compatibility/2006">
+              <mc:Choice xmlns:v="urn:schemas-microsoft-com:vml" Requires="v">
+                <p:oleObj spid="_x0000_s4100" name="Visio" r:id="rId4" imgW="9715502" imgH="5295820" progId="Visio.Drawing.15">
+                  <p:embed/>
+                </p:oleObj>
+              </mc:Choice>
+              <mc:Fallback>
+                <p:oleObj name="Visio" r:id="rId4" imgW="9715502" imgH="5295820" progId="Visio.Drawing.15">
+                  <p:embed/>
+                  <p:pic>
+                    <p:nvPicPr>
+                      <p:cNvPr id="0" name=""/>
+                      <p:cNvPicPr/>
+                      <p:nvPr/>
+                    </p:nvPicPr>
+                    <p:blipFill>
+                      <a:blip r:embed="rId5"/>
+                      <a:stretch>
+                        <a:fillRect/>
+                      </a:stretch>
+                    </p:blipFill>
+                    <p:spPr>
+                      <a:xfrm>
+                        <a:off x="581192" y="2062113"/>
+                        <a:ext cx="11137196" cy="4430762"/>
+                      </a:xfrm>
+                      <a:prstGeom prst="rect">
+                        <a:avLst/>
+                      </a:prstGeom>
+                    </p:spPr>
+                  </p:pic>
+                </p:oleObj>
+              </mc:Fallback>
+            </mc:AlternateContent>
+          </a:graphicData>
+        </a:graphic>
+      </p:graphicFrame>
     </p:spTree>
     <p:extLst>
       <p:ext uri="{BB962C8B-B14F-4D97-AF65-F5344CB8AC3E}">
-        <p14:creationId xmlns:p14="http://schemas.microsoft.com/office/powerpoint/2010/main" val="1108787325"/>
+        <p14:creationId xmlns:p14="http://schemas.microsoft.com/office/powerpoint/2010/main" val="1263930064"/>
       </p:ext>
     </p:extLst>
   </p:cSld>
@@ -5491,7 +5379,7 @@
           <a:p>
             <a:r>
               <a:rPr lang="fr-FR" dirty="0" smtClean="0"/>
-              <a:t>MCT (Ajout article)</a:t>
+              <a:t>conclusion</a:t>
             </a:r>
             <a:endParaRPr lang="fr-FR" dirty="0"/>
           </a:p>
@@ -5507,12 +5395,83 @@
             <p:ph idx="1"/>
           </p:nvPr>
         </p:nvSpPr>
-        <p:spPr/>
-        <p:txBody>
-          <a:bodyPr/>
+        <p:spPr>
+          <a:xfrm>
+            <a:off x="581192" y="2180496"/>
+            <a:ext cx="11029615" cy="4677504"/>
+          </a:xfrm>
+        </p:spPr>
+        <p:txBody>
+          <a:bodyPr>
+            <a:normAutofit/>
+          </a:bodyPr>
           <a:lstStyle/>
           <a:p>
-            <a:endParaRPr lang="fr-FR"/>
+            <a:r>
+              <a:rPr lang="fr-FR" sz="2400" dirty="0"/>
+              <a:t>A</a:t>
+            </a:r>
+            <a:r>
+              <a:rPr lang="fr-FR" sz="2400" dirty="0" smtClean="0"/>
+              <a:t>ide </a:t>
+            </a:r>
+            <a:r>
+              <a:rPr lang="fr-FR" sz="2400" dirty="0"/>
+              <a:t>le client à savoir et chercher des articles (bijoux</a:t>
+            </a:r>
+            <a:r>
+              <a:rPr lang="fr-FR" sz="2400" dirty="0" smtClean="0"/>
+              <a:t>). </a:t>
+            </a:r>
+            <a:endParaRPr lang="fr-FR" sz="2400" dirty="0"/>
+          </a:p>
+          <a:p>
+            <a:r>
+              <a:rPr lang="fr-FR" sz="2400" dirty="0" smtClean="0"/>
+              <a:t>Couvrir </a:t>
+            </a:r>
+            <a:r>
+              <a:rPr lang="fr-FR" sz="2400" dirty="0"/>
+              <a:t>la présentation des services en promotion à la page d’accueil et leur </a:t>
+            </a:r>
+            <a:r>
+              <a:rPr lang="fr-FR" sz="2400" dirty="0" smtClean="0"/>
+              <a:t>recherche.</a:t>
+            </a:r>
+            <a:endParaRPr lang="fr-FR" sz="2400" dirty="0"/>
+          </a:p>
+          <a:p>
+            <a:r>
+              <a:rPr lang="fr-FR" sz="2400" dirty="0" smtClean="0"/>
+              <a:t>Interface </a:t>
+            </a:r>
+            <a:r>
+              <a:rPr lang="fr-FR" sz="2400" dirty="0"/>
+              <a:t>directe entre un internaute visiteur et le propriétaire de la </a:t>
+            </a:r>
+            <a:r>
+              <a:rPr lang="fr-FR" sz="2400" dirty="0" smtClean="0"/>
+              <a:t>bijouterie.</a:t>
+            </a:r>
+          </a:p>
+          <a:p>
+            <a:r>
+              <a:rPr lang="fr-FR" sz="2400" dirty="0" smtClean="0"/>
+              <a:t>L’internaute </a:t>
+            </a:r>
+            <a:r>
+              <a:rPr lang="fr-FR" sz="2400" dirty="0"/>
+              <a:t>ou le client peut envoi des messages au propriétaire, ainsi l’administrateur lui répond le plus vite possible.</a:t>
+            </a:r>
+          </a:p>
+          <a:p>
+            <a:r>
+              <a:rPr lang="fr-FR" sz="2400" dirty="0"/>
+              <a:t>L’internaute ou le client peut aussi recevoir les newsletters du site après avoir inscrit.</a:t>
+            </a:r>
+          </a:p>
+          <a:p>
+            <a:endParaRPr lang="fr-FR" sz="2400" dirty="0"/>
           </a:p>
         </p:txBody>
       </p:sp>
@@ -5537,7 +5496,7 @@
           <a:lstStyle/>
           <a:p>
             <a:r>
-              <a:rPr lang="fr-FR" sz="1100" b="1" dirty="0" smtClean="0">
+              <a:rPr lang="fr-FR" sz="1400" b="1" dirty="0" smtClean="0">
                 <a:solidFill>
                   <a:schemeClr val="tx1">
                     <a:lumMod val="95000"/>
@@ -5546,379 +5505,6 @@
                 </a:solidFill>
               </a:rPr>
               <a:t>12</a:t>
-            </a:r>
-            <a:endParaRPr lang="fr-FR" sz="1100" b="1" dirty="0">
-              <a:solidFill>
-                <a:schemeClr val="tx1">
-                  <a:lumMod val="95000"/>
-                  <a:lumOff val="5000"/>
-                </a:schemeClr>
-              </a:solidFill>
-            </a:endParaRPr>
-          </a:p>
-        </p:txBody>
-      </p:sp>
-    </p:spTree>
-    <p:extLst>
-      <p:ext uri="{BB962C8B-B14F-4D97-AF65-F5344CB8AC3E}">
-        <p14:creationId xmlns:p14="http://schemas.microsoft.com/office/powerpoint/2010/main" val="1430066582"/>
-      </p:ext>
-    </p:extLst>
-  </p:cSld>
-  <p:clrMapOvr>
-    <a:masterClrMapping/>
-  </p:clrMapOvr>
-  <p:timing>
-    <p:tnLst>
-      <p:par>
-        <p:cTn id="1" dur="indefinite" restart="never" nodeType="tmRoot"/>
-      </p:par>
-    </p:tnLst>
-  </p:timing>
-</p:sld>
-</file>
-
-<file path=ppt/slides/slide13.xml><?xml version="1.0" encoding="utf-8"?>
-<p:sld xmlns:a="http://schemas.openxmlformats.org/drawingml/2006/main" xmlns:r="http://schemas.openxmlformats.org/officeDocument/2006/relationships" xmlns:p="http://schemas.openxmlformats.org/presentationml/2006/main">
-  <p:cSld>
-    <p:spTree>
-      <p:nvGrpSpPr>
-        <p:cNvPr id="1" name=""/>
-        <p:cNvGrpSpPr/>
-        <p:nvPr/>
-      </p:nvGrpSpPr>
-      <p:grpSpPr>
-        <a:xfrm>
-          <a:off x="0" y="0"/>
-          <a:ext cx="0" cy="0"/>
-          <a:chOff x="0" y="0"/>
-          <a:chExt cx="0" cy="0"/>
-        </a:xfrm>
-      </p:grpSpPr>
-      <p:pic>
-        <p:nvPicPr>
-          <p:cNvPr id="5" name="Espace réservé du contenu 7"/>
-          <p:cNvPicPr>
-            <a:picLocks noChangeAspect="1"/>
-          </p:cNvPicPr>
-          <p:nvPr/>
-        </p:nvPicPr>
-        <p:blipFill>
-          <a:blip r:embed="rId2">
-            <a:extLst>
-              <a:ext uri="{28A0092B-C50C-407E-A947-70E740481C1C}">
-                <a14:useLocalDpi xmlns:a14="http://schemas.microsoft.com/office/drawing/2010/main" val="0"/>
-              </a:ext>
-            </a:extLst>
-          </a:blip>
-          <a:stretch>
-            <a:fillRect/>
-          </a:stretch>
-        </p:blipFill>
-        <p:spPr>
-          <a:xfrm rot="19315184">
-            <a:off x="9612936" y="4691990"/>
-            <a:ext cx="2857500" cy="2143125"/>
-          </a:xfrm>
-          <a:prstGeom prst="rect">
-            <a:avLst/>
-          </a:prstGeom>
-        </p:spPr>
-      </p:pic>
-      <p:sp>
-        <p:nvSpPr>
-          <p:cNvPr id="2" name="Titre 1"/>
-          <p:cNvSpPr>
-            <a:spLocks noGrp="1"/>
-          </p:cNvSpPr>
-          <p:nvPr>
-            <p:ph type="title"/>
-          </p:nvPr>
-        </p:nvSpPr>
-        <p:spPr/>
-        <p:txBody>
-          <a:bodyPr/>
-          <a:lstStyle/>
-          <a:p>
-            <a:r>
-              <a:rPr lang="fr-FR" dirty="0" smtClean="0"/>
-              <a:t>MCT (Gestion des commandes)</a:t>
-            </a:r>
-            <a:endParaRPr lang="fr-FR" dirty="0"/>
-          </a:p>
-        </p:txBody>
-      </p:sp>
-      <p:sp>
-        <p:nvSpPr>
-          <p:cNvPr id="3" name="Espace réservé du contenu 2"/>
-          <p:cNvSpPr>
-            <a:spLocks noGrp="1"/>
-          </p:cNvSpPr>
-          <p:nvPr>
-            <p:ph idx="1"/>
-          </p:nvPr>
-        </p:nvSpPr>
-        <p:spPr/>
-        <p:txBody>
-          <a:bodyPr/>
-          <a:lstStyle/>
-          <a:p>
-            <a:endParaRPr lang="fr-FR"/>
-          </a:p>
-        </p:txBody>
-      </p:sp>
-      <p:sp>
-        <p:nvSpPr>
-          <p:cNvPr id="6" name="Espace réservé du numéro de diapositive 4"/>
-          <p:cNvSpPr>
-            <a:spLocks noGrp="1"/>
-          </p:cNvSpPr>
-          <p:nvPr>
-            <p:ph type="sldNum" sz="quarter" idx="12"/>
-          </p:nvPr>
-        </p:nvSpPr>
-        <p:spPr>
-          <a:xfrm>
-            <a:off x="10815877" y="6492875"/>
-            <a:ext cx="1052508" cy="365125"/>
-          </a:xfrm>
-        </p:spPr>
-        <p:txBody>
-          <a:bodyPr/>
-          <a:lstStyle/>
-          <a:p>
-            <a:r>
-              <a:rPr lang="fr-FR" sz="1100" b="1" dirty="0" smtClean="0">
-                <a:solidFill>
-                  <a:schemeClr val="tx1">
-                    <a:lumMod val="95000"/>
-                    <a:lumOff val="5000"/>
-                  </a:schemeClr>
-                </a:solidFill>
-              </a:rPr>
-              <a:t>13</a:t>
-            </a:r>
-            <a:endParaRPr lang="fr-FR" sz="1100" b="1" dirty="0">
-              <a:solidFill>
-                <a:schemeClr val="tx1">
-                  <a:lumMod val="95000"/>
-                  <a:lumOff val="5000"/>
-                </a:schemeClr>
-              </a:solidFill>
-            </a:endParaRPr>
-          </a:p>
-        </p:txBody>
-      </p:sp>
-    </p:spTree>
-    <p:extLst>
-      <p:ext uri="{BB962C8B-B14F-4D97-AF65-F5344CB8AC3E}">
-        <p14:creationId xmlns:p14="http://schemas.microsoft.com/office/powerpoint/2010/main" val="1263930064"/>
-      </p:ext>
-    </p:extLst>
-  </p:cSld>
-  <p:clrMapOvr>
-    <a:masterClrMapping/>
-  </p:clrMapOvr>
-  <p:timing>
-    <p:tnLst>
-      <p:par>
-        <p:cTn id="1" dur="indefinite" restart="never" nodeType="tmRoot"/>
-      </p:par>
-    </p:tnLst>
-  </p:timing>
-</p:sld>
-</file>
-
-<file path=ppt/slides/slide14.xml><?xml version="1.0" encoding="utf-8"?>
-<p:sld xmlns:a="http://schemas.openxmlformats.org/drawingml/2006/main" xmlns:r="http://schemas.openxmlformats.org/officeDocument/2006/relationships" xmlns:p="http://schemas.openxmlformats.org/presentationml/2006/main">
-  <p:cSld>
-    <p:spTree>
-      <p:nvGrpSpPr>
-        <p:cNvPr id="1" name=""/>
-        <p:cNvGrpSpPr/>
-        <p:nvPr/>
-      </p:nvGrpSpPr>
-      <p:grpSpPr>
-        <a:xfrm>
-          <a:off x="0" y="0"/>
-          <a:ext cx="0" cy="0"/>
-          <a:chOff x="0" y="0"/>
-          <a:chExt cx="0" cy="0"/>
-        </a:xfrm>
-      </p:grpSpPr>
-      <p:pic>
-        <p:nvPicPr>
-          <p:cNvPr id="5" name="Espace réservé du contenu 7"/>
-          <p:cNvPicPr>
-            <a:picLocks noChangeAspect="1"/>
-          </p:cNvPicPr>
-          <p:nvPr/>
-        </p:nvPicPr>
-        <p:blipFill>
-          <a:blip r:embed="rId2">
-            <a:extLst>
-              <a:ext uri="{28A0092B-C50C-407E-A947-70E740481C1C}">
-                <a14:useLocalDpi xmlns:a14="http://schemas.microsoft.com/office/drawing/2010/main" val="0"/>
-              </a:ext>
-            </a:extLst>
-          </a:blip>
-          <a:stretch>
-            <a:fillRect/>
-          </a:stretch>
-        </p:blipFill>
-        <p:spPr>
-          <a:xfrm rot="19315184">
-            <a:off x="9612936" y="4691990"/>
-            <a:ext cx="2857500" cy="2143125"/>
-          </a:xfrm>
-          <a:prstGeom prst="rect">
-            <a:avLst/>
-          </a:prstGeom>
-        </p:spPr>
-      </p:pic>
-      <p:sp>
-        <p:nvSpPr>
-          <p:cNvPr id="2" name="Titre 1"/>
-          <p:cNvSpPr>
-            <a:spLocks noGrp="1"/>
-          </p:cNvSpPr>
-          <p:nvPr>
-            <p:ph type="title"/>
-          </p:nvPr>
-        </p:nvSpPr>
-        <p:spPr/>
-        <p:txBody>
-          <a:bodyPr/>
-          <a:lstStyle/>
-          <a:p>
-            <a:r>
-              <a:rPr lang="fr-FR" dirty="0" smtClean="0"/>
-              <a:t>conclusion</a:t>
-            </a:r>
-            <a:endParaRPr lang="fr-FR" dirty="0"/>
-          </a:p>
-        </p:txBody>
-      </p:sp>
-      <p:sp>
-        <p:nvSpPr>
-          <p:cNvPr id="3" name="Espace réservé du contenu 2"/>
-          <p:cNvSpPr>
-            <a:spLocks noGrp="1"/>
-          </p:cNvSpPr>
-          <p:nvPr>
-            <p:ph idx="1"/>
-          </p:nvPr>
-        </p:nvSpPr>
-        <p:spPr>
-          <a:xfrm>
-            <a:off x="581192" y="2180496"/>
-            <a:ext cx="11029615" cy="4677504"/>
-          </a:xfrm>
-        </p:spPr>
-        <p:txBody>
-          <a:bodyPr>
-            <a:normAutofit/>
-          </a:bodyPr>
-          <a:lstStyle/>
-          <a:p>
-            <a:r>
-              <a:rPr lang="fr-FR" sz="2400" dirty="0"/>
-              <a:t>A</a:t>
-            </a:r>
-            <a:r>
-              <a:rPr lang="fr-FR" sz="2400" dirty="0" smtClean="0"/>
-              <a:t>ide </a:t>
-            </a:r>
-            <a:r>
-              <a:rPr lang="fr-FR" sz="2400" dirty="0"/>
-              <a:t>le client à savoir et chercher des articles (bijoux</a:t>
-            </a:r>
-            <a:r>
-              <a:rPr lang="fr-FR" sz="2400" dirty="0" smtClean="0"/>
-              <a:t>). </a:t>
-            </a:r>
-            <a:endParaRPr lang="fr-FR" sz="2400" dirty="0"/>
-          </a:p>
-          <a:p>
-            <a:r>
-              <a:rPr lang="fr-FR" sz="2400" dirty="0" smtClean="0"/>
-              <a:t>Couvrir </a:t>
-            </a:r>
-            <a:r>
-              <a:rPr lang="fr-FR" sz="2400" dirty="0"/>
-              <a:t>la présentation des services en promotion à la page d’accueil et leur </a:t>
-            </a:r>
-            <a:r>
-              <a:rPr lang="fr-FR" sz="2400" dirty="0" smtClean="0"/>
-              <a:t>recherche.</a:t>
-            </a:r>
-            <a:endParaRPr lang="fr-FR" sz="2400" dirty="0"/>
-          </a:p>
-          <a:p>
-            <a:r>
-              <a:rPr lang="fr-FR" sz="2400" dirty="0" smtClean="0"/>
-              <a:t>Interface </a:t>
-            </a:r>
-            <a:r>
-              <a:rPr lang="fr-FR" sz="2400" dirty="0"/>
-              <a:t>directe entre un internaute visiteur et le propriétaire de la </a:t>
-            </a:r>
-            <a:r>
-              <a:rPr lang="fr-FR" sz="2400" dirty="0" smtClean="0"/>
-              <a:t>bijouterie.</a:t>
-            </a:r>
-          </a:p>
-          <a:p>
-            <a:r>
-              <a:rPr lang="fr-FR" sz="2400" dirty="0" smtClean="0"/>
-              <a:t>L’internaute </a:t>
-            </a:r>
-            <a:r>
-              <a:rPr lang="fr-FR" sz="2400" dirty="0"/>
-              <a:t>ou le client peut envoi des messages au propriétaire, ainsi l’administrateur lui répond le plus vite possible.</a:t>
-            </a:r>
-          </a:p>
-          <a:p>
-            <a:r>
-              <a:rPr lang="fr-FR" sz="2400" dirty="0"/>
-              <a:t>L’internaute ou le client peut aussi recevoir les newsletters du site après avoir inscrit.</a:t>
-            </a:r>
-          </a:p>
-          <a:p>
-            <a:endParaRPr lang="fr-FR" sz="2400" dirty="0"/>
-          </a:p>
-        </p:txBody>
-      </p:sp>
-      <p:sp>
-        <p:nvSpPr>
-          <p:cNvPr id="6" name="Espace réservé du numéro de diapositive 4"/>
-          <p:cNvSpPr>
-            <a:spLocks noGrp="1"/>
-          </p:cNvSpPr>
-          <p:nvPr>
-            <p:ph type="sldNum" sz="quarter" idx="12"/>
-          </p:nvPr>
-        </p:nvSpPr>
-        <p:spPr>
-          <a:xfrm>
-            <a:off x="10815877" y="6492875"/>
-            <a:ext cx="1052508" cy="365125"/>
-          </a:xfrm>
-        </p:spPr>
-        <p:txBody>
-          <a:bodyPr/>
-          <a:lstStyle/>
-          <a:p>
-            <a:r>
-              <a:rPr lang="fr-FR" sz="1100" b="1" dirty="0" smtClean="0">
-                <a:solidFill>
-                  <a:schemeClr val="tx1">
-                    <a:lumMod val="95000"/>
-                    <a:lumOff val="5000"/>
-                  </a:schemeClr>
-                </a:solidFill>
-              </a:rPr>
-              <a:t>14</a:t>
             </a:r>
             <a:endParaRPr lang="fr-FR" sz="1100" b="1" dirty="0">
               <a:solidFill>
@@ -5951,7 +5537,7 @@
 </p:sld>
 </file>
 
-<file path=ppt/slides/slide15.xml><?xml version="1.0" encoding="utf-8"?>
+<file path=ppt/slides/slide13.xml><?xml version="1.0" encoding="utf-8"?>
 <p:sld xmlns:a="http://schemas.openxmlformats.org/drawingml/2006/main" xmlns:r="http://schemas.openxmlformats.org/officeDocument/2006/relationships" xmlns:p="http://schemas.openxmlformats.org/presentationml/2006/main">
   <p:cSld>
     <p:spTree>
@@ -6125,7 +5711,7 @@
         </p:blipFill>
         <p:spPr>
           <a:xfrm rot="1072505">
-            <a:off x="1645314" y="1400018"/>
+            <a:off x="5006703" y="1400018"/>
             <a:ext cx="7997129" cy="5857273"/>
           </a:xfrm>
         </p:spPr>
@@ -6246,7 +5832,7 @@
           </a:lstStyle>
           <a:p>
             <a:r>
-              <a:rPr lang="fr-FR" sz="1100" b="1" dirty="0">
+              <a:rPr lang="fr-FR" sz="1400" b="1" dirty="0">
                 <a:solidFill>
                   <a:schemeClr val="tx1">
                     <a:lumMod val="95000"/>
@@ -6256,6 +5842,266 @@
               </a:rPr>
               <a:t>2</a:t>
             </a:r>
+          </a:p>
+        </p:txBody>
+      </p:sp>
+      <p:sp>
+        <p:nvSpPr>
+          <p:cNvPr id="4" name="Rectangle 3"/>
+          <p:cNvSpPr/>
+          <p:nvPr/>
+        </p:nvSpPr>
+        <p:spPr>
+          <a:xfrm>
+            <a:off x="581192" y="2151122"/>
+            <a:ext cx="6096000" cy="5478423"/>
+          </a:xfrm>
+          <a:prstGeom prst="rect">
+            <a:avLst/>
+          </a:prstGeom>
+        </p:spPr>
+        <p:txBody>
+          <a:bodyPr>
+            <a:spAutoFit/>
+          </a:bodyPr>
+          <a:lstStyle/>
+          <a:p>
+            <a:pPr marL="457200" indent="-457200">
+              <a:buFont typeface="Wingdings" panose="05000000000000000000" pitchFamily="2" charset="2"/>
+              <a:buChar char="§"/>
+            </a:pPr>
+            <a:r>
+              <a:rPr lang="fr-FR" sz="2500" dirty="0" smtClean="0">
+                <a:solidFill>
+                  <a:schemeClr val="tx1">
+                    <a:lumMod val="85000"/>
+                    <a:lumOff val="15000"/>
+                  </a:schemeClr>
+                </a:solidFill>
+              </a:rPr>
+              <a:t>Introduction</a:t>
+            </a:r>
+          </a:p>
+          <a:p>
+            <a:pPr marL="457200" indent="-457200">
+              <a:buFont typeface="Wingdings" panose="05000000000000000000" pitchFamily="2" charset="2"/>
+              <a:buChar char="§"/>
+            </a:pPr>
+            <a:r>
+              <a:rPr lang="fr-FR" sz="2500" dirty="0" smtClean="0">
+                <a:solidFill>
+                  <a:schemeClr val="tx1">
+                    <a:lumMod val="85000"/>
+                    <a:lumOff val="15000"/>
+                  </a:schemeClr>
+                </a:solidFill>
+              </a:rPr>
+              <a:t>Objectifs</a:t>
+            </a:r>
+            <a:endParaRPr lang="fr-FR" sz="2500" dirty="0">
+              <a:solidFill>
+                <a:schemeClr val="tx1">
+                  <a:lumMod val="85000"/>
+                  <a:lumOff val="15000"/>
+                </a:schemeClr>
+              </a:solidFill>
+            </a:endParaRPr>
+          </a:p>
+          <a:p>
+            <a:pPr marL="457200" indent="-457200">
+              <a:buFont typeface="Wingdings" panose="05000000000000000000" pitchFamily="2" charset="2"/>
+              <a:buChar char="§"/>
+            </a:pPr>
+            <a:r>
+              <a:rPr lang="fr-FR" sz="2500" dirty="0" smtClean="0">
+                <a:solidFill>
+                  <a:schemeClr val="tx1">
+                    <a:lumMod val="85000"/>
+                    <a:lumOff val="15000"/>
+                  </a:schemeClr>
+                </a:solidFill>
+              </a:rPr>
+              <a:t>Les besoins</a:t>
+            </a:r>
+            <a:endParaRPr lang="fr-FR" sz="2500" dirty="0">
+              <a:solidFill>
+                <a:schemeClr val="tx1">
+                  <a:lumMod val="85000"/>
+                  <a:lumOff val="15000"/>
+                </a:schemeClr>
+              </a:solidFill>
+            </a:endParaRPr>
+          </a:p>
+          <a:p>
+            <a:pPr marL="457200" indent="-457200">
+              <a:buFont typeface="Wingdings" panose="05000000000000000000" pitchFamily="2" charset="2"/>
+              <a:buChar char="§"/>
+            </a:pPr>
+            <a:r>
+              <a:rPr lang="fr-FR" sz="2500" dirty="0">
+                <a:solidFill>
+                  <a:schemeClr val="tx1">
+                    <a:lumMod val="85000"/>
+                    <a:lumOff val="15000"/>
+                  </a:schemeClr>
+                </a:solidFill>
+              </a:rPr>
+              <a:t>Cas </a:t>
+            </a:r>
+            <a:r>
+              <a:rPr lang="fr-FR" sz="2500" dirty="0" smtClean="0">
+                <a:solidFill>
+                  <a:schemeClr val="tx1">
+                    <a:lumMod val="85000"/>
+                    <a:lumOff val="15000"/>
+                  </a:schemeClr>
+                </a:solidFill>
+              </a:rPr>
+              <a:t>d’utilisation</a:t>
+            </a:r>
+            <a:endParaRPr lang="fr-FR" sz="2500" dirty="0">
+              <a:solidFill>
+                <a:schemeClr val="tx1">
+                  <a:lumMod val="85000"/>
+                  <a:lumOff val="15000"/>
+                </a:schemeClr>
+              </a:solidFill>
+            </a:endParaRPr>
+          </a:p>
+          <a:p>
+            <a:pPr marL="457200" indent="-457200">
+              <a:buFont typeface="Wingdings" panose="05000000000000000000" pitchFamily="2" charset="2"/>
+              <a:buChar char="§"/>
+            </a:pPr>
+            <a:r>
+              <a:rPr lang="fr-FR" sz="2500" dirty="0">
+                <a:solidFill>
+                  <a:schemeClr val="tx1">
+                    <a:lumMod val="85000"/>
+                    <a:lumOff val="15000"/>
+                  </a:schemeClr>
+                </a:solidFill>
+              </a:rPr>
+              <a:t>Diagramme du cas d’utilisation </a:t>
+            </a:r>
+            <a:r>
+              <a:rPr lang="fr-FR" sz="2500" dirty="0" smtClean="0">
+                <a:solidFill>
+                  <a:schemeClr val="tx1">
+                    <a:lumMod val="85000"/>
+                    <a:lumOff val="15000"/>
+                  </a:schemeClr>
+                </a:solidFill>
+              </a:rPr>
+              <a:t>initial</a:t>
+            </a:r>
+            <a:endParaRPr lang="fr-FR" sz="2500" dirty="0">
+              <a:solidFill>
+                <a:schemeClr val="tx1">
+                  <a:lumMod val="85000"/>
+                  <a:lumOff val="15000"/>
+                </a:schemeClr>
+              </a:solidFill>
+            </a:endParaRPr>
+          </a:p>
+          <a:p>
+            <a:pPr marL="457200" indent="-457200">
+              <a:buFont typeface="Wingdings" panose="05000000000000000000" pitchFamily="2" charset="2"/>
+              <a:buChar char="§"/>
+            </a:pPr>
+            <a:r>
+              <a:rPr lang="fr-FR" sz="2500" dirty="0">
+                <a:solidFill>
+                  <a:schemeClr val="tx1">
+                    <a:lumMod val="85000"/>
+                    <a:lumOff val="15000"/>
+                  </a:schemeClr>
+                </a:solidFill>
+              </a:rPr>
+              <a:t>Modèle conceptuelle des </a:t>
+            </a:r>
+            <a:r>
+              <a:rPr lang="fr-FR" sz="2500" dirty="0" smtClean="0">
+                <a:solidFill>
+                  <a:schemeClr val="tx1">
+                    <a:lumMod val="85000"/>
+                    <a:lumOff val="15000"/>
+                  </a:schemeClr>
+                </a:solidFill>
+              </a:rPr>
+              <a:t>données</a:t>
+            </a:r>
+            <a:endParaRPr lang="fr-FR" sz="2500" dirty="0">
+              <a:solidFill>
+                <a:schemeClr val="tx1">
+                  <a:lumMod val="85000"/>
+                  <a:lumOff val="15000"/>
+                </a:schemeClr>
+              </a:solidFill>
+            </a:endParaRPr>
+          </a:p>
+          <a:p>
+            <a:pPr marL="457200" indent="-457200">
+              <a:buFont typeface="Wingdings" panose="05000000000000000000" pitchFamily="2" charset="2"/>
+              <a:buChar char="§"/>
+            </a:pPr>
+            <a:r>
+              <a:rPr lang="fr-FR" sz="2500" dirty="0" smtClean="0">
+                <a:solidFill>
+                  <a:schemeClr val="tx1">
+                    <a:lumMod val="85000"/>
+                    <a:lumOff val="15000"/>
+                  </a:schemeClr>
+                </a:solidFill>
+              </a:rPr>
+              <a:t>Modèles </a:t>
+            </a:r>
+            <a:r>
+              <a:rPr lang="fr-FR" sz="2500" dirty="0">
+                <a:solidFill>
+                  <a:schemeClr val="tx1">
+                    <a:lumMod val="85000"/>
+                    <a:lumOff val="15000"/>
+                  </a:schemeClr>
+                </a:solidFill>
+              </a:rPr>
+              <a:t>conceptuelle des traitements</a:t>
+            </a:r>
+          </a:p>
+          <a:p>
+            <a:pPr marL="457200" indent="-457200">
+              <a:buFont typeface="Wingdings" panose="05000000000000000000" pitchFamily="2" charset="2"/>
+              <a:buChar char="§"/>
+            </a:pPr>
+            <a:r>
+              <a:rPr lang="fr-FR" sz="2500" dirty="0">
+                <a:solidFill>
+                  <a:schemeClr val="tx1">
+                    <a:lumMod val="85000"/>
+                    <a:lumOff val="15000"/>
+                  </a:schemeClr>
+                </a:solidFill>
+              </a:rPr>
+              <a:t>Conclusion</a:t>
+            </a:r>
+          </a:p>
+          <a:p>
+            <a:endParaRPr lang="fr-FR" sz="2500" dirty="0"/>
+          </a:p>
+          <a:p>
+            <a:endParaRPr lang="fr-FR" sz="2500" dirty="0"/>
+          </a:p>
+          <a:p>
+            <a:endParaRPr lang="fr-FR" sz="2500" dirty="0"/>
+          </a:p>
+          <a:p>
+            <a:endParaRPr lang="fr-FR" sz="2500" dirty="0"/>
+          </a:p>
+          <a:p>
+            <a:endParaRPr lang="fr-FR" sz="2500" dirty="0"/>
+          </a:p>
+          <a:p>
+            <a:endParaRPr lang="fr-FR" sz="2500" dirty="0"/>
           </a:p>
         </p:txBody>
       </p:sp>
@@ -6423,7 +6269,7 @@
           <a:lstStyle/>
           <a:p>
             <a:fld id="{674B2A1A-69F3-4823-8A67-1376E6384F9F}" type="slidenum">
-              <a:rPr lang="fr-FR" sz="1100" b="1" smtClean="0">
+              <a:rPr lang="fr-FR" sz="1400" b="1" smtClean="0">
                 <a:solidFill>
                   <a:schemeClr val="tx1">
                     <a:lumMod val="95000"/>
@@ -6433,7 +6279,7 @@
               </a:rPr>
               <a:t>3</a:t>
             </a:fld>
-            <a:endParaRPr lang="fr-FR" sz="1100" b="1" dirty="0">
+            <a:endParaRPr lang="fr-FR" sz="1400" b="1" dirty="0">
               <a:solidFill>
                 <a:schemeClr val="tx1">
                   <a:lumMod val="95000"/>
@@ -6441,6 +6287,41 @@
                 </a:schemeClr>
               </a:solidFill>
             </a:endParaRPr>
+          </a:p>
+        </p:txBody>
+      </p:sp>
+      <p:sp>
+        <p:nvSpPr>
+          <p:cNvPr id="7" name="Rectangle 6"/>
+          <p:cNvSpPr/>
+          <p:nvPr/>
+        </p:nvSpPr>
+        <p:spPr>
+          <a:xfrm>
+            <a:off x="3048000" y="2967335"/>
+            <a:ext cx="6096000" cy="646331"/>
+          </a:xfrm>
+          <a:prstGeom prst="rect">
+            <a:avLst/>
+          </a:prstGeom>
+        </p:spPr>
+        <p:txBody>
+          <a:bodyPr>
+            <a:spAutoFit/>
+          </a:bodyPr>
+          <a:lstStyle/>
+          <a:p>
+            <a:r>
+              <a:rPr lang="fr-FR" dirty="0" smtClean="0"/>
+              <a:t>Présentation </a:t>
+            </a:r>
+          </a:p>
+          <a:p>
+            <a:r>
+              <a:rPr lang="fr-FR" dirty="0" err="1" smtClean="0"/>
+              <a:t>problematique</a:t>
+            </a:r>
+            <a:endParaRPr lang="fr-FR" dirty="0"/>
           </a:p>
         </p:txBody>
       </p:sp>
@@ -6528,11 +6409,7 @@
           <a:p>
             <a:r>
               <a:rPr lang="fr-FR" sz="3600" dirty="0" smtClean="0"/>
-              <a:t>D</a:t>
-            </a:r>
-            <a:r>
-              <a:rPr lang="fr-FR" sz="3600" dirty="0" smtClean="0"/>
-              <a:t>ynamique </a:t>
+              <a:t>Dynamique </a:t>
             </a:r>
           </a:p>
           <a:p>
@@ -6727,7 +6604,7 @@
           </a:lstStyle>
           <a:p>
             <a:r>
-              <a:rPr lang="fr-FR" sz="1100" b="1" dirty="0">
+              <a:rPr lang="fr-FR" sz="1400" b="1" dirty="0">
                 <a:solidFill>
                   <a:schemeClr val="tx1">
                     <a:lumMod val="95000"/>
@@ -6794,7 +6671,7 @@
           <a:p>
             <a:r>
               <a:rPr lang="fr-FR" dirty="0" smtClean="0"/>
-              <a:t>PRESENTATION </a:t>
+              <a:t>Les besoins</a:t>
             </a:r>
             <a:endParaRPr lang="fr-FR" dirty="0"/>
           </a:p>
@@ -6810,148 +6687,103 @@
             <p:ph idx="1"/>
           </p:nvPr>
         </p:nvSpPr>
-        <p:spPr/>
+        <p:spPr>
+          <a:xfrm>
+            <a:off x="581192" y="953037"/>
+            <a:ext cx="11029615" cy="5904963"/>
+          </a:xfrm>
+        </p:spPr>
         <p:txBody>
           <a:bodyPr>
-            <a:noAutofit/>
+            <a:normAutofit/>
           </a:bodyPr>
           <a:lstStyle/>
           <a:p>
             <a:r>
-              <a:rPr lang="fr-FR" sz="2400" dirty="0"/>
-              <a:t>I</a:t>
-            </a:r>
-            <a:r>
-              <a:rPr lang="fr-FR" sz="2400" dirty="0" smtClean="0"/>
-              <a:t>llustrer </a:t>
-            </a:r>
-            <a:r>
-              <a:rPr lang="fr-FR" sz="2400" dirty="0"/>
-              <a:t>une politique de bonne </a:t>
-            </a:r>
-            <a:r>
-              <a:rPr lang="fr-FR" sz="2400" dirty="0" smtClean="0"/>
-              <a:t>administration</a:t>
-            </a:r>
-          </a:p>
-          <a:p>
-            <a:r>
-              <a:rPr lang="fr-FR" sz="2400" dirty="0" smtClean="0"/>
-              <a:t>F</a:t>
-            </a:r>
-            <a:r>
-              <a:rPr lang="fr-FR" sz="2400" dirty="0" smtClean="0"/>
-              <a:t>acilitant </a:t>
-            </a:r>
-            <a:r>
-              <a:rPr lang="fr-FR" sz="2400" dirty="0"/>
-              <a:t>le fonctionnement  </a:t>
-            </a:r>
-            <a:endParaRPr lang="fr-FR" sz="2400" dirty="0" smtClean="0"/>
-          </a:p>
-          <a:p>
-            <a:r>
-              <a:rPr lang="fr-FR" sz="2400" dirty="0" smtClean="0"/>
-              <a:t>P</a:t>
-            </a:r>
-            <a:r>
-              <a:rPr lang="fr-FR" sz="2400" dirty="0" smtClean="0"/>
-              <a:t>ermettant </a:t>
-            </a:r>
-            <a:r>
-              <a:rPr lang="fr-FR" sz="2400" dirty="0"/>
-              <a:t>aux utilisateurs de bénéficier du site web avec </a:t>
-            </a:r>
-            <a:r>
-              <a:rPr lang="fr-FR" sz="2400" dirty="0" smtClean="0"/>
-              <a:t>confiance</a:t>
-            </a:r>
-            <a:r>
-              <a:rPr lang="fr-FR" sz="2400" dirty="0" smtClean="0"/>
-              <a:t>.</a:t>
-            </a:r>
-          </a:p>
-          <a:p>
-            <a:r>
-              <a:rPr lang="fr-FR" sz="2400" dirty="0" smtClean="0"/>
-              <a:t>Faciliter </a:t>
-            </a:r>
-            <a:r>
-              <a:rPr lang="fr-FR" sz="2400" dirty="0"/>
-              <a:t>les besoins clientèles </a:t>
-            </a:r>
-            <a:endParaRPr lang="fr-FR" sz="2400" dirty="0" smtClean="0"/>
-          </a:p>
-          <a:p>
-            <a:r>
-              <a:rPr lang="fr-FR" sz="2400" dirty="0"/>
+              <a:rPr lang="fr-FR" sz="3600" dirty="0" smtClean="0"/>
+              <a:t>Les besoins fonctionnels</a:t>
+            </a:r>
+          </a:p>
+          <a:p>
+            <a:pPr marL="0" lvl="0" indent="0">
+              <a:buNone/>
+            </a:pPr>
+            <a:r>
+              <a:rPr lang="fr-FR" sz="3600" dirty="0" smtClean="0"/>
+              <a:t>		</a:t>
+            </a:r>
+            <a:r>
+              <a:rPr lang="fr-FR" sz="3600" dirty="0" smtClean="0">
+                <a:solidFill>
+                  <a:schemeClr val="accent1">
+                    <a:lumMod val="60000"/>
+                    <a:lumOff val="40000"/>
+                  </a:schemeClr>
+                </a:solidFill>
+              </a:rPr>
+              <a:t>-</a:t>
+            </a:r>
+            <a:r>
+              <a:rPr lang="fr-FR" sz="3600" dirty="0"/>
               <a:t>A</a:t>
             </a:r>
             <a:r>
-              <a:rPr lang="fr-FR" sz="2400" dirty="0" smtClean="0"/>
-              <a:t>nalyser </a:t>
-            </a:r>
-            <a:r>
-              <a:rPr lang="fr-FR" sz="2400" dirty="0"/>
-              <a:t>facilement les </a:t>
-            </a:r>
-            <a:r>
-              <a:rPr lang="fr-FR" sz="2400" dirty="0" smtClean="0"/>
-              <a:t>données</a:t>
-            </a:r>
-          </a:p>
-          <a:p>
-            <a:r>
-              <a:rPr lang="fr-FR" sz="2400" dirty="0"/>
-              <a:t>L</a:t>
-            </a:r>
-            <a:r>
-              <a:rPr lang="fr-FR" sz="2400" dirty="0" smtClean="0"/>
-              <a:t>’efficacité </a:t>
-            </a:r>
-            <a:r>
-              <a:rPr lang="fr-FR" sz="2400" dirty="0"/>
-              <a:t>et rentabilité des réseaux  de vente.</a:t>
-            </a:r>
-          </a:p>
-          <a:p>
-            <a:endParaRPr lang="fr-FR" sz="2400" dirty="0"/>
-          </a:p>
-        </p:txBody>
-      </p:sp>
-      <p:sp>
-        <p:nvSpPr>
-          <p:cNvPr id="5" name="Espace réservé du numéro de diapositive 4"/>
-          <p:cNvSpPr>
-            <a:spLocks noGrp="1"/>
-          </p:cNvSpPr>
-          <p:nvPr>
-            <p:ph type="sldNum" sz="quarter" idx="12"/>
-          </p:nvPr>
-        </p:nvSpPr>
-        <p:spPr/>
-        <p:txBody>
-          <a:bodyPr/>
-          <a:lstStyle/>
-          <a:p>
-            <a:fld id="{674B2A1A-69F3-4823-8A67-1376E6384F9F}" type="slidenum">
-              <a:rPr lang="fr-FR" smtClean="0"/>
-              <a:t>5</a:t>
-            </a:fld>
-            <a:endParaRPr lang="fr-FR"/>
+              <a:rPr lang="fr-FR" sz="3600" dirty="0" smtClean="0"/>
+              <a:t>dministration</a:t>
+            </a:r>
+            <a:r>
+              <a:rPr lang="fr-FR" sz="3600" dirty="0"/>
+              <a:t> </a:t>
+            </a:r>
+            <a:endParaRPr lang="fr-FR" sz="3600" dirty="0" smtClean="0"/>
+          </a:p>
+          <a:p>
+            <a:pPr marL="0" lvl="0" indent="0">
+              <a:buNone/>
+            </a:pPr>
+            <a:r>
+              <a:rPr lang="fr-FR" sz="3600" dirty="0" smtClean="0"/>
+              <a:t>		</a:t>
+            </a:r>
+            <a:r>
+              <a:rPr lang="fr-FR" sz="3600" dirty="0" smtClean="0">
+                <a:solidFill>
+                  <a:schemeClr val="accent1">
+                    <a:lumMod val="60000"/>
+                    <a:lumOff val="40000"/>
+                  </a:schemeClr>
+                </a:solidFill>
+              </a:rPr>
+              <a:t>-</a:t>
+            </a:r>
+            <a:r>
+              <a:rPr lang="fr-FR" sz="3600" dirty="0" smtClean="0"/>
+              <a:t>Clientèle</a:t>
+            </a:r>
+            <a:endParaRPr lang="fr-FR" sz="3600" dirty="0" smtClean="0"/>
+          </a:p>
+          <a:p>
+            <a:r>
+              <a:rPr lang="fr-FR" sz="3600" dirty="0" smtClean="0"/>
+              <a:t>Les besoins non fonctionnels</a:t>
+            </a:r>
+            <a:r>
+              <a:rPr lang="fr-FR" sz="2800" dirty="0"/>
+              <a:t> </a:t>
+            </a:r>
           </a:p>
         </p:txBody>
       </p:sp>
       <p:pic>
         <p:nvPicPr>
-          <p:cNvPr id="6" name="Espace réservé du contenu 7"/>
+          <p:cNvPr id="5" name="Espace réservé du contenu 7"/>
           <p:cNvPicPr>
             <a:picLocks noChangeAspect="1"/>
           </p:cNvPicPr>
           <p:nvPr/>
         </p:nvPicPr>
         <p:blipFill>
-          <a:blip r:embed="rId3">
+          <a:blip r:embed="rId2">
             <a:extLst>
               <a:ext uri="{28A0092B-C50C-407E-A947-70E740481C1C}">
                 <a14:useLocalDpi xmlns:a14="http://schemas.microsoft.com/office/drawing/2010/main" val="0"/>
@@ -6974,121 +6806,26 @@
       </p:pic>
       <p:sp>
         <p:nvSpPr>
-          <p:cNvPr id="7" name="Espace réservé du numéro de diapositive 4"/>
-          <p:cNvSpPr txBox="1">
-            <a:spLocks/>
-          </p:cNvSpPr>
-          <p:nvPr/>
+          <p:cNvPr id="6" name="Espace réservé du numéro de diapositive 4"/>
+          <p:cNvSpPr>
+            <a:spLocks noGrp="1"/>
+          </p:cNvSpPr>
+          <p:nvPr>
+            <p:ph type="sldNum" sz="quarter" idx="12"/>
+          </p:nvPr>
         </p:nvSpPr>
         <p:spPr>
           <a:xfrm>
             <a:off x="10815877" y="6492875"/>
             <a:ext cx="1052508" cy="365125"/>
           </a:xfrm>
-          <a:prstGeom prst="rect">
-            <a:avLst/>
-          </a:prstGeom>
-        </p:spPr>
-        <p:txBody>
-          <a:bodyPr vert="horz" lIns="91440" tIns="45720" rIns="91440" bIns="45720" rtlCol="0" anchor="ctr"/>
-          <a:lstStyle>
-            <a:defPPr>
-              <a:defRPr lang="fr-FR"/>
-            </a:defPPr>
-            <a:lvl1pPr marL="0" algn="r" defTabSz="914400" rtl="0" eaLnBrk="1" latinLnBrk="0" hangingPunct="1">
-              <a:defRPr sz="900" kern="1200">
-                <a:solidFill>
-                  <a:schemeClr val="accent2"/>
-                </a:solidFill>
-                <a:latin typeface="+mn-lt"/>
-                <a:ea typeface="+mn-ea"/>
-                <a:cs typeface="+mn-cs"/>
-              </a:defRPr>
-            </a:lvl1pPr>
-            <a:lvl2pPr marL="457200" algn="l" defTabSz="914400" rtl="0" eaLnBrk="1" latinLnBrk="0" hangingPunct="1">
-              <a:defRPr sz="1800" kern="1200">
-                <a:solidFill>
-                  <a:schemeClr val="tx1"/>
-                </a:solidFill>
-                <a:latin typeface="+mn-lt"/>
-                <a:ea typeface="+mn-ea"/>
-                <a:cs typeface="+mn-cs"/>
-              </a:defRPr>
-            </a:lvl2pPr>
-            <a:lvl3pPr marL="914400" algn="l" defTabSz="914400" rtl="0" eaLnBrk="1" latinLnBrk="0" hangingPunct="1">
-              <a:defRPr sz="1800" kern="1200">
-                <a:solidFill>
-                  <a:schemeClr val="tx1"/>
-                </a:solidFill>
-                <a:latin typeface="+mn-lt"/>
-                <a:ea typeface="+mn-ea"/>
-                <a:cs typeface="+mn-cs"/>
-              </a:defRPr>
-            </a:lvl3pPr>
-            <a:lvl4pPr marL="1371600" algn="l" defTabSz="914400" rtl="0" eaLnBrk="1" latinLnBrk="0" hangingPunct="1">
-              <a:defRPr sz="1800" kern="1200">
-                <a:solidFill>
-                  <a:schemeClr val="tx1"/>
-                </a:solidFill>
-                <a:latin typeface="+mn-lt"/>
-                <a:ea typeface="+mn-ea"/>
-                <a:cs typeface="+mn-cs"/>
-              </a:defRPr>
-            </a:lvl4pPr>
-            <a:lvl5pPr marL="1828800" algn="l" defTabSz="914400" rtl="0" eaLnBrk="1" latinLnBrk="0" hangingPunct="1">
-              <a:defRPr sz="1800" kern="1200">
-                <a:solidFill>
-                  <a:schemeClr val="tx1"/>
-                </a:solidFill>
-                <a:latin typeface="+mn-lt"/>
-                <a:ea typeface="+mn-ea"/>
-                <a:cs typeface="+mn-cs"/>
-              </a:defRPr>
-            </a:lvl5pPr>
-            <a:lvl6pPr marL="2286000" algn="l" defTabSz="914400" rtl="0" eaLnBrk="1" latinLnBrk="0" hangingPunct="1">
-              <a:defRPr sz="1800" kern="1200">
-                <a:solidFill>
-                  <a:schemeClr val="tx1"/>
-                </a:solidFill>
-                <a:latin typeface="+mn-lt"/>
-                <a:ea typeface="+mn-ea"/>
-                <a:cs typeface="+mn-cs"/>
-              </a:defRPr>
-            </a:lvl6pPr>
-            <a:lvl7pPr marL="2743200" algn="l" defTabSz="914400" rtl="0" eaLnBrk="1" latinLnBrk="0" hangingPunct="1">
-              <a:defRPr sz="1800" kern="1200">
-                <a:solidFill>
-                  <a:schemeClr val="tx1"/>
-                </a:solidFill>
-                <a:latin typeface="+mn-lt"/>
-                <a:ea typeface="+mn-ea"/>
-                <a:cs typeface="+mn-cs"/>
-              </a:defRPr>
-            </a:lvl7pPr>
-            <a:lvl8pPr marL="3200400" algn="l" defTabSz="914400" rtl="0" eaLnBrk="1" latinLnBrk="0" hangingPunct="1">
-              <a:defRPr sz="1800" kern="1200">
-                <a:solidFill>
-                  <a:schemeClr val="tx1"/>
-                </a:solidFill>
-                <a:latin typeface="+mn-lt"/>
-                <a:ea typeface="+mn-ea"/>
-                <a:cs typeface="+mn-cs"/>
-              </a:defRPr>
-            </a:lvl8pPr>
-            <a:lvl9pPr marL="3657600" algn="l" defTabSz="914400" rtl="0" eaLnBrk="1" latinLnBrk="0" hangingPunct="1">
-              <a:defRPr sz="1800" kern="1200">
-                <a:solidFill>
-                  <a:schemeClr val="tx1"/>
-                </a:solidFill>
-                <a:latin typeface="+mn-lt"/>
-                <a:ea typeface="+mn-ea"/>
-                <a:cs typeface="+mn-cs"/>
-              </a:defRPr>
-            </a:lvl9pPr>
-          </a:lstStyle>
-          <a:p>
-            <a:r>
-              <a:rPr lang="fr-FR" sz="1100" b="1" dirty="0">
+        </p:spPr>
+        <p:txBody>
+          <a:bodyPr/>
+          <a:lstStyle/>
+          <a:p>
+            <a:r>
+              <a:rPr lang="fr-FR" sz="1400" b="1" dirty="0" smtClean="0">
                 <a:solidFill>
                   <a:schemeClr val="tx1">
                     <a:lumMod val="95000"/>
@@ -7098,13 +6835,21 @@
               </a:rPr>
               <a:t>5</a:t>
             </a:r>
+            <a:endParaRPr lang="fr-FR" sz="1400" b="1" dirty="0">
+              <a:solidFill>
+                <a:schemeClr val="tx1">
+                  <a:lumMod val="95000"/>
+                  <a:lumOff val="5000"/>
+                </a:schemeClr>
+              </a:solidFill>
+            </a:endParaRPr>
           </a:p>
         </p:txBody>
       </p:sp>
     </p:spTree>
     <p:extLst>
       <p:ext uri="{BB962C8B-B14F-4D97-AF65-F5344CB8AC3E}">
-        <p14:creationId xmlns:p14="http://schemas.microsoft.com/office/powerpoint/2010/main" val="3784328410"/>
+        <p14:creationId xmlns:p14="http://schemas.microsoft.com/office/powerpoint/2010/main" val="2180552636"/>
       </p:ext>
     </p:extLst>
   </p:cSld>
@@ -7155,11 +6900,7 @@
           <a:p>
             <a:r>
               <a:rPr lang="fr-FR" dirty="0" smtClean="0"/>
-              <a:t>Les </a:t>
-            </a:r>
-            <a:r>
-              <a:rPr lang="fr-FR" dirty="0" smtClean="0"/>
-              <a:t>besoins</a:t>
+              <a:t>Cas d’utilisation</a:t>
             </a:r>
             <a:endParaRPr lang="fr-FR" dirty="0"/>
           </a:p>
@@ -7177,8 +6918,8 @@
         </p:nvSpPr>
         <p:spPr>
           <a:xfrm>
-            <a:off x="581192" y="953037"/>
-            <a:ext cx="11029615" cy="5904963"/>
+            <a:off x="872197" y="2180496"/>
+            <a:ext cx="10738610" cy="3678303"/>
           </a:xfrm>
         </p:spPr>
         <p:txBody>
@@ -7188,72 +6929,22 @@
           <a:lstStyle/>
           <a:p>
             <a:r>
-              <a:rPr lang="fr-FR" sz="2800" dirty="0" smtClean="0"/>
-              <a:t>Les besoins fonctionnels</a:t>
-            </a:r>
-          </a:p>
-          <a:p>
-            <a:pPr marL="0" lvl="0" indent="0">
-              <a:buNone/>
-            </a:pPr>
-            <a:r>
-              <a:rPr lang="fr-FR" sz="2800" dirty="0" smtClean="0"/>
-              <a:t>		</a:t>
-            </a:r>
-            <a:r>
-              <a:rPr lang="fr-FR" sz="2800" dirty="0" smtClean="0">
-                <a:solidFill>
-                  <a:schemeClr val="accent1">
-                    <a:lumMod val="60000"/>
-                    <a:lumOff val="40000"/>
-                  </a:schemeClr>
-                </a:solidFill>
-              </a:rPr>
-              <a:t>-</a:t>
-            </a:r>
-            <a:r>
-              <a:rPr lang="fr-FR" sz="2800" dirty="0" smtClean="0"/>
-              <a:t>Catégorie </a:t>
-            </a:r>
-            <a:r>
-              <a:rPr lang="fr-FR" sz="2800" dirty="0"/>
-              <a:t>administration </a:t>
-            </a:r>
-            <a:endParaRPr lang="fr-FR" sz="2800" dirty="0" smtClean="0"/>
-          </a:p>
-          <a:p>
-            <a:pPr marL="0" lvl="0" indent="0">
-              <a:buNone/>
-            </a:pPr>
-            <a:r>
-              <a:rPr lang="fr-FR" sz="2800" dirty="0" smtClean="0"/>
-              <a:t>		</a:t>
-            </a:r>
-            <a:r>
-              <a:rPr lang="fr-FR" sz="2800" dirty="0" smtClean="0">
-                <a:solidFill>
-                  <a:schemeClr val="accent1">
-                    <a:lumMod val="60000"/>
-                    <a:lumOff val="40000"/>
-                  </a:schemeClr>
-                </a:solidFill>
-              </a:rPr>
-              <a:t>-</a:t>
-            </a:r>
-            <a:r>
-              <a:rPr lang="fr-FR" sz="2800" dirty="0" smtClean="0"/>
-              <a:t>Catégorie clientèle</a:t>
-            </a:r>
-          </a:p>
-          <a:p>
-            <a:r>
-              <a:rPr lang="fr-FR" sz="2800" dirty="0" smtClean="0"/>
-              <a:t>Les besoins non fonctionnels</a:t>
-            </a:r>
-            <a:r>
-              <a:rPr lang="fr-FR" sz="2800" dirty="0"/>
-              <a:t> </a:t>
-            </a:r>
+              <a:rPr lang="fr-FR" sz="4400" dirty="0" smtClean="0"/>
+              <a:t>Administrateur</a:t>
+            </a:r>
+          </a:p>
+          <a:p>
+            <a:r>
+              <a:rPr lang="fr-FR" sz="4400" dirty="0" smtClean="0"/>
+              <a:t>Client</a:t>
+            </a:r>
+          </a:p>
+          <a:p>
+            <a:r>
+              <a:rPr lang="fr-FR" sz="4400" dirty="0" smtClean="0"/>
+              <a:t>Internaute</a:t>
+            </a:r>
+            <a:endParaRPr lang="fr-FR" sz="4400" dirty="0"/>
           </a:p>
         </p:txBody>
       </p:sp>
@@ -7308,7 +6999,7 @@
           <a:lstStyle/>
           <a:p>
             <a:r>
-              <a:rPr lang="fr-FR" sz="1100" b="1" dirty="0">
+              <a:rPr lang="fr-FR" sz="1400" b="1" dirty="0" smtClean="0">
                 <a:solidFill>
                   <a:schemeClr val="tx1">
                     <a:lumMod val="95000"/>
@@ -7318,7 +7009,7 @@
               </a:rPr>
               <a:t>6</a:t>
             </a:r>
-            <a:endParaRPr lang="fr-FR" sz="1100" b="1" dirty="0">
+            <a:endParaRPr lang="fr-FR" sz="1400" b="1" dirty="0">
               <a:solidFill>
                 <a:schemeClr val="tx1">
                   <a:lumMod val="95000"/>
@@ -7332,7 +7023,7 @@
     </p:spTree>
     <p:extLst>
       <p:ext uri="{BB962C8B-B14F-4D97-AF65-F5344CB8AC3E}">
-        <p14:creationId xmlns:p14="http://schemas.microsoft.com/office/powerpoint/2010/main" val="2180552636"/>
+        <p14:creationId xmlns:p14="http://schemas.microsoft.com/office/powerpoint/2010/main" val="125383004"/>
       </p:ext>
     </p:extLst>
   </p:cSld>
@@ -7366,80 +7057,18 @@
           <a:chExt cx="0" cy="0"/>
         </a:xfrm>
       </p:grpSpPr>
-      <p:sp>
-        <p:nvSpPr>
-          <p:cNvPr id="2" name="Titre 1"/>
-          <p:cNvSpPr>
-            <a:spLocks noGrp="1"/>
-          </p:cNvSpPr>
-          <p:nvPr>
-            <p:ph type="title"/>
-          </p:nvPr>
-        </p:nvSpPr>
-        <p:spPr/>
-        <p:txBody>
-          <a:bodyPr/>
-          <a:lstStyle/>
-          <a:p>
-            <a:r>
-              <a:rPr lang="fr-FR" dirty="0" smtClean="0"/>
-              <a:t>Cas </a:t>
-            </a:r>
-            <a:r>
-              <a:rPr lang="fr-FR" dirty="0" smtClean="0"/>
-              <a:t>d’utilisation</a:t>
-            </a:r>
-            <a:endParaRPr lang="fr-FR" dirty="0"/>
-          </a:p>
-        </p:txBody>
-      </p:sp>
-      <p:sp>
-        <p:nvSpPr>
-          <p:cNvPr id="3" name="Espace réservé du contenu 2"/>
-          <p:cNvSpPr>
-            <a:spLocks noGrp="1"/>
-          </p:cNvSpPr>
-          <p:nvPr>
-            <p:ph idx="1"/>
-          </p:nvPr>
-        </p:nvSpPr>
-        <p:spPr/>
-        <p:txBody>
-          <a:bodyPr>
-            <a:normAutofit/>
-          </a:bodyPr>
-          <a:lstStyle/>
-          <a:p>
-            <a:r>
-              <a:rPr lang="fr-FR" sz="3200" dirty="0" smtClean="0"/>
-              <a:t>Administrateur</a:t>
-            </a:r>
-          </a:p>
-          <a:p>
-            <a:r>
-              <a:rPr lang="fr-FR" sz="3200" dirty="0" smtClean="0"/>
-              <a:t>Client</a:t>
-            </a:r>
-          </a:p>
-          <a:p>
-            <a:r>
-              <a:rPr lang="fr-FR" sz="3200" dirty="0" smtClean="0"/>
-              <a:t>Internaute</a:t>
-            </a:r>
-            <a:endParaRPr lang="fr-FR" sz="3200" dirty="0"/>
-          </a:p>
-        </p:txBody>
-      </p:sp>
       <p:pic>
         <p:nvPicPr>
-          <p:cNvPr id="5" name="Espace réservé du contenu 7"/>
+          <p:cNvPr id="7" name="Espace réservé du contenu 7"/>
           <p:cNvPicPr>
-            <a:picLocks noChangeAspect="1"/>
+            <a:picLocks noGrp="1" noChangeAspect="1"/>
           </p:cNvPicPr>
-          <p:nvPr/>
+          <p:nvPr>
+            <p:ph idx="1"/>
+          </p:nvPr>
         </p:nvPicPr>
         <p:blipFill>
-          <a:blip r:embed="rId2">
+          <a:blip r:embed="rId3">
             <a:extLst>
               <a:ext uri="{28A0092B-C50C-407E-A947-70E740481C1C}">
                 <a14:useLocalDpi xmlns:a14="http://schemas.microsoft.com/office/drawing/2010/main" val="0"/>
@@ -7455,14 +7084,211 @@
             <a:off x="9612936" y="4691990"/>
             <a:ext cx="2857500" cy="2143125"/>
           </a:xfrm>
+        </p:spPr>
+      </p:pic>
+      <p:sp>
+        <p:nvSpPr>
+          <p:cNvPr id="2" name="Titre 1"/>
+          <p:cNvSpPr>
+            <a:spLocks noGrp="1"/>
+          </p:cNvSpPr>
+          <p:nvPr>
+            <p:ph type="title"/>
+          </p:nvPr>
+        </p:nvSpPr>
+        <p:spPr/>
+        <p:txBody>
+          <a:bodyPr/>
+          <a:lstStyle/>
+          <a:p>
+            <a:r>
+              <a:rPr lang="fr-FR" dirty="0" smtClean="0"/>
+              <a:t>Diagramme du cas d’utilisation initial</a:t>
+            </a:r>
+            <a:endParaRPr lang="fr-FR" dirty="0"/>
+          </a:p>
+        </p:txBody>
+      </p:sp>
+      <p:sp>
+        <p:nvSpPr>
+          <p:cNvPr id="4" name="Rectangle 2"/>
+          <p:cNvSpPr>
+            <a:spLocks noChangeArrowheads="1"/>
+          </p:cNvSpPr>
+          <p:nvPr/>
+        </p:nvSpPr>
+        <p:spPr bwMode="auto">
+          <a:xfrm>
+            <a:off x="1571223" y="999201"/>
+            <a:ext cx="12192000" cy="0"/>
+          </a:xfrm>
           <a:prstGeom prst="rect">
             <a:avLst/>
           </a:prstGeom>
-        </p:spPr>
-      </p:pic>
-      <p:sp>
-        <p:nvSpPr>
-          <p:cNvPr id="6" name="Espace réservé du numéro de diapositive 4"/>
+          <a:noFill/>
+          <a:ln>
+            <a:noFill/>
+          </a:ln>
+          <a:effectLst/>
+          <a:extLst>
+            <a:ext uri="{909E8E84-426E-40DD-AFC4-6F175D3DCCD1}">
+              <a14:hiddenFill xmlns:a14="http://schemas.microsoft.com/office/drawing/2010/main">
+                <a:solidFill>
+                  <a:schemeClr val="accent1"/>
+                </a:solidFill>
+              </a14:hiddenFill>
+            </a:ext>
+            <a:ext uri="{91240B29-F687-4F45-9708-019B960494DF}">
+              <a14:hiddenLine xmlns:a14="http://schemas.microsoft.com/office/drawing/2010/main" w="9525">
+                <a:solidFill>
+                  <a:schemeClr val="tx1"/>
+                </a:solidFill>
+                <a:miter lim="800000"/>
+                <a:headEnd/>
+                <a:tailEnd/>
+              </a14:hiddenLine>
+            </a:ext>
+            <a:ext uri="{AF507438-7753-43E0-B8FC-AC1667EBCBE1}">
+              <a14:hiddenEffects xmlns:a14="http://schemas.microsoft.com/office/drawing/2010/main">
+                <a:effectLst>
+                  <a:outerShdw dist="35921" dir="2700000" algn="ctr" rotWithShape="0">
+                    <a:schemeClr val="bg2"/>
+                  </a:outerShdw>
+                </a:effectLst>
+              </a14:hiddenEffects>
+            </a:ext>
+          </a:extLst>
+        </p:spPr>
+        <p:txBody>
+          <a:bodyPr vert="horz" wrap="none" lIns="91440" tIns="45720" rIns="91440" bIns="45720" numCol="1" anchor="ctr" anchorCtr="0" compatLnSpc="1">
+            <a:prstTxWarp prst="textNoShape">
+              <a:avLst/>
+            </a:prstTxWarp>
+            <a:spAutoFit/>
+          </a:bodyPr>
+          <a:lstStyle/>
+          <a:p>
+            <a:endParaRPr lang="fr-FR"/>
+          </a:p>
+        </p:txBody>
+      </p:sp>
+      <p:graphicFrame>
+        <p:nvGraphicFramePr>
+          <p:cNvPr id="5" name="Objet 4"/>
+          <p:cNvGraphicFramePr>
+            <a:graphicFrameLocks noChangeAspect="1"/>
+          </p:cNvGraphicFramePr>
+          <p:nvPr>
+            <p:extLst>
+              <p:ext uri="{D42A27DB-BD31-4B8C-83A1-F6EECF244321}">
+                <p14:modId xmlns:p14="http://schemas.microsoft.com/office/powerpoint/2010/main" val="1053328675"/>
+              </p:ext>
+            </p:extLst>
+          </p:nvPr>
+        </p:nvGraphicFramePr>
+        <p:xfrm>
+          <a:off x="464234" y="1825780"/>
+          <a:ext cx="11146573" cy="4543965"/>
+        </p:xfrm>
+        <a:graphic>
+          <a:graphicData uri="http://schemas.openxmlformats.org/presentationml/2006/ole">
+            <mc:AlternateContent xmlns:mc="http://schemas.openxmlformats.org/markup-compatibility/2006">
+              <mc:Choice xmlns:v="urn:schemas-microsoft-com:vml" Requires="v">
+                <p:oleObj spid="_x0000_s1048" name="Visio" r:id="rId4" imgW="9248632" imgH="5972283" progId="Visio.Drawing.15">
+                  <p:embed/>
+                </p:oleObj>
+              </mc:Choice>
+              <mc:Fallback>
+                <p:oleObj name="Visio" r:id="rId4" imgW="9248632" imgH="5972283" progId="Visio.Drawing.15">
+                  <p:embed/>
+                  <p:pic>
+                    <p:nvPicPr>
+                      <p:cNvPr id="0" name="Object 1"/>
+                      <p:cNvPicPr>
+                        <a:picLocks noChangeAspect="1" noChangeArrowheads="1"/>
+                      </p:cNvPicPr>
+                      <p:nvPr/>
+                    </p:nvPicPr>
+                    <p:blipFill>
+                      <a:blip r:embed="rId5">
+                        <a:extLst>
+                          <a:ext uri="{28A0092B-C50C-407E-A947-70E740481C1C}">
+                            <a14:useLocalDpi xmlns:a14="http://schemas.microsoft.com/office/drawing/2010/main" val="0"/>
+                          </a:ext>
+                        </a:extLst>
+                      </a:blip>
+                      <a:srcRect/>
+                      <a:stretch>
+                        <a:fillRect/>
+                      </a:stretch>
+                    </p:blipFill>
+                    <p:spPr bwMode="auto">
+                      <a:xfrm>
+                        <a:off x="464234" y="1825780"/>
+                        <a:ext cx="11146573" cy="4543965"/>
+                      </a:xfrm>
+                      <a:prstGeom prst="rect">
+                        <a:avLst/>
+                      </a:prstGeom>
+                      <a:noFill/>
+                    </p:spPr>
+                  </p:pic>
+                </p:oleObj>
+              </mc:Fallback>
+            </mc:AlternateContent>
+          </a:graphicData>
+        </a:graphic>
+      </p:graphicFrame>
+      <p:sp>
+        <p:nvSpPr>
+          <p:cNvPr id="6" name="Rectangle 5"/>
+          <p:cNvSpPr/>
+          <p:nvPr/>
+        </p:nvSpPr>
+        <p:spPr>
+          <a:xfrm>
+            <a:off x="4351851" y="6479569"/>
+            <a:ext cx="3129703" cy="338554"/>
+          </a:xfrm>
+          <a:prstGeom prst="rect">
+            <a:avLst/>
+          </a:prstGeom>
+        </p:spPr>
+        <p:txBody>
+          <a:bodyPr wrap="none">
+            <a:spAutoFit/>
+          </a:bodyPr>
+          <a:lstStyle/>
+          <a:p>
+            <a:r>
+              <a:rPr lang="fr-FR" sz="1600" dirty="0" smtClean="0">
+                <a:solidFill>
+                  <a:srgbClr val="000000"/>
+                </a:solidFill>
+                <a:latin typeface="Garamond" panose="02020404030301010803" pitchFamily="18" charset="0"/>
+                <a:ea typeface="Times New Roman" panose="02020603050405020304" pitchFamily="18" charset="0"/>
+                <a:cs typeface="Arial" panose="020B0604020202020204" pitchFamily="34" charset="0"/>
+              </a:rPr>
+              <a:t>Diagramme </a:t>
+            </a:r>
+            <a:r>
+              <a:rPr lang="fr-FR" sz="1600" dirty="0">
+                <a:solidFill>
+                  <a:srgbClr val="000000"/>
+                </a:solidFill>
+                <a:latin typeface="Garamond" panose="02020404030301010803" pitchFamily="18" charset="0"/>
+                <a:ea typeface="Times New Roman" panose="02020603050405020304" pitchFamily="18" charset="0"/>
+                <a:cs typeface="Arial" panose="020B0604020202020204" pitchFamily="34" charset="0"/>
+              </a:rPr>
+              <a:t>du cas d’utilisation initial</a:t>
+            </a:r>
+            <a:endParaRPr lang="fr-FR" sz="1600" dirty="0"/>
+          </a:p>
+        </p:txBody>
+      </p:sp>
+      <p:sp>
+        <p:nvSpPr>
+          <p:cNvPr id="8" name="Espace réservé du numéro de diapositive 4"/>
           <p:cNvSpPr>
             <a:spLocks noGrp="1"/>
           </p:cNvSpPr>
@@ -7481,7 +7307,7 @@
           <a:lstStyle/>
           <a:p>
             <a:r>
-              <a:rPr lang="fr-FR" sz="1100" b="1" dirty="0">
+              <a:rPr lang="fr-FR" sz="1400" b="1" dirty="0" smtClean="0">
                 <a:solidFill>
                   <a:schemeClr val="tx1">
                     <a:lumMod val="95000"/>
@@ -7505,7 +7331,7 @@
     </p:spTree>
     <p:extLst>
       <p:ext uri="{BB962C8B-B14F-4D97-AF65-F5344CB8AC3E}">
-        <p14:creationId xmlns:p14="http://schemas.microsoft.com/office/powerpoint/2010/main" val="125383004"/>
+        <p14:creationId xmlns:p14="http://schemas.microsoft.com/office/powerpoint/2010/main" val="2797048619"/>
       </p:ext>
     </p:extLst>
   </p:cSld>
@@ -7539,218 +7365,16 @@
           <a:chExt cx="0" cy="0"/>
         </a:xfrm>
       </p:grpSpPr>
-      <p:sp>
-        <p:nvSpPr>
-          <p:cNvPr id="2" name="Titre 1"/>
-          <p:cNvSpPr>
-            <a:spLocks noGrp="1"/>
-          </p:cNvSpPr>
-          <p:nvPr>
-            <p:ph type="title"/>
-          </p:nvPr>
-        </p:nvSpPr>
-        <p:spPr/>
-        <p:txBody>
-          <a:bodyPr/>
-          <a:lstStyle/>
-          <a:p>
-            <a:r>
-              <a:rPr lang="fr-FR" dirty="0" smtClean="0"/>
-              <a:t>Diagramme du cas d’utilisation initial</a:t>
-            </a:r>
-            <a:endParaRPr lang="fr-FR" dirty="0"/>
-          </a:p>
-        </p:txBody>
-      </p:sp>
-      <p:sp>
-        <p:nvSpPr>
-          <p:cNvPr id="4" name="Rectangle 2"/>
-          <p:cNvSpPr>
-            <a:spLocks noChangeArrowheads="1"/>
-          </p:cNvSpPr>
-          <p:nvPr/>
-        </p:nvSpPr>
-        <p:spPr bwMode="auto">
-          <a:xfrm>
-            <a:off x="1571223" y="999201"/>
-            <a:ext cx="12192000" cy="0"/>
-          </a:xfrm>
-          <a:prstGeom prst="rect">
-            <a:avLst/>
-          </a:prstGeom>
-          <a:noFill/>
-          <a:ln>
-            <a:noFill/>
-          </a:ln>
-          <a:effectLst/>
-          <a:extLst>
-            <a:ext uri="{909E8E84-426E-40DD-AFC4-6F175D3DCCD1}">
-              <a14:hiddenFill xmlns:a14="http://schemas.microsoft.com/office/drawing/2010/main">
-                <a:solidFill>
-                  <a:schemeClr val="accent1"/>
-                </a:solidFill>
-              </a14:hiddenFill>
-            </a:ext>
-            <a:ext uri="{91240B29-F687-4F45-9708-019B960494DF}">
-              <a14:hiddenLine xmlns:a14="http://schemas.microsoft.com/office/drawing/2010/main" w="9525">
-                <a:solidFill>
-                  <a:schemeClr val="tx1"/>
-                </a:solidFill>
-                <a:miter lim="800000"/>
-                <a:headEnd/>
-                <a:tailEnd/>
-              </a14:hiddenLine>
-            </a:ext>
-            <a:ext uri="{AF507438-7753-43E0-B8FC-AC1667EBCBE1}">
-              <a14:hiddenEffects xmlns:a14="http://schemas.microsoft.com/office/drawing/2010/main">
-                <a:effectLst>
-                  <a:outerShdw dist="35921" dir="2700000" algn="ctr" rotWithShape="0">
-                    <a:schemeClr val="bg2"/>
-                  </a:outerShdw>
-                </a:effectLst>
-              </a14:hiddenEffects>
-            </a:ext>
-          </a:extLst>
-        </p:spPr>
-        <p:txBody>
-          <a:bodyPr vert="horz" wrap="none" lIns="91440" tIns="45720" rIns="91440" bIns="45720" numCol="1" anchor="ctr" anchorCtr="0" compatLnSpc="1">
-            <a:prstTxWarp prst="textNoShape">
-              <a:avLst/>
-            </a:prstTxWarp>
-            <a:spAutoFit/>
-          </a:bodyPr>
-          <a:lstStyle/>
-          <a:p>
-            <a:endParaRPr lang="fr-FR"/>
-          </a:p>
-        </p:txBody>
-      </p:sp>
-      <p:graphicFrame>
-        <p:nvGraphicFramePr>
-          <p:cNvPr id="5" name="Objet 4"/>
-          <p:cNvGraphicFramePr>
-            <a:graphicFrameLocks noChangeAspect="1"/>
-          </p:cNvGraphicFramePr>
-          <p:nvPr>
-            <p:extLst>
-              <p:ext uri="{D42A27DB-BD31-4B8C-83A1-F6EECF244321}">
-                <p14:modId xmlns:p14="http://schemas.microsoft.com/office/powerpoint/2010/main" val="1742048645"/>
-              </p:ext>
-            </p:extLst>
-          </p:nvPr>
-        </p:nvGraphicFramePr>
-        <p:xfrm>
-          <a:off x="2645469" y="1825780"/>
-          <a:ext cx="6542468" cy="4543965"/>
-        </p:xfrm>
-        <a:graphic>
-          <a:graphicData uri="http://schemas.openxmlformats.org/presentationml/2006/ole">
-            <mc:AlternateContent xmlns:mc="http://schemas.openxmlformats.org/markup-compatibility/2006">
-              <mc:Choice xmlns:v="urn:schemas-microsoft-com:vml" Requires="v">
-                <p:oleObj spid="_x0000_s1041" name="Visio" r:id="rId3" imgW="9248632" imgH="5972283" progId="Visio.Drawing.15">
-                  <p:embed/>
-                </p:oleObj>
-              </mc:Choice>
-              <mc:Fallback>
-                <p:oleObj name="Visio" r:id="rId3" imgW="9248632" imgH="5972283" progId="Visio.Drawing.15">
-                  <p:embed/>
-                  <p:pic>
-                    <p:nvPicPr>
-                      <p:cNvPr id="0" name="Object 1"/>
-                      <p:cNvPicPr>
-                        <a:picLocks noChangeAspect="1" noChangeArrowheads="1"/>
-                      </p:cNvPicPr>
-                      <p:nvPr/>
-                    </p:nvPicPr>
-                    <p:blipFill>
-                      <a:blip r:embed="rId4">
-                        <a:extLst>
-                          <a:ext uri="{28A0092B-C50C-407E-A947-70E740481C1C}">
-                            <a14:useLocalDpi xmlns:a14="http://schemas.microsoft.com/office/drawing/2010/main" val="0"/>
-                          </a:ext>
-                        </a:extLst>
-                      </a:blip>
-                      <a:srcRect/>
-                      <a:stretch>
-                        <a:fillRect/>
-                      </a:stretch>
-                    </p:blipFill>
-                    <p:spPr bwMode="auto">
-                      <a:xfrm>
-                        <a:off x="2645469" y="1825780"/>
-                        <a:ext cx="6542468" cy="4543965"/>
-                      </a:xfrm>
-                      <a:prstGeom prst="rect">
-                        <a:avLst/>
-                      </a:prstGeom>
-                      <a:noFill/>
-                    </p:spPr>
-                  </p:pic>
-                </p:oleObj>
-              </mc:Fallback>
-            </mc:AlternateContent>
-          </a:graphicData>
-        </a:graphic>
-      </p:graphicFrame>
-      <p:sp>
-        <p:nvSpPr>
-          <p:cNvPr id="6" name="Rectangle 5"/>
-          <p:cNvSpPr/>
-          <p:nvPr/>
-        </p:nvSpPr>
-        <p:spPr>
-          <a:xfrm>
-            <a:off x="4351851" y="6479569"/>
-            <a:ext cx="3129703" cy="338554"/>
-          </a:xfrm>
-          <a:prstGeom prst="rect">
-            <a:avLst/>
-          </a:prstGeom>
-        </p:spPr>
-        <p:txBody>
-          <a:bodyPr wrap="none">
-            <a:spAutoFit/>
-          </a:bodyPr>
-          <a:lstStyle/>
-          <a:p>
-            <a:r>
-              <a:rPr lang="fr-FR" sz="1600" dirty="0" smtClean="0">
-                <a:solidFill>
-                  <a:srgbClr val="000000"/>
-                </a:solidFill>
-                <a:latin typeface="Garamond" panose="02020404030301010803" pitchFamily="18" charset="0"/>
-                <a:ea typeface="Times New Roman" panose="02020603050405020304" pitchFamily="18" charset="0"/>
-                <a:cs typeface="Arial" panose="020B0604020202020204" pitchFamily="34" charset="0"/>
-              </a:rPr>
-              <a:t>Diagramme </a:t>
-            </a:r>
-            <a:r>
-              <a:rPr lang="fr-FR" sz="1600" dirty="0">
-                <a:solidFill>
-                  <a:srgbClr val="000000"/>
-                </a:solidFill>
-                <a:latin typeface="Garamond" panose="02020404030301010803" pitchFamily="18" charset="0"/>
-                <a:ea typeface="Times New Roman" panose="02020603050405020304" pitchFamily="18" charset="0"/>
-                <a:cs typeface="Arial" panose="020B0604020202020204" pitchFamily="34" charset="0"/>
-              </a:rPr>
-              <a:t>du cas d’utilisation initial</a:t>
-            </a:r>
-            <a:endParaRPr lang="fr-FR" sz="1600" dirty="0"/>
-          </a:p>
-        </p:txBody>
-      </p:sp>
       <p:pic>
         <p:nvPicPr>
-          <p:cNvPr id="7" name="Espace réservé du contenu 7"/>
+          <p:cNvPr id="6" name="Espace réservé du contenu 7"/>
           <p:cNvPicPr>
-            <a:picLocks noGrp="1" noChangeAspect="1"/>
+            <a:picLocks noChangeAspect="1"/>
           </p:cNvPicPr>
-          <p:nvPr>
-            <p:ph idx="1"/>
-          </p:nvPr>
+          <p:nvPr/>
         </p:nvPicPr>
         <p:blipFill>
-          <a:blip r:embed="rId5">
+          <a:blip r:embed="rId2">
             <a:extLst>
               <a:ext uri="{28A0092B-C50C-407E-A947-70E740481C1C}">
                 <a14:useLocalDpi xmlns:a14="http://schemas.microsoft.com/office/drawing/2010/main" val="0"/>
@@ -7766,11 +7390,118 @@
             <a:off x="9612936" y="4691990"/>
             <a:ext cx="2857500" cy="2143125"/>
           </a:xfrm>
+          <a:prstGeom prst="rect">
+            <a:avLst/>
+          </a:prstGeom>
         </p:spPr>
       </p:pic>
       <p:sp>
         <p:nvSpPr>
-          <p:cNvPr id="8" name="Espace réservé du numéro de diapositive 4"/>
+          <p:cNvPr id="2" name="Titre 1"/>
+          <p:cNvSpPr>
+            <a:spLocks noGrp="1"/>
+          </p:cNvSpPr>
+          <p:nvPr>
+            <p:ph type="title"/>
+          </p:nvPr>
+        </p:nvSpPr>
+        <p:spPr/>
+        <p:txBody>
+          <a:bodyPr/>
+          <a:lstStyle/>
+          <a:p>
+            <a:r>
+              <a:rPr lang="fr-FR" dirty="0" smtClean="0"/>
+              <a:t>Modèle Conceptuelle Des données</a:t>
+            </a:r>
+            <a:endParaRPr lang="fr-FR" dirty="0"/>
+          </a:p>
+        </p:txBody>
+      </p:sp>
+      <p:pic>
+        <p:nvPicPr>
+          <p:cNvPr id="4" name="Espace réservé du contenu 3"/>
+          <p:cNvPicPr>
+            <a:picLocks noGrp="1"/>
+          </p:cNvPicPr>
+          <p:nvPr>
+            <p:ph idx="1"/>
+          </p:nvPr>
+        </p:nvPicPr>
+        <p:blipFill>
+          <a:blip r:embed="rId3">
+            <a:extLst>
+              <a:ext uri="{28A0092B-C50C-407E-A947-70E740481C1C}">
+                <a14:useLocalDpi xmlns:a14="http://schemas.microsoft.com/office/drawing/2010/main" val="0"/>
+              </a:ext>
+            </a:extLst>
+          </a:blip>
+          <a:stretch>
+            <a:fillRect/>
+          </a:stretch>
+        </p:blipFill>
+        <p:spPr>
+          <a:xfrm>
+            <a:off x="1280161" y="1815920"/>
+            <a:ext cx="8947052" cy="5076917"/>
+          </a:xfrm>
+          <a:prstGeom prst="rect">
+            <a:avLst/>
+          </a:prstGeom>
+        </p:spPr>
+      </p:pic>
+      <p:sp>
+        <p:nvSpPr>
+          <p:cNvPr id="5" name="Rectangle 4"/>
+          <p:cNvSpPr/>
+          <p:nvPr/>
+        </p:nvSpPr>
+        <p:spPr>
+          <a:xfrm>
+            <a:off x="4902624" y="6641596"/>
+            <a:ext cx="2386744" cy="276999"/>
+          </a:xfrm>
+          <a:prstGeom prst="rect">
+            <a:avLst/>
+          </a:prstGeom>
+        </p:spPr>
+        <p:txBody>
+          <a:bodyPr wrap="none">
+            <a:spAutoFit/>
+          </a:bodyPr>
+          <a:lstStyle/>
+          <a:p>
+            <a:pPr algn="ctr">
+              <a:spcAft>
+                <a:spcPts val="1000"/>
+              </a:spcAft>
+            </a:pPr>
+            <a:r>
+              <a:rPr lang="fr-FR" sz="1200" dirty="0">
+                <a:solidFill>
+                  <a:srgbClr val="000000"/>
+                </a:solidFill>
+                <a:latin typeface="Garamond" panose="02020404030301010803" pitchFamily="18" charset="0"/>
+                <a:ea typeface="Calibri" panose="020F0502020204030204" pitchFamily="34" charset="0"/>
+                <a:cs typeface="Arial" panose="020B0604020202020204" pitchFamily="34" charset="0"/>
+              </a:rPr>
+              <a:t>Schéma extrait de la base de données</a:t>
+            </a:r>
+            <a:endParaRPr lang="fr-FR" sz="900" b="1" dirty="0">
+              <a:solidFill>
+                <a:srgbClr val="4F81BD"/>
+              </a:solidFill>
+              <a:effectLst/>
+              <a:latin typeface="Calibri" panose="020F0502020204030204" pitchFamily="34" charset="0"/>
+              <a:ea typeface="Calibri" panose="020F0502020204030204" pitchFamily="34" charset="0"/>
+              <a:cs typeface="Arial" panose="020B0604020202020204" pitchFamily="34" charset="0"/>
+            </a:endParaRPr>
+          </a:p>
+        </p:txBody>
+      </p:sp>
+      <p:sp>
+        <p:nvSpPr>
+          <p:cNvPr id="7" name="Espace réservé du numéro de diapositive 4"/>
           <p:cNvSpPr>
             <a:spLocks noGrp="1"/>
           </p:cNvSpPr>
@@ -7789,7 +7520,7 @@
           <a:lstStyle/>
           <a:p>
             <a:r>
-              <a:rPr lang="fr-FR" sz="1100" b="1" dirty="0">
+              <a:rPr lang="fr-FR" sz="1400" b="1" dirty="0">
                 <a:solidFill>
                   <a:schemeClr val="tx1">
                     <a:lumMod val="95000"/>
@@ -7813,7 +7544,7 @@
     </p:spTree>
     <p:extLst>
       <p:ext uri="{BB962C8B-B14F-4D97-AF65-F5344CB8AC3E}">
-        <p14:creationId xmlns:p14="http://schemas.microsoft.com/office/powerpoint/2010/main" val="2797048619"/>
+        <p14:creationId xmlns:p14="http://schemas.microsoft.com/office/powerpoint/2010/main" val="1355835073"/>
       </p:ext>
     </p:extLst>
   </p:cSld>
@@ -7864,7 +7595,7 @@
           <a:p>
             <a:r>
               <a:rPr lang="fr-FR" dirty="0" smtClean="0"/>
-              <a:t>Modèle Conceptuelle Des données</a:t>
+              <a:t>Modèle Conceptuelle des traitements</a:t>
             </a:r>
             <a:endParaRPr lang="fr-FR" dirty="0"/>
           </a:p>
@@ -7872,92 +7603,13 @@
       </p:sp>
       <p:pic>
         <p:nvPicPr>
-          <p:cNvPr id="4" name="Espace réservé du contenu 3"/>
+          <p:cNvPr id="5" name="Espace réservé du contenu 7"/>
           <p:cNvPicPr>
-            <a:picLocks noGrp="1"/>
+            <a:picLocks noGrp="1" noChangeAspect="1"/>
           </p:cNvPicPr>
           <p:nvPr>
             <p:ph idx="1"/>
           </p:nvPr>
-        </p:nvPicPr>
-        <p:blipFill>
-          <a:blip r:embed="rId2">
-            <a:extLst>
-              <a:ext uri="{28A0092B-C50C-407E-A947-70E740481C1C}">
-                <a14:useLocalDpi xmlns:a14="http://schemas.microsoft.com/office/drawing/2010/main" val="0"/>
-              </a:ext>
-            </a:extLst>
-          </a:blip>
-          <a:stretch>
-            <a:fillRect/>
-          </a:stretch>
-        </p:blipFill>
-        <p:spPr>
-          <a:xfrm>
-            <a:off x="2515561" y="1815920"/>
-            <a:ext cx="6980565" cy="5076917"/>
-          </a:xfrm>
-          <a:prstGeom prst="rect">
-            <a:avLst/>
-          </a:prstGeom>
-        </p:spPr>
-      </p:pic>
-      <p:sp>
-        <p:nvSpPr>
-          <p:cNvPr id="5" name="Rectangle 4"/>
-          <p:cNvSpPr/>
-          <p:nvPr/>
-        </p:nvSpPr>
-        <p:spPr>
-          <a:xfrm>
-            <a:off x="4902624" y="6641596"/>
-            <a:ext cx="2386744" cy="276999"/>
-          </a:xfrm>
-          <a:prstGeom prst="rect">
-            <a:avLst/>
-          </a:prstGeom>
-        </p:spPr>
-        <p:txBody>
-          <a:bodyPr wrap="none">
-            <a:spAutoFit/>
-          </a:bodyPr>
-          <a:lstStyle/>
-          <a:p>
-            <a:pPr algn="ctr">
-              <a:spcAft>
-                <a:spcPts val="1000"/>
-              </a:spcAft>
-            </a:pPr>
-            <a:r>
-              <a:rPr lang="fr-FR" sz="1200" dirty="0">
-                <a:solidFill>
-                  <a:srgbClr val="000000"/>
-                </a:solidFill>
-                <a:latin typeface="Garamond" panose="02020404030301010803" pitchFamily="18" charset="0"/>
-                <a:ea typeface="Calibri" panose="020F0502020204030204" pitchFamily="34" charset="0"/>
-                <a:cs typeface="Arial" panose="020B0604020202020204" pitchFamily="34" charset="0"/>
-              </a:rPr>
-              <a:t>Schéma extrait de la base de données</a:t>
-            </a:r>
-            <a:endParaRPr lang="fr-FR" sz="900" b="1" dirty="0">
-              <a:solidFill>
-                <a:srgbClr val="4F81BD"/>
-              </a:solidFill>
-              <a:effectLst/>
-              <a:latin typeface="Calibri" panose="020F0502020204030204" pitchFamily="34" charset="0"/>
-              <a:ea typeface="Calibri" panose="020F0502020204030204" pitchFamily="34" charset="0"/>
-              <a:cs typeface="Arial" panose="020B0604020202020204" pitchFamily="34" charset="0"/>
-            </a:endParaRPr>
-          </a:p>
-        </p:txBody>
-      </p:sp>
-      <p:pic>
-        <p:nvPicPr>
-          <p:cNvPr id="6" name="Espace réservé du contenu 7"/>
-          <p:cNvPicPr>
-            <a:picLocks noChangeAspect="1"/>
-          </p:cNvPicPr>
-          <p:nvPr/>
         </p:nvPicPr>
         <p:blipFill>
           <a:blip r:embed="rId3">
@@ -7976,14 +7628,11 @@
             <a:off x="9612936" y="4691990"/>
             <a:ext cx="2857500" cy="2143125"/>
           </a:xfrm>
-          <a:prstGeom prst="rect">
-            <a:avLst/>
-          </a:prstGeom>
         </p:spPr>
       </p:pic>
       <p:sp>
         <p:nvSpPr>
-          <p:cNvPr id="7" name="Espace réservé du numéro de diapositive 4"/>
+          <p:cNvPr id="6" name="Espace réservé du numéro de diapositive 4"/>
           <p:cNvSpPr>
             <a:spLocks noGrp="1"/>
           </p:cNvSpPr>
@@ -8002,7 +7651,7 @@
           <a:lstStyle/>
           <a:p>
             <a:r>
-              <a:rPr lang="fr-FR" sz="1100" b="1" dirty="0" smtClean="0">
+              <a:rPr lang="fr-FR" sz="1400" b="1" dirty="0" smtClean="0">
                 <a:solidFill>
                   <a:schemeClr val="tx1">
                     <a:lumMod val="95000"/>
@@ -8012,7 +7661,7 @@
               </a:rPr>
               <a:t>9</a:t>
             </a:r>
-            <a:endParaRPr lang="fr-FR" sz="1100" b="1" dirty="0">
+            <a:endParaRPr lang="fr-FR" sz="1400" b="1" dirty="0">
               <a:solidFill>
                 <a:schemeClr val="tx1">
                   <a:lumMod val="95000"/>
@@ -8023,10 +7672,67 @@
           </a:p>
         </p:txBody>
       </p:sp>
+      <p:graphicFrame>
+        <p:nvGraphicFramePr>
+          <p:cNvPr id="3" name="Objet 2"/>
+          <p:cNvGraphicFramePr>
+            <a:graphicFrameLocks noChangeAspect="1"/>
+          </p:cNvGraphicFramePr>
+          <p:nvPr>
+            <p:extLst>
+              <p:ext uri="{D42A27DB-BD31-4B8C-83A1-F6EECF244321}">
+                <p14:modId xmlns:p14="http://schemas.microsoft.com/office/powerpoint/2010/main" val="137609882"/>
+              </p:ext>
+            </p:extLst>
+          </p:nvPr>
+        </p:nvGraphicFramePr>
+        <p:xfrm>
+          <a:off x="581191" y="1841680"/>
+          <a:ext cx="11029617" cy="4865376"/>
+        </p:xfrm>
+        <a:graphic>
+          <a:graphicData uri="http://schemas.openxmlformats.org/presentationml/2006/ole">
+            <mc:AlternateContent xmlns:mc="http://schemas.openxmlformats.org/markup-compatibility/2006">
+              <mc:Choice xmlns:v="urn:schemas-microsoft-com:vml" Requires="v">
+                <p:oleObj spid="_x0000_s2054" name="Visio" r:id="rId4" imgW="8210418" imgH="4991276" progId="Visio.Drawing.15">
+                  <p:embed/>
+                </p:oleObj>
+              </mc:Choice>
+              <mc:Fallback>
+                <p:oleObj name="Visio" r:id="rId4" imgW="8210418" imgH="4991276" progId="Visio.Drawing.15">
+                  <p:embed/>
+                  <p:pic>
+                    <p:nvPicPr>
+                      <p:cNvPr id="0" name=""/>
+                      <p:cNvPicPr/>
+                      <p:nvPr/>
+                    </p:nvPicPr>
+                    <p:blipFill>
+                      <a:blip r:embed="rId5"/>
+                      <a:stretch>
+                        <a:fillRect/>
+                      </a:stretch>
+                    </p:blipFill>
+                    <p:spPr>
+                      <a:xfrm>
+                        <a:off x="581191" y="1841680"/>
+                        <a:ext cx="11029617" cy="4865376"/>
+                      </a:xfrm>
+                      <a:prstGeom prst="rect">
+                        <a:avLst/>
+                      </a:prstGeom>
+                    </p:spPr>
+                  </p:pic>
+                </p:oleObj>
+              </mc:Fallback>
+            </mc:AlternateContent>
+          </a:graphicData>
+        </a:graphic>
+      </p:graphicFrame>
     </p:spTree>
     <p:extLst>
       <p:ext uri="{BB962C8B-B14F-4D97-AF65-F5344CB8AC3E}">
-        <p14:creationId xmlns:p14="http://schemas.microsoft.com/office/powerpoint/2010/main" val="1355835073"/>
+        <p14:creationId xmlns:p14="http://schemas.microsoft.com/office/powerpoint/2010/main" val="1108787325"/>
       </p:ext>
     </p:extLst>
   </p:cSld>

--- a/global/Présentation.pptx
+++ b/global/Présentation.pptx
@@ -5071,7 +5071,7 @@
           <a:graphicData uri="http://schemas.openxmlformats.org/presentationml/2006/ole">
             <mc:AlternateContent xmlns:mc="http://schemas.openxmlformats.org/markup-compatibility/2006">
               <mc:Choice xmlns:v="urn:schemas-microsoft-com:vml" Requires="v">
-                <p:oleObj spid="_x0000_s3077" name="Visio" r:id="rId4" imgW="8439261" imgH="5114865" progId="Visio.Drawing.15">
+                <p:oleObj spid="_x0000_s3079" name="Visio" r:id="rId4" imgW="8439261" imgH="5114865" progId="Visio.Drawing.15">
                   <p:embed/>
                 </p:oleObj>
               </mc:Choice>
@@ -5260,7 +5260,7 @@
           <a:graphicData uri="http://schemas.openxmlformats.org/presentationml/2006/ole">
             <mc:AlternateContent xmlns:mc="http://schemas.openxmlformats.org/markup-compatibility/2006">
               <mc:Choice xmlns:v="urn:schemas-microsoft-com:vml" Requires="v">
-                <p:oleObj spid="_x0000_s4100" name="Visio" r:id="rId4" imgW="9715502" imgH="5295820" progId="Visio.Drawing.15">
+                <p:oleObj spid="_x0000_s4102" name="Visio" r:id="rId4" imgW="9715502" imgH="5295820" progId="Visio.Drawing.15">
                   <p:embed/>
                 </p:oleObj>
               </mc:Choice>
@@ -5397,8 +5397,8 @@
         </p:nvSpPr>
         <p:spPr>
           <a:xfrm>
-            <a:off x="581192" y="2180496"/>
-            <a:ext cx="11029615" cy="4677504"/>
+            <a:off x="581192" y="1249251"/>
+            <a:ext cx="11029615" cy="5128373"/>
           </a:xfrm>
         </p:spPr>
         <p:txBody>
@@ -5407,70 +5407,61 @@
           </a:bodyPr>
           <a:lstStyle/>
           <a:p>
+            <a:pPr marL="0" indent="0">
+              <a:buNone/>
+            </a:pPr>
             <a:r>
               <a:rPr lang="fr-FR" sz="2400" dirty="0"/>
-              <a:t>A</a:t>
+              <a:t>E</a:t>
             </a:r>
             <a:r>
               <a:rPr lang="fr-FR" sz="2400" dirty="0" smtClean="0"/>
-              <a:t>ide </a:t>
+              <a:t>n </a:t>
             </a:r>
             <a:r>
               <a:rPr lang="fr-FR" sz="2400" dirty="0"/>
-              <a:t>le client à savoir et chercher des articles (bijoux</a:t>
+              <a:t>dernier lieu J'espère que nous avons réussi a mener a bon port notre projet</a:t>
             </a:r>
             <a:r>
               <a:rPr lang="fr-FR" sz="2400" dirty="0" smtClean="0"/>
-              <a:t>). </a:t>
-            </a:r>
-            <a:endParaRPr lang="fr-FR" sz="2400" dirty="0"/>
-          </a:p>
-          <a:p>
+              <a:t>, qui </a:t>
+            </a:r>
+            <a:r>
+              <a:rPr lang="fr-FR" sz="2400" dirty="0"/>
+              <a:t>consiste </a:t>
+            </a:r>
             <a:r>
               <a:rPr lang="fr-FR" sz="2400" dirty="0" smtClean="0"/>
-              <a:t>Couvrir </a:t>
+              <a:t>à </a:t>
             </a:r>
             <a:r>
               <a:rPr lang="fr-FR" sz="2400" dirty="0"/>
-              <a:t>la présentation des services en promotion à la page d’accueil et leur </a:t>
+              <a:t>faciliter </a:t>
             </a:r>
             <a:r>
               <a:rPr lang="fr-FR" sz="2400" dirty="0" smtClean="0"/>
-              <a:t>recherche.</a:t>
-            </a:r>
-            <a:endParaRPr lang="fr-FR" sz="2400" dirty="0"/>
-          </a:p>
-          <a:p>
+              <a:t>les tâches </a:t>
+            </a:r>
+            <a:r>
+              <a:rPr lang="fr-FR" sz="2400" dirty="0"/>
+              <a:t>au client en lui </a:t>
+            </a:r>
             <a:r>
               <a:rPr lang="fr-FR" sz="2400" dirty="0" smtClean="0"/>
-              <a:t>Interface </a:t>
+              <a:t>permettons </a:t>
             </a:r>
             <a:r>
               <a:rPr lang="fr-FR" sz="2400" dirty="0"/>
-              <a:t>directe entre un internaute visiteur et le propriétaire de la </a:t>
+              <a:t>de naviguer facilement sur le site, d'explorer une large gamme de produits et de </a:t>
             </a:r>
             <a:r>
               <a:rPr lang="fr-FR" sz="2400" dirty="0" smtClean="0"/>
-              <a:t>bijouterie.</a:t>
-            </a:r>
-          </a:p>
-          <a:p>
-            <a:r>
-              <a:rPr lang="fr-FR" sz="2400" dirty="0" smtClean="0"/>
-              <a:t>L’internaute </a:t>
+              <a:t>sélectionner </a:t>
             </a:r>
             <a:r>
               <a:rPr lang="fr-FR" sz="2400" dirty="0"/>
-              <a:t>ou le client peut envoi des messages au propriétaire, ainsi l’administrateur lui répond le plus vite possible.</a:t>
-            </a:r>
-          </a:p>
-          <a:p>
-            <a:r>
-              <a:rPr lang="fr-FR" sz="2400" dirty="0"/>
-              <a:t>L’internaute ou le client peut aussi recevoir les newsletters du site après avoir inscrit.</a:t>
-            </a:r>
-          </a:p>
-          <a:p>
+              <a:t>facilement les articles qu'il souhaite acheter.</a:t>
+            </a:r>
             <a:endParaRPr lang="fr-FR" sz="2400" dirty="0"/>
           </a:p>
         </p:txBody>
@@ -6298,30 +6289,24 @@
         </p:nvSpPr>
         <p:spPr>
           <a:xfrm>
-            <a:off x="3048000" y="2967335"/>
-            <a:ext cx="6096000" cy="646331"/>
+            <a:off x="581192" y="3130107"/>
+            <a:ext cx="11029616" cy="1077218"/>
           </a:xfrm>
           <a:prstGeom prst="rect">
             <a:avLst/>
           </a:prstGeom>
         </p:spPr>
         <p:txBody>
-          <a:bodyPr>
+          <a:bodyPr wrap="square">
             <a:spAutoFit/>
           </a:bodyPr>
           <a:lstStyle/>
           <a:p>
             <a:r>
-              <a:rPr lang="fr-FR" dirty="0" smtClean="0"/>
-              <a:t>Présentation </a:t>
-            </a:r>
-          </a:p>
-          <a:p>
-            <a:r>
-              <a:rPr lang="fr-FR" dirty="0" err="1" smtClean="0"/>
-              <a:t>problematique</a:t>
-            </a:r>
-            <a:endParaRPr lang="fr-FR" dirty="0"/>
+              <a:rPr lang="fr-FR" sz="3200" dirty="0" smtClean="0"/>
+              <a:t>Notre projet consiste à réaliser un site web d’une bijouterie en ligne.</a:t>
+            </a:r>
+            <a:endParaRPr lang="fr-FR" sz="3200" dirty="0" smtClean="0"/>
           </a:p>
         </p:txBody>
       </p:sp>
@@ -6760,7 +6745,6 @@
               <a:rPr lang="fr-FR" sz="3600" dirty="0" smtClean="0"/>
               <a:t>Clientèle</a:t>
             </a:r>
-            <a:endParaRPr lang="fr-FR" sz="3600" dirty="0" smtClean="0"/>
           </a:p>
           <a:p>
             <a:r>
@@ -7194,7 +7178,7 @@
           <a:graphicData uri="http://schemas.openxmlformats.org/presentationml/2006/ole">
             <mc:AlternateContent xmlns:mc="http://schemas.openxmlformats.org/markup-compatibility/2006">
               <mc:Choice xmlns:v="urn:schemas-microsoft-com:vml" Requires="v">
-                <p:oleObj spid="_x0000_s1048" name="Visio" r:id="rId4" imgW="9248632" imgH="5972283" progId="Visio.Drawing.15">
+                <p:oleObj spid="_x0000_s1050" name="Visio" r:id="rId4" imgW="9248632" imgH="5972283" progId="Visio.Drawing.15">
                   <p:embed/>
                 </p:oleObj>
               </mc:Choice>
@@ -7694,7 +7678,7 @@
           <a:graphicData uri="http://schemas.openxmlformats.org/presentationml/2006/ole">
             <mc:AlternateContent xmlns:mc="http://schemas.openxmlformats.org/markup-compatibility/2006">
               <mc:Choice xmlns:v="urn:schemas-microsoft-com:vml" Requires="v">
-                <p:oleObj spid="_x0000_s2054" name="Visio" r:id="rId4" imgW="8210418" imgH="4991276" progId="Visio.Drawing.15">
+                <p:oleObj spid="_x0000_s2056" name="Visio" r:id="rId4" imgW="8210418" imgH="4991276" progId="Visio.Drawing.15">
                   <p:embed/>
                 </p:oleObj>
               </mc:Choice>
